--- a/Rubn esteganografia.pptx
+++ b/Rubn esteganografia.pptx
@@ -106,6 +106,11 @@
       </a:defRPr>
     </a:lvl9pPr>
   </p:defaultTextStyle>
+  <p:extLst>
+    <p:ext uri="{EFAFB233-063F-42B5-8137-9DF3F51BA10A}">
+      <p15:sldGuideLst xmlns:p15="http://schemas.microsoft.com/office/powerpoint/2012/main"/>
+    </p:ext>
+  </p:extLst>
 </p:presentation>
 </file>
 
@@ -3832,6 +3837,10 @@
           <a:bodyPr/>
           <a:lstStyle/>
           <a:p>
+            <a:r>
+              <a:rPr lang="es-EC"/>
+              <a:t>https://www.youtube.com/watch?v=Jw_PDCk28fs</a:t>
+            </a:r>
             <a:endParaRPr lang="es-EC"/>
           </a:p>
         </p:txBody>

--- a/Rubn esteganografia.pptx
+++ b/Rubn esteganografia.pptx
@@ -6,8 +6,11 @@
   </p:sldMasterIdLst>
   <p:sldIdLst>
     <p:sldId id="256" r:id="rId2"/>
-    <p:sldId id="258" r:id="rId3"/>
-    <p:sldId id="257" r:id="rId4"/>
+    <p:sldId id="261" r:id="rId3"/>
+    <p:sldId id="258" r:id="rId4"/>
+    <p:sldId id="257" r:id="rId5"/>
+    <p:sldId id="259" r:id="rId6"/>
+    <p:sldId id="260" r:id="rId7"/>
   </p:sldIdLst>
   <p:sldSz cx="12192000" cy="6858000"/>
   <p:notesSz cx="6858000" cy="9144000"/>
@@ -245,7 +248,7 @@
           <a:p>
             <a:fld id="{D4CDE464-0101-4D02-B4DE-C3B209C30F06}" type="datetimeFigureOut">
               <a:rPr lang="es-EC" smtClean="0"/>
-              <a:t>19/12/2018</a:t>
+              <a:t>21/12/2018</a:t>
             </a:fld>
             <a:endParaRPr lang="es-EC"/>
           </a:p>
@@ -415,7 +418,7 @@
           <a:p>
             <a:fld id="{D4CDE464-0101-4D02-B4DE-C3B209C30F06}" type="datetimeFigureOut">
               <a:rPr lang="es-EC" smtClean="0"/>
-              <a:t>19/12/2018</a:t>
+              <a:t>21/12/2018</a:t>
             </a:fld>
             <a:endParaRPr lang="es-EC"/>
           </a:p>
@@ -595,7 +598,7 @@
           <a:p>
             <a:fld id="{D4CDE464-0101-4D02-B4DE-C3B209C30F06}" type="datetimeFigureOut">
               <a:rPr lang="es-EC" smtClean="0"/>
-              <a:t>19/12/2018</a:t>
+              <a:t>21/12/2018</a:t>
             </a:fld>
             <a:endParaRPr lang="es-EC"/>
           </a:p>
@@ -765,7 +768,7 @@
           <a:p>
             <a:fld id="{D4CDE464-0101-4D02-B4DE-C3B209C30F06}" type="datetimeFigureOut">
               <a:rPr lang="es-EC" smtClean="0"/>
-              <a:t>19/12/2018</a:t>
+              <a:t>21/12/2018</a:t>
             </a:fld>
             <a:endParaRPr lang="es-EC"/>
           </a:p>
@@ -1011,7 +1014,7 @@
           <a:p>
             <a:fld id="{D4CDE464-0101-4D02-B4DE-C3B209C30F06}" type="datetimeFigureOut">
               <a:rPr lang="es-EC" smtClean="0"/>
-              <a:t>19/12/2018</a:t>
+              <a:t>21/12/2018</a:t>
             </a:fld>
             <a:endParaRPr lang="es-EC"/>
           </a:p>
@@ -1243,7 +1246,7 @@
           <a:p>
             <a:fld id="{D4CDE464-0101-4D02-B4DE-C3B209C30F06}" type="datetimeFigureOut">
               <a:rPr lang="es-EC" smtClean="0"/>
-              <a:t>19/12/2018</a:t>
+              <a:t>21/12/2018</a:t>
             </a:fld>
             <a:endParaRPr lang="es-EC"/>
           </a:p>
@@ -1610,7 +1613,7 @@
           <a:p>
             <a:fld id="{D4CDE464-0101-4D02-B4DE-C3B209C30F06}" type="datetimeFigureOut">
               <a:rPr lang="es-EC" smtClean="0"/>
-              <a:t>19/12/2018</a:t>
+              <a:t>21/12/2018</a:t>
             </a:fld>
             <a:endParaRPr lang="es-EC"/>
           </a:p>
@@ -1728,7 +1731,7 @@
           <a:p>
             <a:fld id="{D4CDE464-0101-4D02-B4DE-C3B209C30F06}" type="datetimeFigureOut">
               <a:rPr lang="es-EC" smtClean="0"/>
-              <a:t>19/12/2018</a:t>
+              <a:t>21/12/2018</a:t>
             </a:fld>
             <a:endParaRPr lang="es-EC"/>
           </a:p>
@@ -1823,7 +1826,7 @@
           <a:p>
             <a:fld id="{D4CDE464-0101-4D02-B4DE-C3B209C30F06}" type="datetimeFigureOut">
               <a:rPr lang="es-EC" smtClean="0"/>
-              <a:t>19/12/2018</a:t>
+              <a:t>21/12/2018</a:t>
             </a:fld>
             <a:endParaRPr lang="es-EC"/>
           </a:p>
@@ -2100,7 +2103,7 @@
           <a:p>
             <a:fld id="{D4CDE464-0101-4D02-B4DE-C3B209C30F06}" type="datetimeFigureOut">
               <a:rPr lang="es-EC" smtClean="0"/>
-              <a:t>19/12/2018</a:t>
+              <a:t>21/12/2018</a:t>
             </a:fld>
             <a:endParaRPr lang="es-EC"/>
           </a:p>
@@ -2353,7 +2356,7 @@
           <a:p>
             <a:fld id="{D4CDE464-0101-4D02-B4DE-C3B209C30F06}" type="datetimeFigureOut">
               <a:rPr lang="es-EC" smtClean="0"/>
-              <a:t>19/12/2018</a:t>
+              <a:t>21/12/2018</a:t>
             </a:fld>
             <a:endParaRPr lang="es-EC"/>
           </a:p>
@@ -2566,7 +2569,7 @@
           <a:p>
             <a:fld id="{D4CDE464-0101-4D02-B4DE-C3B209C30F06}" type="datetimeFigureOut">
               <a:rPr lang="es-EC" smtClean="0"/>
-              <a:t>19/12/2018</a:t>
+              <a:t>21/12/2018</a:t>
             </a:fld>
             <a:endParaRPr lang="es-EC"/>
           </a:p>
@@ -2957,6 +2960,14 @@
 <file path=ppt/slides/slide1.xml><?xml version="1.0" encoding="utf-8"?>
 <p:sld xmlns:a="http://schemas.openxmlformats.org/drawingml/2006/main" xmlns:r="http://schemas.openxmlformats.org/officeDocument/2006/relationships" xmlns:p="http://schemas.openxmlformats.org/presentationml/2006/main">
   <p:cSld>
+    <p:bg>
+      <p:bgPr>
+        <a:solidFill>
+          <a:srgbClr val="1C2658"/>
+        </a:solidFill>
+        <a:effectLst/>
+      </p:bgPr>
+    </p:bg>
     <p:spTree>
       <p:nvGrpSpPr>
         <p:cNvPr id="1" name=""/>
@@ -2971,22 +2982,224 @@
           <a:chExt cx="0" cy="0"/>
         </a:xfrm>
       </p:grpSpPr>
+      <p:pic>
+        <p:nvPicPr>
+          <p:cNvPr id="24" name="Imagen 23"/>
+          <p:cNvPicPr>
+            <a:picLocks noChangeAspect="1"/>
+          </p:cNvPicPr>
+          <p:nvPr/>
+        </p:nvPicPr>
+        <p:blipFill>
+          <a:blip r:embed="rId2">
+            <a:duotone>
+              <a:prstClr val="black"/>
+              <a:srgbClr val="FFC000">
+                <a:tint val="45000"/>
+                <a:satMod val="400000"/>
+              </a:srgbClr>
+            </a:duotone>
+            <a:extLst>
+              <a:ext uri="{BEBA8EAE-BF5A-486C-A8C5-ECC9F3942E4B}">
+                <a14:imgProps xmlns:a14="http://schemas.microsoft.com/office/drawing/2010/main">
+                  <a14:imgLayer r:embed="rId3">
+                    <a14:imgEffect>
+                      <a14:brightnessContrast bright="-1000" contrast="-1000"/>
+                    </a14:imgEffect>
+                  </a14:imgLayer>
+                </a14:imgProps>
+              </a:ext>
+              <a:ext uri="{28A0092B-C50C-407E-A947-70E740481C1C}">
+                <a14:useLocalDpi xmlns:a14="http://schemas.microsoft.com/office/drawing/2010/main" val="0"/>
+              </a:ext>
+            </a:extLst>
+          </a:blip>
+          <a:stretch>
+            <a:fillRect/>
+          </a:stretch>
+        </p:blipFill>
+        <p:spPr>
+          <a:xfrm>
+            <a:off x="6961348" y="4026985"/>
+            <a:ext cx="5181331" cy="2818644"/>
+          </a:xfrm>
+          <a:prstGeom prst="rect">
+            <a:avLst/>
+          </a:prstGeom>
+        </p:spPr>
+      </p:pic>
+      <p:pic>
+        <p:nvPicPr>
+          <p:cNvPr id="4" name="Imagen 3"/>
+          <p:cNvPicPr>
+            <a:picLocks noChangeAspect="1"/>
+          </p:cNvPicPr>
+          <p:nvPr/>
+        </p:nvPicPr>
+        <p:blipFill>
+          <a:blip r:embed="rId4">
+            <a:extLst>
+              <a:ext uri="{28A0092B-C50C-407E-A947-70E740481C1C}">
+                <a14:useLocalDpi xmlns:a14="http://schemas.microsoft.com/office/drawing/2010/main" val="0"/>
+              </a:ext>
+            </a:extLst>
+          </a:blip>
+          <a:stretch>
+            <a:fillRect/>
+          </a:stretch>
+        </p:blipFill>
+        <p:spPr>
+          <a:xfrm>
+            <a:off x="-132839" y="5454032"/>
+            <a:ext cx="12891969" cy="4414371"/>
+          </a:xfrm>
+          <a:prstGeom prst="rect">
+            <a:avLst/>
+          </a:prstGeom>
+        </p:spPr>
+      </p:pic>
       <p:sp>
         <p:nvSpPr>
-          <p:cNvPr id="13" name="Rectángulo redondeado 12"/>
+          <p:cNvPr id="18" name="Rectángulo 17"/>
           <p:cNvSpPr/>
           <p:nvPr/>
         </p:nvSpPr>
         <p:spPr>
-          <a:xfrm>
-            <a:off x="8464668" y="652228"/>
-            <a:ext cx="3551882" cy="1720246"/>
+          <a:xfrm rot="21215987">
+            <a:off x="9242934" y="6086914"/>
+            <a:ext cx="3757126" cy="786607"/>
+          </a:xfrm>
+          <a:prstGeom prst="rect">
+            <a:avLst/>
+          </a:prstGeom>
+          <a:noFill/>
+          <a:ln>
+            <a:noFill/>
+          </a:ln>
+        </p:spPr>
+        <p:style>
+          <a:lnRef idx="2">
+            <a:schemeClr val="accent1">
+              <a:shade val="50000"/>
+            </a:schemeClr>
+          </a:lnRef>
+          <a:fillRef idx="1">
+            <a:schemeClr val="accent1"/>
+          </a:fillRef>
+          <a:effectRef idx="0">
+            <a:schemeClr val="accent1"/>
+          </a:effectRef>
+          <a:fontRef idx="minor">
+            <a:schemeClr val="lt1"/>
+          </a:fontRef>
+        </p:style>
+        <p:txBody>
+          <a:bodyPr rtlCol="0" anchor="ctr"/>
+          <a:lstStyle/>
+          <a:p>
+            <a:pPr algn="ctr"/>
+            <a:r>
+              <a:rPr lang="es-EC" sz="3200" dirty="0" err="1" smtClean="0">
+                <a:ln>
+                  <a:solidFill>
+                    <a:schemeClr val="tx1">
+                      <a:lumMod val="75000"/>
+                      <a:lumOff val="25000"/>
+                    </a:schemeClr>
+                  </a:solidFill>
+                </a:ln>
+                <a:solidFill>
+                  <a:schemeClr val="bg1"/>
+                </a:solidFill>
+                <a:latin typeface="Bangers" panose="00000500000000000000" pitchFamily="2" charset="0"/>
+              </a:rPr>
+              <a:t>EdT</a:t>
+            </a:r>
+            <a:r>
+              <a:rPr lang="es-EC" sz="2000" dirty="0" err="1" smtClean="0">
+                <a:ln>
+                  <a:solidFill>
+                    <a:schemeClr val="tx1">
+                      <a:lumMod val="75000"/>
+                      <a:lumOff val="25000"/>
+                    </a:schemeClr>
+                  </a:solidFill>
+                </a:ln>
+                <a:solidFill>
+                  <a:schemeClr val="bg1"/>
+                </a:solidFill>
+                <a:latin typeface="Bangers" panose="00000500000000000000" pitchFamily="2" charset="0"/>
+              </a:rPr>
+              <a:t>eam</a:t>
+            </a:r>
+            <a:r>
+              <a:rPr lang="es-EC" sz="3600" dirty="0" smtClean="0">
+                <a:ln>
+                  <a:solidFill>
+                    <a:schemeClr val="tx1">
+                      <a:lumMod val="75000"/>
+                      <a:lumOff val="25000"/>
+                    </a:schemeClr>
+                  </a:solidFill>
+                </a:ln>
+                <a:solidFill>
+                  <a:schemeClr val="bg1"/>
+                </a:solidFill>
+                <a:latin typeface="Bangers" panose="00000500000000000000" pitchFamily="2" charset="0"/>
+              </a:rPr>
+              <a:t> C   </a:t>
+            </a:r>
+            <a:r>
+              <a:rPr lang="es-EC" sz="3600" dirty="0" err="1" smtClean="0">
+                <a:ln>
+                  <a:solidFill>
+                    <a:schemeClr val="tx1">
+                      <a:lumMod val="75000"/>
+                      <a:lumOff val="25000"/>
+                    </a:schemeClr>
+                  </a:solidFill>
+                </a:ln>
+                <a:solidFill>
+                  <a:schemeClr val="bg1"/>
+                </a:solidFill>
+                <a:latin typeface="Bangers" panose="00000500000000000000" pitchFamily="2" charset="0"/>
+              </a:rPr>
+              <a:t>mic</a:t>
+            </a:r>
+            <a:endParaRPr lang="es-EC" sz="2400" dirty="0">
+              <a:ln>
+                <a:solidFill>
+                  <a:schemeClr val="tx1">
+                    <a:lumMod val="75000"/>
+                    <a:lumOff val="25000"/>
+                  </a:schemeClr>
+                </a:solidFill>
+              </a:ln>
+              <a:solidFill>
+                <a:schemeClr val="bg1"/>
+              </a:solidFill>
+              <a:latin typeface="Bangers" panose="00000500000000000000" pitchFamily="2" charset="0"/>
+            </a:endParaRPr>
+          </a:p>
+        </p:txBody>
+      </p:sp>
+      <p:sp>
+        <p:nvSpPr>
+          <p:cNvPr id="6" name="Rectángulo redondeado 5"/>
+          <p:cNvSpPr/>
+          <p:nvPr/>
+        </p:nvSpPr>
+        <p:spPr>
+          <a:xfrm rot="21291696">
+            <a:off x="3655062" y="413953"/>
+            <a:ext cx="3894083" cy="1720246"/>
           </a:xfrm>
           <a:prstGeom prst="roundRect">
             <a:avLst>
               <a:gd name="adj" fmla="val 7307"/>
             </a:avLst>
           </a:prstGeom>
+          <a:noFill/>
         </p:spPr>
         <p:style>
           <a:lnRef idx="2">
@@ -3009,535 +3222,190 @@
           <a:lstStyle/>
           <a:p>
             <a:r>
-              <a:rPr lang="es-EC" sz="1400" dirty="0">
-                <a:latin typeface="Comic Sans MS" panose="030F0702030302020204" pitchFamily="66" charset="0"/>
-              </a:rPr>
-              <a:t>La </a:t>
-            </a:r>
-            <a:r>
-              <a:rPr lang="es-EC" sz="1400" b="1" dirty="0">
-                <a:latin typeface="Comic Sans MS" panose="030F0702030302020204" pitchFamily="66" charset="0"/>
-              </a:rPr>
-              <a:t>Criptografía</a:t>
-            </a:r>
-            <a:r>
-              <a:rPr lang="es-EC" sz="1400" dirty="0">
-                <a:latin typeface="Comic Sans MS" panose="030F0702030302020204" pitchFamily="66" charset="0"/>
-              </a:rPr>
-              <a:t> estudia las técnicas para transformar la información a una forma que no pueda entenderse a simple vista protegerlos contra modificación y comprobar la fuente de los mismos.</a:t>
-            </a:r>
-          </a:p>
-        </p:txBody>
-      </p:sp>
-      <p:sp>
-        <p:nvSpPr>
-          <p:cNvPr id="14" name="Rectángulo redondeado 13"/>
-          <p:cNvSpPr/>
-          <p:nvPr/>
-        </p:nvSpPr>
-        <p:spPr>
-          <a:xfrm>
-            <a:off x="4972032" y="4693478"/>
-            <a:ext cx="4087245" cy="1944024"/>
-          </a:xfrm>
-          <a:prstGeom prst="roundRect">
-            <a:avLst>
-              <a:gd name="adj" fmla="val 7307"/>
-            </a:avLst>
-          </a:prstGeom>
-        </p:spPr>
-        <p:style>
-          <a:lnRef idx="2">
-            <a:schemeClr val="accent5"/>
-          </a:lnRef>
-          <a:fillRef idx="1">
-            <a:schemeClr val="lt1"/>
-          </a:fillRef>
-          <a:effectRef idx="0">
-            <a:schemeClr val="accent5"/>
-          </a:effectRef>
-          <a:fontRef idx="minor">
-            <a:schemeClr val="dk1"/>
-          </a:fontRef>
-        </p:style>
-        <p:txBody>
-          <a:bodyPr lIns="180000" tIns="180000" rIns="180000" bIns="180000" rtlCol="0" anchor="ctr">
-            <a:spAutoFit/>
-          </a:bodyPr>
-          <a:lstStyle/>
-          <a:p>
-            <a:r>
-              <a:rPr lang="es-EC" sz="1400" dirty="0" smtClean="0">
-                <a:latin typeface="Comic Sans MS" panose="030F0702030302020204" pitchFamily="66" charset="0"/>
-              </a:rPr>
-              <a:t>El</a:t>
-            </a:r>
-            <a:r>
-              <a:rPr lang="es-EC" sz="1400" dirty="0">
-                <a:latin typeface="Comic Sans MS" panose="030F0702030302020204" pitchFamily="66" charset="0"/>
-              </a:rPr>
-              <a:t> </a:t>
-            </a:r>
-            <a:r>
-              <a:rPr lang="es-EC" sz="1400" b="1" dirty="0">
-                <a:latin typeface="Comic Sans MS" panose="030F0702030302020204" pitchFamily="66" charset="0"/>
-              </a:rPr>
-              <a:t>Criptoanálisis</a:t>
-            </a:r>
-            <a:r>
-              <a:rPr lang="es-EC" sz="1400" dirty="0">
-                <a:latin typeface="Comic Sans MS" panose="030F0702030302020204" pitchFamily="66" charset="0"/>
-              </a:rPr>
-              <a:t> es la ciencia que se ocupa del análisis de un texto cifrado para obtener la información original sin conocimiento de la clave secreta, esto es, de forma ilícita rompiendo así los procedimientos de cifrado establecidos por la </a:t>
-            </a:r>
-            <a:r>
-              <a:rPr lang="es-EC" sz="1400" dirty="0" smtClean="0">
-                <a:latin typeface="Comic Sans MS" panose="030F0702030302020204" pitchFamily="66" charset="0"/>
-              </a:rPr>
-              <a:t>Criptografía. </a:t>
-            </a:r>
-            <a:endParaRPr lang="es-EC" sz="1400" dirty="0">
+              <a:rPr lang="es-EC" sz="1100" dirty="0">
+                <a:solidFill>
+                  <a:srgbClr val="808BDA"/>
+                </a:solidFill>
+                <a:latin typeface="Comic Sans MS" panose="030F0702030302020204" pitchFamily="66" charset="0"/>
+              </a:rPr>
+              <a:t>Todo nació de la necesidad de enviar un mensaje </a:t>
+            </a:r>
+            <a:r>
+              <a:rPr lang="es-EC" sz="1100" dirty="0" smtClean="0">
+                <a:solidFill>
+                  <a:srgbClr val="808BDA"/>
+                </a:solidFill>
+                <a:latin typeface="Comic Sans MS" panose="030F0702030302020204" pitchFamily="66" charset="0"/>
+              </a:rPr>
+              <a:t>oculto y </a:t>
+            </a:r>
+            <a:r>
+              <a:rPr lang="es-EC" sz="1100" dirty="0">
+                <a:solidFill>
+                  <a:srgbClr val="808BDA"/>
+                </a:solidFill>
+                <a:latin typeface="Comic Sans MS" panose="030F0702030302020204" pitchFamily="66" charset="0"/>
+              </a:rPr>
+              <a:t>leí varios </a:t>
+            </a:r>
+            <a:r>
+              <a:rPr lang="es-EC" sz="1100" dirty="0" smtClean="0">
+                <a:solidFill>
+                  <a:srgbClr val="808BDA"/>
+                </a:solidFill>
+                <a:latin typeface="Comic Sans MS" panose="030F0702030302020204" pitchFamily="66" charset="0"/>
+              </a:rPr>
+              <a:t>artículos, unos más complejos que otros y me quede con estos </a:t>
+            </a:r>
+            <a:r>
+              <a:rPr lang="es-EC" sz="1100" dirty="0" smtClean="0">
+                <a:solidFill>
+                  <a:srgbClr val="808BDA"/>
+                </a:solidFill>
+                <a:latin typeface="Comic Sans MS" panose="030F0702030302020204" pitchFamily="66" charset="0"/>
+                <a:hlinkClick r:id="rId5"/>
+              </a:rPr>
+              <a:t>Link1</a:t>
+            </a:r>
+            <a:r>
+              <a:rPr lang="es-EC" sz="1100" dirty="0">
+                <a:solidFill>
+                  <a:srgbClr val="808BDA"/>
+                </a:solidFill>
+                <a:latin typeface="Comic Sans MS" panose="030F0702030302020204" pitchFamily="66" charset="0"/>
+              </a:rPr>
+              <a:t> </a:t>
+            </a:r>
+            <a:r>
+              <a:rPr lang="es-EC" sz="1100" dirty="0" smtClean="0">
+                <a:solidFill>
+                  <a:srgbClr val="808BDA"/>
+                </a:solidFill>
+                <a:latin typeface="Comic Sans MS" panose="030F0702030302020204" pitchFamily="66" charset="0"/>
+              </a:rPr>
+              <a:t>, </a:t>
+            </a:r>
+            <a:r>
+              <a:rPr lang="es-EC" sz="1100" dirty="0" smtClean="0">
+                <a:solidFill>
+                  <a:srgbClr val="808BDA"/>
+                </a:solidFill>
+                <a:latin typeface="Comic Sans MS" panose="030F0702030302020204" pitchFamily="66" charset="0"/>
+                <a:hlinkClick r:id="rId6"/>
+              </a:rPr>
+              <a:t>Link2</a:t>
+            </a:r>
+            <a:r>
+              <a:rPr lang="es-EC" sz="1100" dirty="0" smtClean="0">
+                <a:solidFill>
+                  <a:srgbClr val="808BDA"/>
+                </a:solidFill>
+                <a:latin typeface="Comic Sans MS" panose="030F0702030302020204" pitchFamily="66" charset="0"/>
+              </a:rPr>
+              <a:t> .</a:t>
+            </a:r>
+            <a:endParaRPr lang="es-EC" sz="1100" dirty="0">
+              <a:solidFill>
+                <a:srgbClr val="808BDA"/>
+              </a:solidFill>
               <a:latin typeface="Comic Sans MS" panose="030F0702030302020204" pitchFamily="66" charset="0"/>
             </a:endParaRPr>
           </a:p>
-        </p:txBody>
-      </p:sp>
-      <p:sp>
-        <p:nvSpPr>
-          <p:cNvPr id="15" name="Rectángulo redondeado 14"/>
-          <p:cNvSpPr/>
-          <p:nvPr/>
-        </p:nvSpPr>
-        <p:spPr>
-          <a:xfrm>
-            <a:off x="6607221" y="2784860"/>
-            <a:ext cx="5406103" cy="1496468"/>
-          </a:xfrm>
-          <a:prstGeom prst="roundRect">
-            <a:avLst>
-              <a:gd name="adj" fmla="val 7307"/>
-            </a:avLst>
-          </a:prstGeom>
-        </p:spPr>
-        <p:style>
-          <a:lnRef idx="2">
-            <a:schemeClr val="accent5"/>
-          </a:lnRef>
-          <a:fillRef idx="1">
-            <a:schemeClr val="lt1"/>
-          </a:fillRef>
-          <a:effectRef idx="0">
-            <a:schemeClr val="accent5"/>
-          </a:effectRef>
-          <a:fontRef idx="minor">
-            <a:schemeClr val="dk1"/>
-          </a:fontRef>
-        </p:style>
-        <p:txBody>
-          <a:bodyPr lIns="180000" tIns="180000" rIns="180000" bIns="180000" rtlCol="0" anchor="ctr">
-            <a:spAutoFit/>
-          </a:bodyPr>
-          <a:lstStyle/>
-          <a:p>
-            <a:r>
-              <a:rPr lang="es-EC" sz="1400" dirty="0">
-                <a:latin typeface="Comic Sans MS" panose="030F0702030302020204" pitchFamily="66" charset="0"/>
-              </a:rPr>
-              <a:t>La </a:t>
-            </a:r>
-            <a:r>
-              <a:rPr lang="es-EC" sz="1400" b="1" dirty="0" err="1">
-                <a:latin typeface="Comic Sans MS" panose="030F0702030302020204" pitchFamily="66" charset="0"/>
-              </a:rPr>
-              <a:t>Esteganografía</a:t>
-            </a:r>
-            <a:r>
-              <a:rPr lang="es-EC" sz="1400" b="1" dirty="0">
-                <a:latin typeface="Comic Sans MS" panose="030F0702030302020204" pitchFamily="66" charset="0"/>
-              </a:rPr>
-              <a:t> </a:t>
-            </a:r>
-            <a:r>
-              <a:rPr lang="es-EC" sz="1400" dirty="0">
-                <a:latin typeface="Comic Sans MS" panose="030F0702030302020204" pitchFamily="66" charset="0"/>
-              </a:rPr>
-              <a:t>forma de ocultar la existencia de un mensaje. Esta ciencia consiste en esconder en el interior de un mensaje, otro mensaje secreto, el cual sólo podrá ser entendido por el emisor y el receptor y pasará inadvertido para todos los demás.</a:t>
-            </a:r>
-          </a:p>
-        </p:txBody>
-      </p:sp>
-      <p:sp>
-        <p:nvSpPr>
-          <p:cNvPr id="6" name="Rectángulo redondeado 5"/>
-          <p:cNvSpPr/>
-          <p:nvPr/>
-        </p:nvSpPr>
-        <p:spPr>
-          <a:xfrm>
-            <a:off x="197816" y="273269"/>
-            <a:ext cx="3894083" cy="6519649"/>
-          </a:xfrm>
-          <a:prstGeom prst="roundRect">
-            <a:avLst>
-              <a:gd name="adj" fmla="val 7307"/>
-            </a:avLst>
-          </a:prstGeom>
-          <a:solidFill>
-            <a:schemeClr val="lt1"/>
-          </a:solidFill>
-        </p:spPr>
-        <p:style>
-          <a:lnRef idx="2">
-            <a:schemeClr val="accent5"/>
-          </a:lnRef>
-          <a:fillRef idx="1">
-            <a:schemeClr val="lt1"/>
-          </a:fillRef>
-          <a:effectRef idx="0">
-            <a:schemeClr val="accent5"/>
-          </a:effectRef>
-          <a:fontRef idx="minor">
-            <a:schemeClr val="dk1"/>
-          </a:fontRef>
-        </p:style>
-        <p:txBody>
-          <a:bodyPr lIns="180000" tIns="180000" rIns="180000" bIns="180000" rtlCol="0" anchor="ctr">
-            <a:spAutoFit/>
-          </a:bodyPr>
-          <a:lstStyle/>
-          <a:p>
+          <a:p>
+            <a:r>
+              <a:rPr lang="es-EC" sz="1100" dirty="0" smtClean="0">
+                <a:solidFill>
+                  <a:srgbClr val="808BDA"/>
+                </a:solidFill>
+                <a:latin typeface="Comic Sans MS" panose="030F0702030302020204" pitchFamily="66" charset="0"/>
+              </a:rPr>
+              <a:t>Pero  </a:t>
+            </a:r>
             <a:r>
               <a:rPr lang="es-EC" sz="1100" dirty="0">
-                <a:latin typeface="Comic Sans MS" panose="030F0702030302020204" pitchFamily="66" charset="0"/>
-              </a:rPr>
-              <a:t>Todo nació de la necesidad de enviar un mensaje </a:t>
-            </a:r>
-            <a:r>
-              <a:rPr lang="es-EC" sz="1100" dirty="0" smtClean="0">
-                <a:latin typeface="Comic Sans MS" panose="030F0702030302020204" pitchFamily="66" charset="0"/>
-              </a:rPr>
-              <a:t>oculto y </a:t>
+                <a:solidFill>
+                  <a:srgbClr val="808BDA"/>
+                </a:solidFill>
+                <a:latin typeface="Comic Sans MS" panose="030F0702030302020204" pitchFamily="66" charset="0"/>
+              </a:rPr>
+              <a:t>te </a:t>
+            </a:r>
+            <a:r>
+              <a:rPr lang="es-EC" sz="1100" dirty="0" err="1">
+                <a:solidFill>
+                  <a:srgbClr val="808BDA"/>
+                </a:solidFill>
+                <a:latin typeface="Comic Sans MS" panose="030F0702030302020204" pitchFamily="66" charset="0"/>
+              </a:rPr>
+              <a:t>estaras</a:t>
             </a:r>
             <a:r>
               <a:rPr lang="es-EC" sz="1100" dirty="0">
-                <a:latin typeface="Comic Sans MS" panose="030F0702030302020204" pitchFamily="66" charset="0"/>
-              </a:rPr>
-              <a:t>leí varios artículos :  </a:t>
-            </a:r>
-            <a:r>
-              <a:rPr lang="es-EC" sz="1100" dirty="0">
-                <a:latin typeface="Comic Sans MS" panose="030F0702030302020204" pitchFamily="66" charset="0"/>
-                <a:hlinkClick r:id="rId2"/>
-              </a:rPr>
-              <a:t>Link1</a:t>
-            </a:r>
-            <a:r>
-              <a:rPr lang="es-EC" sz="1100" dirty="0">
-                <a:latin typeface="Comic Sans MS" panose="030F0702030302020204" pitchFamily="66" charset="0"/>
-              </a:rPr>
-              <a:t>    </a:t>
-            </a:r>
-            <a:r>
-              <a:rPr lang="es-EC" sz="1100" dirty="0">
-                <a:latin typeface="Comic Sans MS" panose="030F0702030302020204" pitchFamily="66" charset="0"/>
-                <a:hlinkClick r:id="rId3"/>
-              </a:rPr>
-              <a:t>Link2</a:t>
-            </a:r>
-            <a:r>
-              <a:rPr lang="es-EC" sz="1100" dirty="0">
+                <a:solidFill>
+                  <a:srgbClr val="808BDA"/>
+                </a:solidFill>
+                <a:latin typeface="Comic Sans MS" panose="030F0702030302020204" pitchFamily="66" charset="0"/>
+              </a:rPr>
+              <a:t> preguntado </a:t>
+            </a:r>
+            <a:r>
+              <a:rPr lang="es-EC" sz="1600" b="1" dirty="0">
+                <a:solidFill>
+                  <a:srgbClr val="808BDA"/>
+                </a:solidFill>
+              </a:rPr>
+              <a:t>¿</a:t>
+            </a:r>
+            <a:r>
+              <a:rPr lang="es-EC" sz="1200" b="1" dirty="0">
+                <a:solidFill>
+                  <a:srgbClr val="808BDA"/>
+                </a:solidFill>
+                <a:latin typeface="Comic Sans MS" panose="030F0702030302020204" pitchFamily="66" charset="0"/>
+              </a:rPr>
+              <a:t>Por qué</a:t>
+            </a:r>
+            <a:r>
+              <a:rPr lang="es-EC" sz="1200" b="1" dirty="0" smtClean="0">
+                <a:solidFill>
+                  <a:srgbClr val="808BDA"/>
+                </a:solidFill>
+                <a:latin typeface="Comic Sans MS" panose="030F0702030302020204" pitchFamily="66" charset="0"/>
+              </a:rPr>
+              <a:t>?. </a:t>
+            </a:r>
+            <a:r>
+              <a:rPr lang="es-EC" sz="1200" dirty="0" smtClean="0">
+                <a:solidFill>
+                  <a:srgbClr val="808BDA"/>
+                </a:solidFill>
+                <a:latin typeface="Comic Sans MS" panose="030F0702030302020204" pitchFamily="66" charset="0"/>
+              </a:rPr>
+              <a:t>Porque quiero que mi mensaje sea secreto.</a:t>
+            </a:r>
+          </a:p>
+          <a:p>
+            <a:r>
+              <a:rPr lang="es-EC" sz="1200" b="1" dirty="0" smtClean="0">
+                <a:solidFill>
+                  <a:srgbClr val="808BDA"/>
+                </a:solidFill>
                 <a:latin typeface="Comic Sans MS" panose="030F0702030302020204" pitchFamily="66" charset="0"/>
               </a:rPr>
               <a:t> </a:t>
             </a:r>
-          </a:p>
-          <a:p>
-            <a:r>
-              <a:rPr lang="es-EC" sz="1100" dirty="0" smtClean="0">
-                <a:latin typeface="Comic Sans MS" panose="030F0702030302020204" pitchFamily="66" charset="0"/>
-              </a:rPr>
-              <a:t>Pero  </a:t>
-            </a:r>
-            <a:r>
-              <a:rPr lang="es-EC" sz="1100" dirty="0">
-                <a:latin typeface="Comic Sans MS" panose="030F0702030302020204" pitchFamily="66" charset="0"/>
-              </a:rPr>
-              <a:t>te </a:t>
-            </a:r>
-            <a:r>
-              <a:rPr lang="es-EC" sz="1100" dirty="0" err="1">
-                <a:latin typeface="Comic Sans MS" panose="030F0702030302020204" pitchFamily="66" charset="0"/>
-              </a:rPr>
-              <a:t>estaras</a:t>
-            </a:r>
-            <a:r>
-              <a:rPr lang="es-EC" sz="1100" dirty="0">
-                <a:latin typeface="Comic Sans MS" panose="030F0702030302020204" pitchFamily="66" charset="0"/>
-              </a:rPr>
-              <a:t> preguntado </a:t>
-            </a:r>
-            <a:r>
-              <a:rPr lang="es-EC" sz="1600" b="1" dirty="0"/>
-              <a:t>¿</a:t>
-            </a:r>
-            <a:r>
-              <a:rPr lang="es-EC" sz="1200" b="1" dirty="0">
-                <a:latin typeface="Comic Sans MS" panose="030F0702030302020204" pitchFamily="66" charset="0"/>
-              </a:rPr>
-              <a:t>Por qué</a:t>
-            </a:r>
-            <a:r>
-              <a:rPr lang="es-EC" sz="1200" b="1" dirty="0" smtClean="0">
-                <a:latin typeface="Comic Sans MS" panose="030F0702030302020204" pitchFamily="66" charset="0"/>
-              </a:rPr>
-              <a:t>?. </a:t>
-            </a:r>
-            <a:r>
-              <a:rPr lang="es-EC" sz="1200" dirty="0" smtClean="0">
-                <a:latin typeface="Comic Sans MS" panose="030F0702030302020204" pitchFamily="66" charset="0"/>
-              </a:rPr>
-              <a:t>Porque quiero que mi mensaje sea secreto.</a:t>
-            </a:r>
-          </a:p>
-          <a:p>
-            <a:r>
-              <a:rPr lang="es-EC" sz="1200" b="1" dirty="0" smtClean="0">
-                <a:latin typeface="Comic Sans MS" panose="030F0702030302020204" pitchFamily="66" charset="0"/>
-              </a:rPr>
-              <a:t> </a:t>
-            </a:r>
             <a:endParaRPr lang="es-EC" sz="1100" b="1" dirty="0">
+              <a:solidFill>
+                <a:srgbClr val="808BDA"/>
+              </a:solidFill>
               <a:latin typeface="Comic Sans MS" panose="030F0702030302020204" pitchFamily="66" charset="0"/>
             </a:endParaRPr>
           </a:p>
           <a:p>
-            <a:r>
-              <a:rPr lang="es-EC" sz="1100" dirty="0">
-                <a:latin typeface="Comic Sans MS" panose="030F0702030302020204" pitchFamily="66" charset="0"/>
-              </a:rPr>
-              <a:t>Pues sucede que en la actualidad el Ecuador esta sufriendo una crisis política Y es que están </a:t>
-            </a:r>
-            <a:r>
-              <a:rPr lang="es-EC" sz="1100" dirty="0" err="1">
-                <a:latin typeface="Comic Sans MS" panose="030F0702030302020204" pitchFamily="66" charset="0"/>
-              </a:rPr>
-              <a:t>arriconando</a:t>
-            </a:r>
-            <a:r>
-              <a:rPr lang="es-EC" sz="1100" dirty="0">
-                <a:latin typeface="Comic Sans MS" panose="030F0702030302020204" pitchFamily="66" charset="0"/>
-              </a:rPr>
-              <a:t> a los </a:t>
-            </a:r>
-            <a:r>
-              <a:rPr lang="es-EC" sz="1100" dirty="0" err="1">
-                <a:latin typeface="Comic Sans MS" panose="030F0702030302020204" pitchFamily="66" charset="0"/>
-              </a:rPr>
-              <a:t>correistas</a:t>
-            </a:r>
-            <a:r>
-              <a:rPr lang="es-EC" sz="1100" dirty="0">
-                <a:latin typeface="Comic Sans MS" panose="030F0702030302020204" pitchFamily="66" charset="0"/>
-              </a:rPr>
-              <a:t> pues encuentran audios  videos y documentos que los </a:t>
-            </a:r>
-            <a:r>
-              <a:rPr lang="es-EC" sz="1100" dirty="0" smtClean="0">
-                <a:latin typeface="Comic Sans MS" panose="030F0702030302020204" pitchFamily="66" charset="0"/>
-              </a:rPr>
-              <a:t>comprometen es mas  existen burlas y  memes hacia la Fuerza de inteligencia Ecuatoriana ya que según las noticias son un fracaso hasta para secuestrar.</a:t>
-            </a:r>
-          </a:p>
-          <a:p>
-            <a:r>
-              <a:rPr lang="es-EC" sz="1100" dirty="0" smtClean="0">
-                <a:latin typeface="Comic Sans MS" panose="030F0702030302020204" pitchFamily="66" charset="0"/>
-              </a:rPr>
-              <a:t>Por otro lado me dio temor ya que esta supuesta inteligencia del ecuador puede infiltrarse y leer correos ajenos, leer </a:t>
-            </a:r>
-            <a:r>
-              <a:rPr lang="es-EC" sz="1100" dirty="0" err="1" smtClean="0">
-                <a:latin typeface="Comic Sans MS" panose="030F0702030302020204" pitchFamily="66" charset="0"/>
-              </a:rPr>
-              <a:t>twiters</a:t>
-            </a:r>
-            <a:r>
-              <a:rPr lang="es-EC" sz="1100" dirty="0" smtClean="0">
-                <a:latin typeface="Comic Sans MS" panose="030F0702030302020204" pitchFamily="66" charset="0"/>
-              </a:rPr>
-              <a:t> </a:t>
-            </a:r>
-            <a:r>
-              <a:rPr lang="es-EC" sz="1100" dirty="0" err="1" smtClean="0">
-                <a:latin typeface="Comic Sans MS" panose="030F0702030302020204" pitchFamily="66" charset="0"/>
-              </a:rPr>
-              <a:t>etc</a:t>
-            </a:r>
-            <a:r>
-              <a:rPr lang="es-EC" sz="1100" dirty="0" smtClean="0">
-                <a:latin typeface="Comic Sans MS" panose="030F0702030302020204" pitchFamily="66" charset="0"/>
-              </a:rPr>
-              <a:t> y otro miedo es que el mismo Facebook dijo  que se habían filtrado fotos de sus usuarios por </a:t>
-            </a:r>
-            <a:r>
-              <a:rPr lang="es-EC" sz="1100" dirty="0" err="1" smtClean="0">
-                <a:latin typeface="Comic Sans MS" panose="030F0702030302020204" pitchFamily="66" charset="0"/>
-              </a:rPr>
-              <a:t>apliaciones</a:t>
-            </a:r>
-            <a:r>
-              <a:rPr lang="es-EC" sz="1100" dirty="0" smtClean="0">
-                <a:latin typeface="Comic Sans MS" panose="030F0702030302020204" pitchFamily="66" charset="0"/>
-              </a:rPr>
-              <a:t> de terceros es decir esas aplicaciones que hacen que </a:t>
-            </a:r>
-            <a:r>
-              <a:rPr lang="es-EC" sz="1100" dirty="0" err="1" smtClean="0">
-                <a:latin typeface="Comic Sans MS" panose="030F0702030302020204" pitchFamily="66" charset="0"/>
-              </a:rPr>
-              <a:t>facebbook</a:t>
-            </a:r>
-            <a:r>
-              <a:rPr lang="es-EC" sz="1100" dirty="0" smtClean="0">
-                <a:latin typeface="Comic Sans MS" panose="030F0702030302020204" pitchFamily="66" charset="0"/>
-              </a:rPr>
-              <a:t> tenga mas funcionalidad  o los mismos juegos que se instalan. ENTOCES vivimos un tiempo de inseguridad esto </a:t>
-            </a:r>
-            <a:r>
-              <a:rPr lang="es-EC" sz="1100" dirty="0" err="1" smtClean="0">
-                <a:latin typeface="Comic Sans MS" panose="030F0702030302020204" pitchFamily="66" charset="0"/>
-              </a:rPr>
-              <a:t>simpre</a:t>
-            </a:r>
-            <a:r>
-              <a:rPr lang="es-EC" sz="1100" dirty="0" smtClean="0">
-                <a:latin typeface="Comic Sans MS" panose="030F0702030302020204" pitchFamily="66" charset="0"/>
-              </a:rPr>
-              <a:t> ha existido pero no en tal magnitud.</a:t>
-            </a:r>
-            <a:endParaRPr lang="es-EC" sz="1100" dirty="0">
-              <a:latin typeface="Comic Sans MS" panose="030F0702030302020204" pitchFamily="66" charset="0"/>
-            </a:endParaRPr>
-          </a:p>
-          <a:p>
-            <a:r>
-              <a:rPr lang="es-EC" sz="1100" dirty="0" smtClean="0">
-                <a:latin typeface="Comic Sans MS" panose="030F0702030302020204" pitchFamily="66" charset="0"/>
-              </a:rPr>
-              <a:t>Por tanto surgió </a:t>
-            </a:r>
-            <a:r>
-              <a:rPr lang="es-EC" sz="1100" dirty="0">
-                <a:latin typeface="Comic Sans MS" panose="030F0702030302020204" pitchFamily="66" charset="0"/>
-              </a:rPr>
-              <a:t>mi curiosidad de saber mas acerca de ello y es que la </a:t>
-            </a:r>
-            <a:r>
-              <a:rPr lang="es-EC" sz="1100" b="1" dirty="0">
-                <a:latin typeface="Comic Sans MS" panose="030F0702030302020204" pitchFamily="66" charset="0"/>
-              </a:rPr>
-              <a:t>CRIPTOLOGÍA</a:t>
-            </a:r>
-            <a:r>
-              <a:rPr lang="es-EC" sz="1100" dirty="0">
-                <a:latin typeface="Comic Sans MS" panose="030F0702030302020204" pitchFamily="66" charset="0"/>
-              </a:rPr>
-              <a:t> </a:t>
-            </a:r>
-            <a:r>
-              <a:rPr lang="es-EC" sz="1100" dirty="0" smtClean="0">
-                <a:latin typeface="Comic Sans MS" panose="030F0702030302020204" pitchFamily="66" charset="0"/>
-              </a:rPr>
-              <a:t>nos lleva a ello esta ciencia que sido aplicada hace mucho tiempo atrás desde y que tuvo su peso en la guerra mundial donde se fue desarrollando y descubriendo formas de enviar mensajes a sus batallones.</a:t>
-            </a:r>
-          </a:p>
-          <a:p>
-            <a:r>
-              <a:rPr lang="es-EC" sz="1100" dirty="0" smtClean="0">
-                <a:latin typeface="Comic Sans MS" panose="030F0702030302020204" pitchFamily="66" charset="0"/>
-              </a:rPr>
-              <a:t>A ese mundo misterioso donde podemos mantener secretos aunque sean </a:t>
-            </a:r>
-            <a:r>
-              <a:rPr lang="es-EC" sz="1100" dirty="0" err="1" smtClean="0">
-                <a:latin typeface="Comic Sans MS" panose="030F0702030302020204" pitchFamily="66" charset="0"/>
-              </a:rPr>
-              <a:t>decifrables</a:t>
-            </a:r>
-            <a:r>
-              <a:rPr lang="es-EC" sz="1100" dirty="0" smtClean="0">
-                <a:latin typeface="Comic Sans MS" panose="030F0702030302020204" pitchFamily="66" charset="0"/>
-              </a:rPr>
-              <a:t> para  pocos  es  </a:t>
-            </a:r>
-            <a:r>
-              <a:rPr lang="es-EC" sz="1100" dirty="0" err="1" smtClean="0">
-                <a:latin typeface="Comic Sans MS" panose="030F0702030302020204" pitchFamily="66" charset="0"/>
-              </a:rPr>
-              <a:t>indecifrable</a:t>
-            </a:r>
-            <a:r>
-              <a:rPr lang="es-EC" sz="1100" dirty="0" smtClean="0">
-                <a:latin typeface="Comic Sans MS" panose="030F0702030302020204" pitchFamily="66" charset="0"/>
-              </a:rPr>
-              <a:t> para la mayoría todo depende de el como lo vamos a realizar y su nivel de encriptación.</a:t>
-            </a:r>
-          </a:p>
-          <a:p>
-            <a:endParaRPr lang="es-EC" sz="1100" dirty="0">
-              <a:latin typeface="Comic Sans MS" panose="030F0702030302020204" pitchFamily="66" charset="0"/>
-            </a:endParaRPr>
-          </a:p>
-          <a:p>
-            <a:r>
-              <a:rPr lang="es-EC" sz="1100" dirty="0" smtClean="0">
-                <a:latin typeface="Comic Sans MS" panose="030F0702030302020204" pitchFamily="66" charset="0"/>
-              </a:rPr>
-              <a:t>La cristología tiene </a:t>
-            </a:r>
-            <a:r>
-              <a:rPr lang="es-EC" sz="1100" dirty="0">
-                <a:latin typeface="Comic Sans MS" panose="030F0702030302020204" pitchFamily="66" charset="0"/>
-              </a:rPr>
-              <a:t>tres ramas</a:t>
-            </a:r>
-            <a:r>
-              <a:rPr lang="es-EC" sz="1100" dirty="0" smtClean="0">
-                <a:latin typeface="Comic Sans MS" panose="030F0702030302020204" pitchFamily="66" charset="0"/>
-              </a:rPr>
-              <a:t>: </a:t>
-            </a:r>
-            <a:r>
-              <a:rPr lang="es-EC" sz="1100" b="1" dirty="0" smtClean="0">
-                <a:latin typeface="Comic Sans MS" panose="030F0702030302020204" pitchFamily="66" charset="0"/>
-              </a:rPr>
-              <a:t>Criptoanálisis</a:t>
-            </a:r>
-            <a:r>
-              <a:rPr lang="es-EC" sz="1100" dirty="0" smtClean="0">
-                <a:latin typeface="Comic Sans MS" panose="030F0702030302020204" pitchFamily="66" charset="0"/>
-              </a:rPr>
-              <a:t> ,</a:t>
-            </a:r>
-            <a:r>
-              <a:rPr lang="es-EC" sz="1100" b="1" dirty="0" smtClean="0">
-                <a:latin typeface="Comic Sans MS" panose="030F0702030302020204" pitchFamily="66" charset="0"/>
-              </a:rPr>
-              <a:t> </a:t>
-            </a:r>
-            <a:r>
-              <a:rPr lang="es-EC" sz="1100" b="1" dirty="0" err="1" smtClean="0">
-                <a:latin typeface="Comic Sans MS" panose="030F0702030302020204" pitchFamily="66" charset="0"/>
-              </a:rPr>
-              <a:t>Esteganografía</a:t>
-            </a:r>
-            <a:r>
-              <a:rPr lang="es-EC" sz="1100" b="1" dirty="0" smtClean="0">
-                <a:latin typeface="Comic Sans MS" panose="030F0702030302020204" pitchFamily="66" charset="0"/>
-              </a:rPr>
-              <a:t> , Criptografía</a:t>
-            </a:r>
-            <a:endParaRPr lang="es-EC" sz="1100" b="1" dirty="0">
+            <a:endParaRPr lang="es-EC" sz="1100" dirty="0" smtClean="0">
+              <a:solidFill>
+                <a:srgbClr val="808BDA"/>
+              </a:solidFill>
               <a:latin typeface="Comic Sans MS" panose="030F0702030302020204" pitchFamily="66" charset="0"/>
             </a:endParaRPr>
           </a:p>
@@ -3552,8 +3420,17 @@
           <p:nvPr/>
         </p:nvPicPr>
         <p:blipFill>
-          <a:blip r:embed="rId4" cstate="print">
+          <a:blip r:embed="rId7" cstate="print">
             <a:extLst>
+              <a:ext uri="{BEBA8EAE-BF5A-486C-A8C5-ECC9F3942E4B}">
+                <a14:imgProps xmlns:a14="http://schemas.microsoft.com/office/drawing/2010/main">
+                  <a14:imgLayer r:embed="rId8">
+                    <a14:imgEffect>
+                      <a14:brightnessContrast bright="-20000" contrast="-40000"/>
+                    </a14:imgEffect>
+                  </a14:imgLayer>
+                </a14:imgProps>
+              </a:ext>
               <a:ext uri="{28A0092B-C50C-407E-A947-70E740481C1C}">
                 <a14:useLocalDpi xmlns:a14="http://schemas.microsoft.com/office/drawing/2010/main" val="0"/>
               </a:ext>
@@ -3565,12 +3442,23 @@
         </p:blipFill>
         <p:spPr>
           <a:xfrm rot="21152361" flipH="1">
-            <a:off x="3849801" y="1204459"/>
+            <a:off x="133134" y="4047673"/>
             <a:ext cx="1771564" cy="2485334"/>
           </a:xfrm>
           <a:prstGeom prst="rect">
             <a:avLst/>
           </a:prstGeom>
+          <a:noFill/>
+          <a:ln>
+            <a:noFill/>
+          </a:ln>
+          <a:effectLst>
+            <a:outerShdw blurRad="127000" dist="533400" sx="73000" sy="73000" kx="-1200000" algn="bl" rotWithShape="0">
+              <a:prstClr val="black">
+                <a:alpha val="24000"/>
+              </a:prstClr>
+            </a:outerShdw>
+          </a:effectLst>
         </p:spPr>
       </p:pic>
       <p:sp>
@@ -3580,24 +3468,104 @@
           <p:nvPr/>
         </p:nvSpPr>
         <p:spPr>
-          <a:xfrm rot="21303348">
-            <a:off x="4587631" y="-104670"/>
-            <a:ext cx="2375179" cy="1328847"/>
+          <a:xfrm rot="20699653">
+            <a:off x="1041689" y="3659090"/>
+            <a:ext cx="1838809" cy="905647"/>
           </a:xfrm>
           <a:prstGeom prst="cloudCallout">
             <a:avLst>
-              <a:gd name="adj1" fmla="val -47195"/>
-              <a:gd name="adj2" fmla="val 49870"/>
+              <a:gd name="adj1" fmla="val -54490"/>
+              <a:gd name="adj2" fmla="val 54881"/>
             </a:avLst>
           </a:prstGeom>
           <a:solidFill>
-            <a:schemeClr val="accent1"/>
+            <a:srgbClr val="EE5454">
+              <a:alpha val="78000"/>
+            </a:srgbClr>
           </a:solidFill>
           <a:ln>
             <a:solidFill>
-              <a:schemeClr val="accent1">
-                <a:lumMod val="20000"/>
-                <a:lumOff val="80000"/>
+              <a:schemeClr val="tx1">
+                <a:lumMod val="85000"/>
+                <a:lumOff val="15000"/>
+              </a:schemeClr>
+            </a:solidFill>
+          </a:ln>
+          <a:effectLst>
+            <a:outerShdw blurRad="76200" dir="18900000" sy="23000" kx="-1200000" algn="bl" rotWithShape="0">
+              <a:prstClr val="black">
+                <a:alpha val="20000"/>
+              </a:prstClr>
+            </a:outerShdw>
+          </a:effectLst>
+        </p:spPr>
+        <p:style>
+          <a:lnRef idx="2">
+            <a:schemeClr val="accent1">
+              <a:shade val="50000"/>
+            </a:schemeClr>
+          </a:lnRef>
+          <a:fillRef idx="1">
+            <a:schemeClr val="accent1"/>
+          </a:fillRef>
+          <a:effectRef idx="0">
+            <a:schemeClr val="accent1"/>
+          </a:effectRef>
+          <a:fontRef idx="minor">
+            <a:schemeClr val="lt1"/>
+          </a:fontRef>
+        </p:style>
+        <p:txBody>
+          <a:bodyPr rtlCol="0" anchor="ctr"/>
+          <a:lstStyle/>
+          <a:p>
+            <a:endParaRPr lang="es-EC" sz="1400" b="1" dirty="0" smtClean="0"/>
+          </a:p>
+          <a:p>
+            <a:pPr algn="ctr"/>
+            <a:r>
+              <a:rPr lang="es-EC" sz="1200" dirty="0" smtClean="0">
+                <a:solidFill>
+                  <a:schemeClr val="bg1">
+                    <a:lumMod val="95000"/>
+                  </a:schemeClr>
+                </a:solidFill>
+                <a:latin typeface="Comic Sans MS" panose="030F0702030302020204" pitchFamily="66" charset="0"/>
+                <a:cs typeface="Adobe Naskh Medium" panose="01010101010101010101" pitchFamily="50" charset="-78"/>
+              </a:rPr>
+              <a:t>¿Cómo oculto un mensaje en una Imagen?</a:t>
+            </a:r>
+          </a:p>
+          <a:p>
+            <a:pPr algn="ctr"/>
+            <a:endParaRPr lang="es-EC" dirty="0"/>
+          </a:p>
+        </p:txBody>
+      </p:sp>
+      <p:sp>
+        <p:nvSpPr>
+          <p:cNvPr id="7" name="Combinar 6"/>
+          <p:cNvSpPr/>
+          <p:nvPr/>
+        </p:nvSpPr>
+        <p:spPr>
+          <a:xfrm rot="3474324">
+            <a:off x="865125" y="767459"/>
+            <a:ext cx="1138936" cy="1329051"/>
+          </a:xfrm>
+          <a:prstGeom prst="flowChartMerge">
+            <a:avLst/>
+          </a:prstGeom>
+          <a:solidFill>
+            <a:schemeClr val="bg1">
+              <a:lumMod val="85000"/>
+            </a:schemeClr>
+          </a:solidFill>
+          <a:ln>
+            <a:solidFill>
+              <a:schemeClr val="tx1">
+                <a:lumMod val="75000"/>
+                <a:lumOff val="25000"/>
               </a:schemeClr>
             </a:solidFill>
           </a:ln>
@@ -3622,31 +3590,904 @@
           <a:bodyPr rtlCol="0" anchor="ctr"/>
           <a:lstStyle/>
           <a:p>
-            <a:endParaRPr lang="es-EC" sz="1400" b="1" dirty="0" smtClean="0"/>
-          </a:p>
-          <a:p>
             <a:pPr algn="ctr"/>
-            <a:endParaRPr lang="es-EC" dirty="0">
-              <a:latin typeface="Adobe Naskh Medium" panose="01010101010101010101" pitchFamily="50" charset="-78"/>
-              <a:cs typeface="Adobe Naskh Medium" panose="01010101010101010101" pitchFamily="50" charset="-78"/>
-            </a:endParaRPr>
-          </a:p>
-          <a:p>
-            <a:pPr algn="ctr"/>
-            <a:r>
-              <a:rPr lang="es-EC" sz="1600" dirty="0" smtClean="0">
-                <a:latin typeface="Comic Sans MS" panose="030F0702030302020204" pitchFamily="66" charset="0"/>
-                <a:cs typeface="Adobe Naskh Medium" panose="01010101010101010101" pitchFamily="50" charset="-78"/>
-              </a:rPr>
-              <a:t>¿Cómo oculto un mensaje en una Imagen?</a:t>
-            </a:r>
-          </a:p>
-          <a:p>
-            <a:pPr algn="ctr"/>
-            <a:endParaRPr lang="es-EC" dirty="0"/>
+            <a:endParaRPr lang="es-EC"/>
           </a:p>
         </p:txBody>
       </p:sp>
+      <p:pic>
+        <p:nvPicPr>
+          <p:cNvPr id="3" name="Imagen 2"/>
+          <p:cNvPicPr>
+            <a:picLocks noChangeAspect="1"/>
+          </p:cNvPicPr>
+          <p:nvPr/>
+        </p:nvPicPr>
+        <p:blipFill>
+          <a:blip r:embed="rId9" cstate="print">
+            <a:extLst>
+              <a:ext uri="{28A0092B-C50C-407E-A947-70E740481C1C}">
+                <a14:useLocalDpi xmlns:a14="http://schemas.microsoft.com/office/drawing/2010/main" val="0"/>
+              </a:ext>
+            </a:extLst>
+          </a:blip>
+          <a:stretch>
+            <a:fillRect/>
+          </a:stretch>
+        </p:blipFill>
+        <p:spPr>
+          <a:xfrm rot="20272480">
+            <a:off x="322790" y="1552403"/>
+            <a:ext cx="955797" cy="955797"/>
+          </a:xfrm>
+          <a:prstGeom prst="rect">
+            <a:avLst/>
+          </a:prstGeom>
+          <a:noFill/>
+          <a:ln>
+            <a:noFill/>
+          </a:ln>
+          <a:effectLst>
+            <a:outerShdw blurRad="76200" dir="13500000" sy="23000" kx="1200000" algn="br" rotWithShape="0">
+              <a:prstClr val="black">
+                <a:alpha val="20000"/>
+              </a:prstClr>
+            </a:outerShdw>
+          </a:effectLst>
+        </p:spPr>
+      </p:pic>
+      <p:sp>
+        <p:nvSpPr>
+          <p:cNvPr id="11" name="Elipse 10"/>
+          <p:cNvSpPr/>
+          <p:nvPr/>
+        </p:nvSpPr>
+        <p:spPr>
+          <a:xfrm>
+            <a:off x="1430069" y="355769"/>
+            <a:ext cx="1899292" cy="1251799"/>
+          </a:xfrm>
+          <a:prstGeom prst="ellipse">
+            <a:avLst/>
+          </a:prstGeom>
+          <a:blipFill dpi="0" rotWithShape="1">
+            <a:blip r:embed="rId10">
+              <a:extLst>
+                <a:ext uri="{BEBA8EAE-BF5A-486C-A8C5-ECC9F3942E4B}">
+                  <a14:imgProps xmlns:a14="http://schemas.microsoft.com/office/drawing/2010/main">
+                    <a14:imgLayer r:embed="rId11">
+                      <a14:imgEffect>
+                        <a14:colorTemperature colorTemp="4700"/>
+                      </a14:imgEffect>
+                      <a14:imgEffect>
+                        <a14:brightnessContrast bright="-10000"/>
+                      </a14:imgEffect>
+                    </a14:imgLayer>
+                  </a14:imgProps>
+                </a:ext>
+                <a:ext uri="{28A0092B-C50C-407E-A947-70E740481C1C}">
+                  <a14:useLocalDpi xmlns:a14="http://schemas.microsoft.com/office/drawing/2010/main" val="0"/>
+                </a:ext>
+              </a:extLst>
+            </a:blip>
+            <a:srcRect/>
+            <a:tile tx="-330200" ty="-762000" sx="100000" sy="100000" flip="none" algn="tl"/>
+          </a:blipFill>
+          <a:ln>
+            <a:solidFill>
+              <a:schemeClr val="tx1">
+                <a:lumMod val="65000"/>
+                <a:lumOff val="35000"/>
+              </a:schemeClr>
+            </a:solidFill>
+          </a:ln>
+        </p:spPr>
+        <p:style>
+          <a:lnRef idx="2">
+            <a:schemeClr val="accent1">
+              <a:shade val="50000"/>
+            </a:schemeClr>
+          </a:lnRef>
+          <a:fillRef idx="1">
+            <a:schemeClr val="accent1"/>
+          </a:fillRef>
+          <a:effectRef idx="0">
+            <a:schemeClr val="accent1"/>
+          </a:effectRef>
+          <a:fontRef idx="minor">
+            <a:schemeClr val="lt1"/>
+          </a:fontRef>
+        </p:style>
+        <p:txBody>
+          <a:bodyPr rtlCol="0" anchor="ctr"/>
+          <a:lstStyle/>
+          <a:p>
+            <a:pPr algn="ctr"/>
+            <a:endParaRPr lang="es-EC"/>
+          </a:p>
+        </p:txBody>
+      </p:sp>
+      <p:pic>
+        <p:nvPicPr>
+          <p:cNvPr id="12" name="Imagen 11"/>
+          <p:cNvPicPr>
+            <a:picLocks noChangeAspect="1"/>
+          </p:cNvPicPr>
+          <p:nvPr/>
+        </p:nvPicPr>
+        <p:blipFill>
+          <a:blip r:embed="rId12" cstate="print">
+            <a:extLst>
+              <a:ext uri="{28A0092B-C50C-407E-A947-70E740481C1C}">
+                <a14:useLocalDpi xmlns:a14="http://schemas.microsoft.com/office/drawing/2010/main" val="0"/>
+              </a:ext>
+            </a:extLst>
+          </a:blip>
+          <a:stretch>
+            <a:fillRect/>
+          </a:stretch>
+        </p:blipFill>
+        <p:spPr>
+          <a:xfrm>
+            <a:off x="1381400" y="2439620"/>
+            <a:ext cx="938947" cy="974012"/>
+          </a:xfrm>
+          <a:prstGeom prst="rect">
+            <a:avLst/>
+          </a:prstGeom>
+          <a:effectLst>
+            <a:outerShdw blurRad="76200" dir="18900000" sy="23000" kx="-1200000" algn="bl" rotWithShape="0">
+              <a:prstClr val="black">
+                <a:alpha val="20000"/>
+              </a:prstClr>
+            </a:outerShdw>
+          </a:effectLst>
+        </p:spPr>
+      </p:pic>
+      <p:sp>
+        <p:nvSpPr>
+          <p:cNvPr id="16" name="Rectángulo 15"/>
+          <p:cNvSpPr/>
+          <p:nvPr/>
+        </p:nvSpPr>
+        <p:spPr>
+          <a:xfrm rot="669869">
+            <a:off x="1072757" y="2328333"/>
+            <a:ext cx="531413" cy="486706"/>
+          </a:xfrm>
+          <a:prstGeom prst="rect">
+            <a:avLst/>
+          </a:prstGeom>
+          <a:noFill/>
+          <a:ln>
+            <a:noFill/>
+          </a:ln>
+        </p:spPr>
+        <p:style>
+          <a:lnRef idx="2">
+            <a:schemeClr val="accent1">
+              <a:shade val="50000"/>
+            </a:schemeClr>
+          </a:lnRef>
+          <a:fillRef idx="1">
+            <a:schemeClr val="accent1"/>
+          </a:fillRef>
+          <a:effectRef idx="0">
+            <a:schemeClr val="accent1"/>
+          </a:effectRef>
+          <a:fontRef idx="minor">
+            <a:schemeClr val="lt1"/>
+          </a:fontRef>
+        </p:style>
+        <p:txBody>
+          <a:bodyPr rtlCol="0" anchor="ctr"/>
+          <a:lstStyle/>
+          <a:p>
+            <a:pPr algn="ctr"/>
+            <a:r>
+              <a:rPr lang="es-EC" sz="4000" dirty="0" smtClean="0">
+                <a:solidFill>
+                  <a:schemeClr val="tx2">
+                    <a:lumMod val="20000"/>
+                    <a:lumOff val="80000"/>
+                  </a:schemeClr>
+                </a:solidFill>
+                <a:latin typeface="Comic Sans MS" panose="030F0702030302020204" pitchFamily="66" charset="0"/>
+              </a:rPr>
+              <a:t>+</a:t>
+            </a:r>
+            <a:endParaRPr lang="es-EC" sz="4000" dirty="0">
+              <a:solidFill>
+                <a:schemeClr val="tx2">
+                  <a:lumMod val="20000"/>
+                  <a:lumOff val="80000"/>
+                </a:schemeClr>
+              </a:solidFill>
+              <a:latin typeface="Comic Sans MS" panose="030F0702030302020204" pitchFamily="66" charset="0"/>
+            </a:endParaRPr>
+          </a:p>
+        </p:txBody>
+      </p:sp>
+      <p:sp>
+        <p:nvSpPr>
+          <p:cNvPr id="2" name="Rectángulo 1"/>
+          <p:cNvSpPr/>
+          <p:nvPr/>
+        </p:nvSpPr>
+        <p:spPr>
+          <a:xfrm rot="20339488">
+            <a:off x="1285638" y="1527087"/>
+            <a:ext cx="2383368" cy="786607"/>
+          </a:xfrm>
+          <a:prstGeom prst="rect">
+            <a:avLst/>
+          </a:prstGeom>
+          <a:noFill/>
+          <a:ln>
+            <a:noFill/>
+          </a:ln>
+        </p:spPr>
+        <p:style>
+          <a:lnRef idx="2">
+            <a:schemeClr val="accent1">
+              <a:shade val="50000"/>
+            </a:schemeClr>
+          </a:lnRef>
+          <a:fillRef idx="1">
+            <a:schemeClr val="accent1"/>
+          </a:fillRef>
+          <a:effectRef idx="0">
+            <a:schemeClr val="accent1"/>
+          </a:effectRef>
+          <a:fontRef idx="minor">
+            <a:schemeClr val="lt1"/>
+          </a:fontRef>
+        </p:style>
+        <p:txBody>
+          <a:bodyPr rtlCol="0" anchor="ctr"/>
+          <a:lstStyle/>
+          <a:p>
+            <a:pPr algn="ctr"/>
+            <a:r>
+              <a:rPr lang="es-EC" sz="4400" dirty="0" smtClean="0">
+                <a:ln>
+                  <a:solidFill>
+                    <a:schemeClr val="tx1">
+                      <a:lumMod val="75000"/>
+                      <a:lumOff val="25000"/>
+                    </a:schemeClr>
+                  </a:solidFill>
+                </a:ln>
+                <a:solidFill>
+                  <a:schemeClr val="bg1">
+                    <a:lumMod val="85000"/>
+                  </a:schemeClr>
+                </a:solidFill>
+                <a:latin typeface="Bangers" panose="00000500000000000000" pitchFamily="2" charset="0"/>
+              </a:rPr>
+              <a:t>C</a:t>
+            </a:r>
+            <a:r>
+              <a:rPr lang="es-EC" sz="3200" dirty="0" smtClean="0">
+                <a:ln>
+                  <a:solidFill>
+                    <a:schemeClr val="tx1">
+                      <a:lumMod val="75000"/>
+                      <a:lumOff val="25000"/>
+                    </a:schemeClr>
+                  </a:solidFill>
+                </a:ln>
+                <a:solidFill>
+                  <a:schemeClr val="bg1">
+                    <a:lumMod val="85000"/>
+                  </a:schemeClr>
+                </a:solidFill>
+                <a:latin typeface="Bangers" panose="00000500000000000000" pitchFamily="2" charset="0"/>
+              </a:rPr>
+              <a:t>riptología</a:t>
+            </a:r>
+            <a:endParaRPr lang="es-EC" sz="3200" dirty="0">
+              <a:ln>
+                <a:solidFill>
+                  <a:schemeClr val="tx1">
+                    <a:lumMod val="75000"/>
+                    <a:lumOff val="25000"/>
+                  </a:schemeClr>
+                </a:solidFill>
+              </a:ln>
+              <a:solidFill>
+                <a:schemeClr val="bg1">
+                  <a:lumMod val="85000"/>
+                </a:schemeClr>
+              </a:solidFill>
+              <a:latin typeface="Bangers" panose="00000500000000000000" pitchFamily="2" charset="0"/>
+            </a:endParaRPr>
+          </a:p>
+        </p:txBody>
+      </p:sp>
+      <p:pic>
+        <p:nvPicPr>
+          <p:cNvPr id="5" name="Imagen 4"/>
+          <p:cNvPicPr>
+            <a:picLocks noChangeAspect="1"/>
+          </p:cNvPicPr>
+          <p:nvPr/>
+        </p:nvPicPr>
+        <p:blipFill rotWithShape="1">
+          <a:blip r:embed="rId13">
+            <a:extLst>
+              <a:ext uri="{28A0092B-C50C-407E-A947-70E740481C1C}">
+                <a14:useLocalDpi xmlns:a14="http://schemas.microsoft.com/office/drawing/2010/main" val="0"/>
+              </a:ext>
+            </a:extLst>
+          </a:blip>
+          <a:srcRect t="47655"/>
+          <a:stretch/>
+        </p:blipFill>
+        <p:spPr>
+          <a:xfrm rot="20568747">
+            <a:off x="197633" y="1337034"/>
+            <a:ext cx="4839441" cy="1386534"/>
+          </a:xfrm>
+          <a:prstGeom prst="rect">
+            <a:avLst/>
+          </a:prstGeom>
+        </p:spPr>
+      </p:pic>
+      <p:pic>
+        <p:nvPicPr>
+          <p:cNvPr id="10" name="Imagen 9"/>
+          <p:cNvPicPr>
+            <a:picLocks noChangeAspect="1"/>
+          </p:cNvPicPr>
+          <p:nvPr/>
+        </p:nvPicPr>
+        <p:blipFill>
+          <a:blip r:embed="rId14" cstate="print">
+            <a:extLst>
+              <a:ext uri="{28A0092B-C50C-407E-A947-70E740481C1C}">
+                <a14:useLocalDpi xmlns:a14="http://schemas.microsoft.com/office/drawing/2010/main" val="0"/>
+              </a:ext>
+            </a:extLst>
+          </a:blip>
+          <a:stretch>
+            <a:fillRect/>
+          </a:stretch>
+        </p:blipFill>
+        <p:spPr>
+          <a:xfrm rot="577409">
+            <a:off x="11274455" y="6269357"/>
+            <a:ext cx="270523" cy="421716"/>
+          </a:xfrm>
+          <a:prstGeom prst="rect">
+            <a:avLst/>
+          </a:prstGeom>
+        </p:spPr>
+      </p:pic>
+      <p:pic>
+        <p:nvPicPr>
+          <p:cNvPr id="19" name="Imagen 18"/>
+          <p:cNvPicPr>
+            <a:picLocks noChangeAspect="1"/>
+          </p:cNvPicPr>
+          <p:nvPr/>
+        </p:nvPicPr>
+        <p:blipFill rotWithShape="1">
+          <a:blip r:embed="rId13">
+            <a:extLst>
+              <a:ext uri="{28A0092B-C50C-407E-A947-70E740481C1C}">
+                <a14:useLocalDpi xmlns:a14="http://schemas.microsoft.com/office/drawing/2010/main" val="0"/>
+              </a:ext>
+            </a:extLst>
+          </a:blip>
+          <a:srcRect t="47655"/>
+          <a:stretch/>
+        </p:blipFill>
+        <p:spPr>
+          <a:xfrm rot="20987322">
+            <a:off x="9351739" y="6038777"/>
+            <a:ext cx="3668252" cy="1050980"/>
+          </a:xfrm>
+          <a:prstGeom prst="rect">
+            <a:avLst/>
+          </a:prstGeom>
+        </p:spPr>
+      </p:pic>
+      <p:sp>
+        <p:nvSpPr>
+          <p:cNvPr id="21" name="Rectángulo redondeado 20"/>
+          <p:cNvSpPr/>
+          <p:nvPr/>
+        </p:nvSpPr>
+        <p:spPr>
+          <a:xfrm>
+            <a:off x="3067265" y="4422561"/>
+            <a:ext cx="3894083" cy="2407564"/>
+          </a:xfrm>
+          <a:prstGeom prst="roundRect">
+            <a:avLst>
+              <a:gd name="adj" fmla="val 7307"/>
+            </a:avLst>
+          </a:prstGeom>
+          <a:noFill/>
+        </p:spPr>
+        <p:style>
+          <a:lnRef idx="2">
+            <a:schemeClr val="accent5"/>
+          </a:lnRef>
+          <a:fillRef idx="1">
+            <a:schemeClr val="lt1"/>
+          </a:fillRef>
+          <a:effectRef idx="0">
+            <a:schemeClr val="accent5"/>
+          </a:effectRef>
+          <a:fontRef idx="minor">
+            <a:schemeClr val="dk1"/>
+          </a:fontRef>
+        </p:style>
+        <p:txBody>
+          <a:bodyPr lIns="180000" tIns="180000" rIns="180000" bIns="180000" rtlCol="0" anchor="ctr">
+            <a:spAutoFit/>
+          </a:bodyPr>
+          <a:lstStyle/>
+          <a:p>
+            <a:r>
+              <a:rPr lang="es-EC" sz="1100" dirty="0" smtClean="0">
+                <a:solidFill>
+                  <a:schemeClr val="bg1">
+                    <a:lumMod val="65000"/>
+                  </a:schemeClr>
+                </a:solidFill>
+                <a:latin typeface="Comic Sans MS" panose="030F0702030302020204" pitchFamily="66" charset="0"/>
+              </a:rPr>
+              <a:t>Por tanto surgió mi curiosidad de </a:t>
+            </a:r>
+            <a:r>
+              <a:rPr lang="es-EC" sz="1100" dirty="0" smtClean="0">
+                <a:solidFill>
+                  <a:schemeClr val="bg1">
+                    <a:lumMod val="65000"/>
+                  </a:schemeClr>
+                </a:solidFill>
+                <a:latin typeface="Comic Sans MS" panose="030F0702030302020204" pitchFamily="66" charset="0"/>
+              </a:rPr>
+              <a:t>conocer como enviar un mensaje oculto.</a:t>
+            </a:r>
+            <a:r>
+              <a:rPr lang="es-EC" sz="1100" dirty="0" smtClean="0">
+                <a:solidFill>
+                  <a:schemeClr val="bg1">
+                    <a:lumMod val="65000"/>
+                  </a:schemeClr>
+                </a:solidFill>
+                <a:latin typeface="Comic Sans MS" panose="030F0702030302020204" pitchFamily="66" charset="0"/>
+              </a:rPr>
+              <a:t> Y es que la </a:t>
+            </a:r>
+            <a:r>
+              <a:rPr lang="es-EC" sz="1400" b="1" dirty="0" smtClean="0">
+                <a:solidFill>
+                  <a:srgbClr val="F6DB2E"/>
+                </a:solidFill>
+                <a:latin typeface="Comic Sans MS" panose="030F0702030302020204" pitchFamily="66" charset="0"/>
+              </a:rPr>
+              <a:t>CRIPTOLOGÍA</a:t>
+            </a:r>
+            <a:r>
+              <a:rPr lang="es-EC" sz="1100" dirty="0" smtClean="0">
+                <a:solidFill>
+                  <a:srgbClr val="F6DB2E"/>
+                </a:solidFill>
+                <a:latin typeface="Comic Sans MS" panose="030F0702030302020204" pitchFamily="66" charset="0"/>
+              </a:rPr>
+              <a:t> </a:t>
+            </a:r>
+            <a:r>
+              <a:rPr lang="es-EC" sz="1100" dirty="0" smtClean="0">
+                <a:solidFill>
+                  <a:schemeClr val="bg1">
+                    <a:lumMod val="65000"/>
+                  </a:schemeClr>
+                </a:solidFill>
+                <a:latin typeface="Comic Sans MS" panose="030F0702030302020204" pitchFamily="66" charset="0"/>
+              </a:rPr>
+              <a:t>nos lleva a ello esta ciencia que  fue aplicada hace mucho tiempo atrás y que tuvo su peso en la guerra mundial donde se fue desarrollando y descubriendo formas de enviar mensajes para ganar a como de lugar.</a:t>
+            </a:r>
+          </a:p>
+          <a:p>
+            <a:r>
+              <a:rPr lang="es-EC" sz="1100" dirty="0" smtClean="0">
+                <a:solidFill>
+                  <a:schemeClr val="bg1">
+                    <a:lumMod val="65000"/>
+                  </a:schemeClr>
+                </a:solidFill>
+                <a:latin typeface="Comic Sans MS" panose="030F0702030302020204" pitchFamily="66" charset="0"/>
+              </a:rPr>
+              <a:t>Este</a:t>
+            </a:r>
+            <a:r>
+              <a:rPr lang="es-EC" sz="1100" dirty="0" smtClean="0">
+                <a:solidFill>
+                  <a:schemeClr val="bg1">
+                    <a:lumMod val="65000"/>
+                  </a:schemeClr>
+                </a:solidFill>
+                <a:latin typeface="Comic Sans MS" panose="030F0702030302020204" pitchFamily="66" charset="0"/>
+              </a:rPr>
+              <a:t> mundo misterioso donde podemos mantener secretos aunque sean </a:t>
+            </a:r>
+            <a:r>
+              <a:rPr lang="es-EC" sz="1100" dirty="0" err="1" smtClean="0">
+                <a:solidFill>
+                  <a:schemeClr val="bg1">
+                    <a:lumMod val="65000"/>
+                  </a:schemeClr>
+                </a:solidFill>
+                <a:latin typeface="Comic Sans MS" panose="030F0702030302020204" pitchFamily="66" charset="0"/>
+              </a:rPr>
+              <a:t>decifrables</a:t>
+            </a:r>
+            <a:r>
+              <a:rPr lang="es-EC" sz="1100" dirty="0" smtClean="0">
+                <a:solidFill>
+                  <a:schemeClr val="bg1">
+                    <a:lumMod val="65000"/>
+                  </a:schemeClr>
+                </a:solidFill>
+                <a:latin typeface="Comic Sans MS" panose="030F0702030302020204" pitchFamily="66" charset="0"/>
+              </a:rPr>
+              <a:t> para  pocos,  es  </a:t>
+            </a:r>
+            <a:r>
+              <a:rPr lang="es-EC" sz="1100" dirty="0" err="1" smtClean="0">
+                <a:solidFill>
+                  <a:schemeClr val="bg1">
+                    <a:lumMod val="65000"/>
+                  </a:schemeClr>
+                </a:solidFill>
+                <a:latin typeface="Comic Sans MS" panose="030F0702030302020204" pitchFamily="66" charset="0"/>
+              </a:rPr>
+              <a:t>indecifrable</a:t>
+            </a:r>
+            <a:r>
+              <a:rPr lang="es-EC" sz="1100" dirty="0" smtClean="0">
+                <a:solidFill>
+                  <a:schemeClr val="bg1">
+                    <a:lumMod val="65000"/>
+                  </a:schemeClr>
+                </a:solidFill>
+                <a:latin typeface="Comic Sans MS" panose="030F0702030302020204" pitchFamily="66" charset="0"/>
+              </a:rPr>
+              <a:t> para la mayoría todo depende de el </a:t>
+            </a:r>
+            <a:r>
+              <a:rPr lang="es-EC" sz="1400" dirty="0" smtClean="0">
+                <a:solidFill>
+                  <a:schemeClr val="bg1">
+                    <a:lumMod val="85000"/>
+                  </a:schemeClr>
+                </a:solidFill>
+                <a:latin typeface="Comic Sans MS" panose="030F0702030302020204" pitchFamily="66" charset="0"/>
+              </a:rPr>
+              <a:t>¿Cómo? </a:t>
+            </a:r>
+            <a:r>
+              <a:rPr lang="es-EC" sz="1100" dirty="0" smtClean="0">
+                <a:solidFill>
+                  <a:schemeClr val="bg1">
+                    <a:lumMod val="65000"/>
+                  </a:schemeClr>
+                </a:solidFill>
+                <a:latin typeface="Comic Sans MS" panose="030F0702030302020204" pitchFamily="66" charset="0"/>
+              </a:rPr>
+              <a:t>lo vamos a realizar.</a:t>
+            </a:r>
+          </a:p>
+        </p:txBody>
+      </p:sp>
+      <p:sp>
+        <p:nvSpPr>
+          <p:cNvPr id="22" name="Rectángulo redondeado 21"/>
+          <p:cNvSpPr/>
+          <p:nvPr/>
+        </p:nvSpPr>
+        <p:spPr>
+          <a:xfrm rot="21292424">
+            <a:off x="6953896" y="1990474"/>
+            <a:ext cx="3894083" cy="2311659"/>
+          </a:xfrm>
+          <a:prstGeom prst="roundRect">
+            <a:avLst>
+              <a:gd name="adj" fmla="val 7307"/>
+            </a:avLst>
+          </a:prstGeom>
+          <a:noFill/>
+        </p:spPr>
+        <p:style>
+          <a:lnRef idx="2">
+            <a:schemeClr val="accent5"/>
+          </a:lnRef>
+          <a:fillRef idx="1">
+            <a:schemeClr val="lt1"/>
+          </a:fillRef>
+          <a:effectRef idx="0">
+            <a:schemeClr val="accent5"/>
+          </a:effectRef>
+          <a:fontRef idx="minor">
+            <a:schemeClr val="dk1"/>
+          </a:fontRef>
+        </p:style>
+        <p:txBody>
+          <a:bodyPr lIns="180000" tIns="180000" rIns="180000" bIns="180000" rtlCol="0" anchor="ctr">
+            <a:spAutoFit/>
+          </a:bodyPr>
+          <a:lstStyle/>
+          <a:p>
+            <a:r>
+              <a:rPr lang="es-EC" sz="1100" dirty="0" smtClean="0">
+                <a:solidFill>
+                  <a:srgbClr val="808BDA"/>
+                </a:solidFill>
+                <a:latin typeface="Comic Sans MS" panose="030F0702030302020204" pitchFamily="66" charset="0"/>
+              </a:rPr>
+              <a:t>Pues sucede que en la actualidad </a:t>
+            </a:r>
+            <a:r>
+              <a:rPr lang="es-EC" sz="1100" dirty="0" smtClean="0">
+                <a:solidFill>
+                  <a:srgbClr val="808BDA"/>
+                </a:solidFill>
+                <a:latin typeface="Comic Sans MS" panose="030F0702030302020204" pitchFamily="66" charset="0"/>
+              </a:rPr>
+              <a:t> </a:t>
+            </a:r>
+            <a:r>
+              <a:rPr lang="es-EC" sz="1100" dirty="0" smtClean="0">
+                <a:solidFill>
+                  <a:srgbClr val="808BDA"/>
+                </a:solidFill>
+                <a:latin typeface="Comic Sans MS" panose="030F0702030302020204" pitchFamily="66" charset="0"/>
+              </a:rPr>
+              <a:t>mi país esta sufriendo una crisis política. Y es que están </a:t>
+            </a:r>
+            <a:r>
+              <a:rPr lang="es-EC" sz="1100" dirty="0" err="1" smtClean="0">
+                <a:solidFill>
+                  <a:srgbClr val="808BDA"/>
+                </a:solidFill>
+                <a:latin typeface="Comic Sans MS" panose="030F0702030302020204" pitchFamily="66" charset="0"/>
+              </a:rPr>
+              <a:t>arriconando</a:t>
+            </a:r>
+            <a:r>
+              <a:rPr lang="es-EC" sz="1100" dirty="0" smtClean="0">
+                <a:solidFill>
+                  <a:srgbClr val="808BDA"/>
+                </a:solidFill>
+                <a:latin typeface="Comic Sans MS" panose="030F0702030302020204" pitchFamily="66" charset="0"/>
+              </a:rPr>
+              <a:t> a los politiqueros pues encuentran audios,  videos y documentos que los comprometen es mas  existen burlas y  memes hacia la Fuerza de Inteligencia de este </a:t>
+            </a:r>
+            <a:r>
+              <a:rPr lang="es-EC" sz="1100" dirty="0" err="1" smtClean="0">
+                <a:solidFill>
+                  <a:srgbClr val="808BDA"/>
+                </a:solidFill>
+                <a:latin typeface="Comic Sans MS" panose="030F0702030302020204" pitchFamily="66" charset="0"/>
+              </a:rPr>
+              <a:t>pais</a:t>
+            </a:r>
+            <a:r>
+              <a:rPr lang="es-EC" sz="1100" dirty="0" smtClean="0">
+                <a:solidFill>
+                  <a:srgbClr val="808BDA"/>
+                </a:solidFill>
+                <a:latin typeface="Comic Sans MS" panose="030F0702030302020204" pitchFamily="66" charset="0"/>
+              </a:rPr>
+              <a:t> ya que según las noticias son un fracaso y de inteligencia  solo el nombre.</a:t>
+            </a:r>
+          </a:p>
+          <a:p>
+            <a:r>
+              <a:rPr lang="es-EC" sz="1100" dirty="0" smtClean="0">
+                <a:solidFill>
+                  <a:srgbClr val="808BDA"/>
+                </a:solidFill>
+                <a:latin typeface="Comic Sans MS" panose="030F0702030302020204" pitchFamily="66" charset="0"/>
+              </a:rPr>
+              <a:t>Por otro lado me dio temor ya que esta supuesta entidad puedo infiltrarse y leer correos ajenos, leer </a:t>
+            </a:r>
+            <a:r>
+              <a:rPr lang="es-EC" sz="1100" dirty="0" err="1" smtClean="0">
+                <a:solidFill>
+                  <a:srgbClr val="808BDA"/>
+                </a:solidFill>
+                <a:latin typeface="Comic Sans MS" panose="030F0702030302020204" pitchFamily="66" charset="0"/>
+              </a:rPr>
+              <a:t>twiters</a:t>
+            </a:r>
+            <a:r>
+              <a:rPr lang="es-EC" sz="1100" dirty="0" smtClean="0">
+                <a:solidFill>
+                  <a:srgbClr val="808BDA"/>
+                </a:solidFill>
+                <a:latin typeface="Comic Sans MS" panose="030F0702030302020204" pitchFamily="66" charset="0"/>
+              </a:rPr>
+              <a:t>, mensajes de </a:t>
+            </a:r>
+            <a:r>
+              <a:rPr lang="es-EC" sz="1100" dirty="0" err="1" smtClean="0">
+                <a:solidFill>
+                  <a:srgbClr val="808BDA"/>
+                </a:solidFill>
+                <a:latin typeface="Comic Sans MS" panose="030F0702030302020204" pitchFamily="66" charset="0"/>
+              </a:rPr>
+              <a:t>gmail</a:t>
+            </a:r>
+            <a:r>
+              <a:rPr lang="es-EC" sz="1100" dirty="0" smtClean="0">
+                <a:solidFill>
+                  <a:srgbClr val="808BDA"/>
+                </a:solidFill>
+                <a:latin typeface="Comic Sans MS" panose="030F0702030302020204" pitchFamily="66" charset="0"/>
+              </a:rPr>
+              <a:t> etc. </a:t>
+            </a:r>
+          </a:p>
+          <a:p>
+            <a:endParaRPr lang="es-EC" sz="1100" dirty="0" smtClean="0">
+              <a:solidFill>
+                <a:srgbClr val="808BDA"/>
+              </a:solidFill>
+              <a:latin typeface="Comic Sans MS" panose="030F0702030302020204" pitchFamily="66" charset="0"/>
+            </a:endParaRPr>
+          </a:p>
+        </p:txBody>
+      </p:sp>
+      <p:pic>
+        <p:nvPicPr>
+          <p:cNvPr id="23" name="Imagen 22"/>
+          <p:cNvPicPr>
+            <a:picLocks noChangeAspect="1"/>
+          </p:cNvPicPr>
+          <p:nvPr/>
+        </p:nvPicPr>
+        <p:blipFill>
+          <a:blip r:embed="rId15" cstate="print">
+            <a:duotone>
+              <a:prstClr val="black"/>
+              <a:schemeClr val="tx2">
+                <a:tint val="45000"/>
+                <a:satMod val="400000"/>
+              </a:schemeClr>
+            </a:duotone>
+            <a:extLst>
+              <a:ext uri="{BEBA8EAE-BF5A-486C-A8C5-ECC9F3942E4B}">
+                <a14:imgProps xmlns:a14="http://schemas.microsoft.com/office/drawing/2010/main">
+                  <a14:imgLayer r:embed="rId16">
+                    <a14:imgEffect>
+                      <a14:brightnessContrast bright="-40000" contrast="-40000"/>
+                    </a14:imgEffect>
+                  </a14:imgLayer>
+                </a14:imgProps>
+              </a:ext>
+              <a:ext uri="{28A0092B-C50C-407E-A947-70E740481C1C}">
+                <a14:useLocalDpi xmlns:a14="http://schemas.microsoft.com/office/drawing/2010/main" val="0"/>
+              </a:ext>
+            </a:extLst>
+          </a:blip>
+          <a:stretch>
+            <a:fillRect/>
+          </a:stretch>
+        </p:blipFill>
+        <p:spPr>
+          <a:xfrm rot="294425">
+            <a:off x="7672877" y="655482"/>
+            <a:ext cx="1178272" cy="1214588"/>
+          </a:xfrm>
+          <a:prstGeom prst="rect">
+            <a:avLst/>
+          </a:prstGeom>
+          <a:noFill/>
+          <a:ln>
+            <a:noFill/>
+          </a:ln>
+          <a:effectLst>
+            <a:outerShdw blurRad="76200" dir="13500000" sy="23000" kx="1200000" algn="br" rotWithShape="0">
+              <a:prstClr val="black">
+                <a:alpha val="20000"/>
+              </a:prstClr>
+            </a:outerShdw>
+          </a:effectLst>
+        </p:spPr>
+      </p:pic>
+      <p:pic>
+        <p:nvPicPr>
+          <p:cNvPr id="25" name="Imagen 24"/>
+          <p:cNvPicPr>
+            <a:picLocks noChangeAspect="1"/>
+          </p:cNvPicPr>
+          <p:nvPr/>
+        </p:nvPicPr>
+        <p:blipFill>
+          <a:blip r:embed="rId17" cstate="print">
+            <a:extLst>
+              <a:ext uri="{BEBA8EAE-BF5A-486C-A8C5-ECC9F3942E4B}">
+                <a14:imgProps xmlns:a14="http://schemas.microsoft.com/office/drawing/2010/main">
+                  <a14:imgLayer r:embed="rId18">
+                    <a14:imgEffect>
+                      <a14:brightnessContrast bright="-20000"/>
+                    </a14:imgEffect>
+                  </a14:imgLayer>
+                </a14:imgProps>
+              </a:ext>
+              <a:ext uri="{28A0092B-C50C-407E-A947-70E740481C1C}">
+                <a14:useLocalDpi xmlns:a14="http://schemas.microsoft.com/office/drawing/2010/main" val="0"/>
+              </a:ext>
+            </a:extLst>
+          </a:blip>
+          <a:stretch>
+            <a:fillRect/>
+          </a:stretch>
+        </p:blipFill>
+        <p:spPr>
+          <a:xfrm rot="20515232">
+            <a:off x="5572822" y="2076810"/>
+            <a:ext cx="1480647" cy="1084045"/>
+          </a:xfrm>
+          <a:prstGeom prst="rect">
+            <a:avLst/>
+          </a:prstGeom>
+          <a:effectLst>
+            <a:outerShdw blurRad="76200" dir="18900000" sy="23000" kx="-1200000" algn="bl" rotWithShape="0">
+              <a:prstClr val="black">
+                <a:alpha val="20000"/>
+              </a:prstClr>
+            </a:outerShdw>
+          </a:effectLst>
+        </p:spPr>
+      </p:pic>
+      <p:pic>
+        <p:nvPicPr>
+          <p:cNvPr id="29" name="Imagen 28"/>
+          <p:cNvPicPr>
+            <a:picLocks noChangeAspect="1"/>
+          </p:cNvPicPr>
+          <p:nvPr/>
+        </p:nvPicPr>
+        <p:blipFill>
+          <a:blip r:embed="rId19" cstate="print">
+            <a:clrChange>
+              <a:clrFrom>
+                <a:srgbClr val="FFFFFF"/>
+              </a:clrFrom>
+              <a:clrTo>
+                <a:srgbClr val="FFFFFF">
+                  <a:alpha val="0"/>
+                </a:srgbClr>
+              </a:clrTo>
+            </a:clrChange>
+            <a:extLst>
+              <a:ext uri="{28A0092B-C50C-407E-A947-70E740481C1C}">
+                <a14:useLocalDpi xmlns:a14="http://schemas.microsoft.com/office/drawing/2010/main" val="0"/>
+              </a:ext>
+            </a:extLst>
+          </a:blip>
+          <a:stretch>
+            <a:fillRect/>
+          </a:stretch>
+        </p:blipFill>
+        <p:spPr>
+          <a:xfrm>
+            <a:off x="3123940" y="2290243"/>
+            <a:ext cx="3500052" cy="2147195"/>
+          </a:xfrm>
+          <a:prstGeom prst="rect">
+            <a:avLst/>
+          </a:prstGeom>
+        </p:spPr>
+      </p:pic>
     </p:spTree>
     <p:extLst>
       <p:ext uri="{BB962C8B-B14F-4D97-AF65-F5344CB8AC3E}">
@@ -3668,6 +4509,1408 @@
 </file>
 
 <file path=ppt/slides/slide2.xml><?xml version="1.0" encoding="utf-8"?>
+<p:sld xmlns:a="http://schemas.openxmlformats.org/drawingml/2006/main" xmlns:r="http://schemas.openxmlformats.org/officeDocument/2006/relationships" xmlns:p="http://schemas.openxmlformats.org/presentationml/2006/main">
+  <p:cSld>
+    <p:bg>
+      <p:bgPr>
+        <a:solidFill>
+          <a:srgbClr val="1C2658"/>
+        </a:solidFill>
+        <a:effectLst/>
+      </p:bgPr>
+    </p:bg>
+    <p:spTree>
+      <p:nvGrpSpPr>
+        <p:cNvPr id="1" name=""/>
+        <p:cNvGrpSpPr/>
+        <p:nvPr/>
+      </p:nvGrpSpPr>
+      <p:grpSpPr>
+        <a:xfrm>
+          <a:off x="0" y="0"/>
+          <a:ext cx="0" cy="0"/>
+          <a:chOff x="0" y="0"/>
+          <a:chExt cx="0" cy="0"/>
+        </a:xfrm>
+      </p:grpSpPr>
+      <p:pic>
+        <p:nvPicPr>
+          <p:cNvPr id="4" name="Imagen 3"/>
+          <p:cNvPicPr>
+            <a:picLocks noChangeAspect="1"/>
+          </p:cNvPicPr>
+          <p:nvPr/>
+        </p:nvPicPr>
+        <p:blipFill>
+          <a:blip r:embed="rId2">
+            <a:extLst>
+              <a:ext uri="{28A0092B-C50C-407E-A947-70E740481C1C}">
+                <a14:useLocalDpi xmlns:a14="http://schemas.microsoft.com/office/drawing/2010/main" val="0"/>
+              </a:ext>
+            </a:extLst>
+          </a:blip>
+          <a:stretch>
+            <a:fillRect/>
+          </a:stretch>
+        </p:blipFill>
+        <p:spPr>
+          <a:xfrm>
+            <a:off x="-322844" y="2844649"/>
+            <a:ext cx="12891969" cy="4414371"/>
+          </a:xfrm>
+          <a:prstGeom prst="rect">
+            <a:avLst/>
+          </a:prstGeom>
+        </p:spPr>
+      </p:pic>
+      <p:sp>
+        <p:nvSpPr>
+          <p:cNvPr id="13" name="Rectángulo redondeado 12"/>
+          <p:cNvSpPr/>
+          <p:nvPr/>
+        </p:nvSpPr>
+        <p:spPr>
+          <a:xfrm>
+            <a:off x="7555744" y="121545"/>
+            <a:ext cx="3551882" cy="1720246"/>
+          </a:xfrm>
+          <a:prstGeom prst="roundRect">
+            <a:avLst>
+              <a:gd name="adj" fmla="val 7307"/>
+            </a:avLst>
+          </a:prstGeom>
+          <a:noFill/>
+        </p:spPr>
+        <p:style>
+          <a:lnRef idx="2">
+            <a:schemeClr val="accent5"/>
+          </a:lnRef>
+          <a:fillRef idx="1">
+            <a:schemeClr val="lt1"/>
+          </a:fillRef>
+          <a:effectRef idx="0">
+            <a:schemeClr val="accent5"/>
+          </a:effectRef>
+          <a:fontRef idx="minor">
+            <a:schemeClr val="dk1"/>
+          </a:fontRef>
+        </p:style>
+        <p:txBody>
+          <a:bodyPr lIns="180000" tIns="180000" rIns="180000" bIns="180000" rtlCol="0" anchor="ctr">
+            <a:spAutoFit/>
+          </a:bodyPr>
+          <a:lstStyle/>
+          <a:p>
+            <a:r>
+              <a:rPr lang="es-EC" sz="1400" dirty="0">
+                <a:solidFill>
+                  <a:schemeClr val="bg1">
+                    <a:lumMod val="65000"/>
+                  </a:schemeClr>
+                </a:solidFill>
+                <a:latin typeface="Comic Sans MS" panose="030F0702030302020204" pitchFamily="66" charset="0"/>
+              </a:rPr>
+              <a:t>La </a:t>
+            </a:r>
+            <a:r>
+              <a:rPr lang="es-EC" sz="1400" b="1" dirty="0">
+                <a:solidFill>
+                  <a:schemeClr val="bg1">
+                    <a:lumMod val="65000"/>
+                  </a:schemeClr>
+                </a:solidFill>
+                <a:latin typeface="Comic Sans MS" panose="030F0702030302020204" pitchFamily="66" charset="0"/>
+              </a:rPr>
+              <a:t>Criptografía</a:t>
+            </a:r>
+            <a:r>
+              <a:rPr lang="es-EC" sz="1400" dirty="0">
+                <a:solidFill>
+                  <a:schemeClr val="bg1">
+                    <a:lumMod val="65000"/>
+                  </a:schemeClr>
+                </a:solidFill>
+                <a:latin typeface="Comic Sans MS" panose="030F0702030302020204" pitchFamily="66" charset="0"/>
+              </a:rPr>
+              <a:t> estudia las técnicas para transformar la información a una forma que no pueda entenderse a simple vista protegerlos contra modificación y comprobar la fuente de los mismos.</a:t>
+            </a:r>
+          </a:p>
+        </p:txBody>
+      </p:sp>
+      <p:sp>
+        <p:nvSpPr>
+          <p:cNvPr id="14" name="Rectángulo redondeado 13"/>
+          <p:cNvSpPr/>
+          <p:nvPr/>
+        </p:nvSpPr>
+        <p:spPr>
+          <a:xfrm>
+            <a:off x="7555744" y="4471562"/>
+            <a:ext cx="4087245" cy="1944024"/>
+          </a:xfrm>
+          <a:prstGeom prst="roundRect">
+            <a:avLst>
+              <a:gd name="adj" fmla="val 7307"/>
+            </a:avLst>
+          </a:prstGeom>
+          <a:noFill/>
+        </p:spPr>
+        <p:style>
+          <a:lnRef idx="2">
+            <a:schemeClr val="accent5"/>
+          </a:lnRef>
+          <a:fillRef idx="1">
+            <a:schemeClr val="lt1"/>
+          </a:fillRef>
+          <a:effectRef idx="0">
+            <a:schemeClr val="accent5"/>
+          </a:effectRef>
+          <a:fontRef idx="minor">
+            <a:schemeClr val="dk1"/>
+          </a:fontRef>
+        </p:style>
+        <p:txBody>
+          <a:bodyPr lIns="180000" tIns="180000" rIns="180000" bIns="180000" rtlCol="0" anchor="ctr">
+            <a:spAutoFit/>
+          </a:bodyPr>
+          <a:lstStyle/>
+          <a:p>
+            <a:r>
+              <a:rPr lang="es-EC" sz="1400" dirty="0" smtClean="0">
+                <a:solidFill>
+                  <a:schemeClr val="bg1">
+                    <a:lumMod val="65000"/>
+                  </a:schemeClr>
+                </a:solidFill>
+                <a:latin typeface="Comic Sans MS" panose="030F0702030302020204" pitchFamily="66" charset="0"/>
+              </a:rPr>
+              <a:t>El</a:t>
+            </a:r>
+            <a:r>
+              <a:rPr lang="es-EC" sz="1400" dirty="0">
+                <a:solidFill>
+                  <a:schemeClr val="bg1">
+                    <a:lumMod val="65000"/>
+                  </a:schemeClr>
+                </a:solidFill>
+                <a:latin typeface="Comic Sans MS" panose="030F0702030302020204" pitchFamily="66" charset="0"/>
+              </a:rPr>
+              <a:t> </a:t>
+            </a:r>
+            <a:r>
+              <a:rPr lang="es-EC" sz="1400" b="1" dirty="0">
+                <a:solidFill>
+                  <a:schemeClr val="bg1">
+                    <a:lumMod val="65000"/>
+                  </a:schemeClr>
+                </a:solidFill>
+                <a:latin typeface="Comic Sans MS" panose="030F0702030302020204" pitchFamily="66" charset="0"/>
+              </a:rPr>
+              <a:t>Criptoanálisis</a:t>
+            </a:r>
+            <a:r>
+              <a:rPr lang="es-EC" sz="1400" dirty="0">
+                <a:solidFill>
+                  <a:schemeClr val="bg1">
+                    <a:lumMod val="65000"/>
+                  </a:schemeClr>
+                </a:solidFill>
+                <a:latin typeface="Comic Sans MS" panose="030F0702030302020204" pitchFamily="66" charset="0"/>
+              </a:rPr>
+              <a:t> es la ciencia que se ocupa del análisis de un texto cifrado para obtener la información original sin conocimiento de la clave secreta, esto es, de forma ilícita rompiendo así los procedimientos de cifrado establecidos por la </a:t>
+            </a:r>
+            <a:r>
+              <a:rPr lang="es-EC" sz="1400" dirty="0" smtClean="0">
+                <a:solidFill>
+                  <a:schemeClr val="bg1">
+                    <a:lumMod val="65000"/>
+                  </a:schemeClr>
+                </a:solidFill>
+                <a:latin typeface="Comic Sans MS" panose="030F0702030302020204" pitchFamily="66" charset="0"/>
+              </a:rPr>
+              <a:t>Criptografía. </a:t>
+            </a:r>
+            <a:endParaRPr lang="es-EC" sz="1400" dirty="0">
+              <a:solidFill>
+                <a:schemeClr val="bg1">
+                  <a:lumMod val="65000"/>
+                </a:schemeClr>
+              </a:solidFill>
+              <a:latin typeface="Comic Sans MS" panose="030F0702030302020204" pitchFamily="66" charset="0"/>
+            </a:endParaRPr>
+          </a:p>
+        </p:txBody>
+      </p:sp>
+      <p:sp>
+        <p:nvSpPr>
+          <p:cNvPr id="15" name="Rectángulo redondeado 14"/>
+          <p:cNvSpPr/>
+          <p:nvPr/>
+        </p:nvSpPr>
+        <p:spPr>
+          <a:xfrm>
+            <a:off x="7547842" y="2011332"/>
+            <a:ext cx="4095148" cy="1944024"/>
+          </a:xfrm>
+          <a:prstGeom prst="roundRect">
+            <a:avLst>
+              <a:gd name="adj" fmla="val 7307"/>
+            </a:avLst>
+          </a:prstGeom>
+          <a:noFill/>
+        </p:spPr>
+        <p:style>
+          <a:lnRef idx="2">
+            <a:schemeClr val="accent5"/>
+          </a:lnRef>
+          <a:fillRef idx="1">
+            <a:schemeClr val="lt1"/>
+          </a:fillRef>
+          <a:effectRef idx="0">
+            <a:schemeClr val="accent5"/>
+          </a:effectRef>
+          <a:fontRef idx="minor">
+            <a:schemeClr val="dk1"/>
+          </a:fontRef>
+        </p:style>
+        <p:txBody>
+          <a:bodyPr wrap="square" lIns="180000" tIns="180000" rIns="180000" bIns="180000" rtlCol="0" anchor="ctr">
+            <a:spAutoFit/>
+          </a:bodyPr>
+          <a:lstStyle/>
+          <a:p>
+            <a:r>
+              <a:rPr lang="es-EC" sz="1400" dirty="0">
+                <a:solidFill>
+                  <a:schemeClr val="bg1">
+                    <a:lumMod val="65000"/>
+                  </a:schemeClr>
+                </a:solidFill>
+                <a:latin typeface="Comic Sans MS" panose="030F0702030302020204" pitchFamily="66" charset="0"/>
+              </a:rPr>
+              <a:t>La </a:t>
+            </a:r>
+            <a:r>
+              <a:rPr lang="es-EC" sz="1400" b="1" dirty="0" err="1">
+                <a:solidFill>
+                  <a:schemeClr val="bg1">
+                    <a:lumMod val="65000"/>
+                  </a:schemeClr>
+                </a:solidFill>
+                <a:latin typeface="Comic Sans MS" panose="030F0702030302020204" pitchFamily="66" charset="0"/>
+              </a:rPr>
+              <a:t>Esteganografía</a:t>
+            </a:r>
+            <a:r>
+              <a:rPr lang="es-EC" sz="1400" b="1" dirty="0">
+                <a:solidFill>
+                  <a:schemeClr val="bg1">
+                    <a:lumMod val="65000"/>
+                  </a:schemeClr>
+                </a:solidFill>
+                <a:latin typeface="Comic Sans MS" panose="030F0702030302020204" pitchFamily="66" charset="0"/>
+              </a:rPr>
+              <a:t> </a:t>
+            </a:r>
+            <a:r>
+              <a:rPr lang="es-EC" sz="1400" dirty="0">
+                <a:solidFill>
+                  <a:schemeClr val="bg1">
+                    <a:lumMod val="65000"/>
+                  </a:schemeClr>
+                </a:solidFill>
+                <a:latin typeface="Comic Sans MS" panose="030F0702030302020204" pitchFamily="66" charset="0"/>
+              </a:rPr>
+              <a:t>forma de ocultar la existencia de un mensaje. Esta ciencia consiste en esconder en el interior de un mensaje, otro mensaje secreto, el cual sólo podrá ser entendido por el emisor y el receptor y pasará inadvertido para todos los demás.</a:t>
+            </a:r>
+          </a:p>
+        </p:txBody>
+      </p:sp>
+      <p:sp>
+        <p:nvSpPr>
+          <p:cNvPr id="6" name="Rectángulo redondeado 5"/>
+          <p:cNvSpPr/>
+          <p:nvPr/>
+        </p:nvSpPr>
+        <p:spPr>
+          <a:xfrm>
+            <a:off x="3484469" y="117853"/>
+            <a:ext cx="3894083" cy="6519649"/>
+          </a:xfrm>
+          <a:prstGeom prst="roundRect">
+            <a:avLst>
+              <a:gd name="adj" fmla="val 7307"/>
+            </a:avLst>
+          </a:prstGeom>
+          <a:noFill/>
+        </p:spPr>
+        <p:style>
+          <a:lnRef idx="2">
+            <a:schemeClr val="accent5"/>
+          </a:lnRef>
+          <a:fillRef idx="1">
+            <a:schemeClr val="lt1"/>
+          </a:fillRef>
+          <a:effectRef idx="0">
+            <a:schemeClr val="accent5"/>
+          </a:effectRef>
+          <a:fontRef idx="minor">
+            <a:schemeClr val="dk1"/>
+          </a:fontRef>
+        </p:style>
+        <p:txBody>
+          <a:bodyPr lIns="180000" tIns="180000" rIns="180000" bIns="180000" rtlCol="0" anchor="ctr">
+            <a:spAutoFit/>
+          </a:bodyPr>
+          <a:lstStyle/>
+          <a:p>
+            <a:r>
+              <a:rPr lang="es-EC" sz="1100" dirty="0">
+                <a:solidFill>
+                  <a:srgbClr val="808BDA"/>
+                </a:solidFill>
+                <a:latin typeface="Comic Sans MS" panose="030F0702030302020204" pitchFamily="66" charset="0"/>
+              </a:rPr>
+              <a:t>Todo nació de la necesidad de enviar un mensaje </a:t>
+            </a:r>
+            <a:r>
+              <a:rPr lang="es-EC" sz="1100" dirty="0" smtClean="0">
+                <a:solidFill>
+                  <a:srgbClr val="808BDA"/>
+                </a:solidFill>
+                <a:latin typeface="Comic Sans MS" panose="030F0702030302020204" pitchFamily="66" charset="0"/>
+              </a:rPr>
+              <a:t>oculto y </a:t>
+            </a:r>
+            <a:r>
+              <a:rPr lang="es-EC" sz="1100" dirty="0">
+                <a:solidFill>
+                  <a:srgbClr val="808BDA"/>
+                </a:solidFill>
+                <a:latin typeface="Comic Sans MS" panose="030F0702030302020204" pitchFamily="66" charset="0"/>
+              </a:rPr>
+              <a:t>leí varios artículos :  </a:t>
+            </a:r>
+            <a:r>
+              <a:rPr lang="es-EC" sz="1100" dirty="0">
+                <a:solidFill>
+                  <a:srgbClr val="808BDA"/>
+                </a:solidFill>
+                <a:latin typeface="Comic Sans MS" panose="030F0702030302020204" pitchFamily="66" charset="0"/>
+                <a:hlinkClick r:id="rId3"/>
+              </a:rPr>
+              <a:t>Link1</a:t>
+            </a:r>
+            <a:r>
+              <a:rPr lang="es-EC" sz="1100" dirty="0">
+                <a:solidFill>
+                  <a:srgbClr val="808BDA"/>
+                </a:solidFill>
+                <a:latin typeface="Comic Sans MS" panose="030F0702030302020204" pitchFamily="66" charset="0"/>
+              </a:rPr>
+              <a:t>    </a:t>
+            </a:r>
+            <a:r>
+              <a:rPr lang="es-EC" sz="1100" dirty="0">
+                <a:solidFill>
+                  <a:srgbClr val="808BDA"/>
+                </a:solidFill>
+                <a:latin typeface="Comic Sans MS" panose="030F0702030302020204" pitchFamily="66" charset="0"/>
+                <a:hlinkClick r:id="rId4"/>
+              </a:rPr>
+              <a:t>Link2</a:t>
+            </a:r>
+            <a:r>
+              <a:rPr lang="es-EC" sz="1100" dirty="0">
+                <a:solidFill>
+                  <a:srgbClr val="808BDA"/>
+                </a:solidFill>
+                <a:latin typeface="Comic Sans MS" panose="030F0702030302020204" pitchFamily="66" charset="0"/>
+              </a:rPr>
+              <a:t> </a:t>
+            </a:r>
+          </a:p>
+          <a:p>
+            <a:r>
+              <a:rPr lang="es-EC" sz="1100" dirty="0" smtClean="0">
+                <a:solidFill>
+                  <a:srgbClr val="808BDA"/>
+                </a:solidFill>
+                <a:latin typeface="Comic Sans MS" panose="030F0702030302020204" pitchFamily="66" charset="0"/>
+              </a:rPr>
+              <a:t>Pero  </a:t>
+            </a:r>
+            <a:r>
+              <a:rPr lang="es-EC" sz="1100" dirty="0">
+                <a:solidFill>
+                  <a:srgbClr val="808BDA"/>
+                </a:solidFill>
+                <a:latin typeface="Comic Sans MS" panose="030F0702030302020204" pitchFamily="66" charset="0"/>
+              </a:rPr>
+              <a:t>te </a:t>
+            </a:r>
+            <a:r>
+              <a:rPr lang="es-EC" sz="1100" dirty="0" err="1">
+                <a:solidFill>
+                  <a:srgbClr val="808BDA"/>
+                </a:solidFill>
+                <a:latin typeface="Comic Sans MS" panose="030F0702030302020204" pitchFamily="66" charset="0"/>
+              </a:rPr>
+              <a:t>estaras</a:t>
+            </a:r>
+            <a:r>
+              <a:rPr lang="es-EC" sz="1100" dirty="0">
+                <a:solidFill>
+                  <a:srgbClr val="808BDA"/>
+                </a:solidFill>
+                <a:latin typeface="Comic Sans MS" panose="030F0702030302020204" pitchFamily="66" charset="0"/>
+              </a:rPr>
+              <a:t> preguntado </a:t>
+            </a:r>
+            <a:r>
+              <a:rPr lang="es-EC" sz="1600" b="1" dirty="0">
+                <a:solidFill>
+                  <a:srgbClr val="808BDA"/>
+                </a:solidFill>
+              </a:rPr>
+              <a:t>¿</a:t>
+            </a:r>
+            <a:r>
+              <a:rPr lang="es-EC" sz="1200" b="1" dirty="0">
+                <a:solidFill>
+                  <a:srgbClr val="808BDA"/>
+                </a:solidFill>
+                <a:latin typeface="Comic Sans MS" panose="030F0702030302020204" pitchFamily="66" charset="0"/>
+              </a:rPr>
+              <a:t>Por qué</a:t>
+            </a:r>
+            <a:r>
+              <a:rPr lang="es-EC" sz="1200" b="1" dirty="0" smtClean="0">
+                <a:solidFill>
+                  <a:srgbClr val="808BDA"/>
+                </a:solidFill>
+                <a:latin typeface="Comic Sans MS" panose="030F0702030302020204" pitchFamily="66" charset="0"/>
+              </a:rPr>
+              <a:t>?. </a:t>
+            </a:r>
+            <a:r>
+              <a:rPr lang="es-EC" sz="1200" dirty="0" smtClean="0">
+                <a:solidFill>
+                  <a:srgbClr val="808BDA"/>
+                </a:solidFill>
+                <a:latin typeface="Comic Sans MS" panose="030F0702030302020204" pitchFamily="66" charset="0"/>
+              </a:rPr>
+              <a:t>Porque quiero que mi mensaje sea secreto.</a:t>
+            </a:r>
+          </a:p>
+          <a:p>
+            <a:r>
+              <a:rPr lang="es-EC" sz="1200" b="1" dirty="0" smtClean="0">
+                <a:solidFill>
+                  <a:srgbClr val="808BDA"/>
+                </a:solidFill>
+                <a:latin typeface="Comic Sans MS" panose="030F0702030302020204" pitchFamily="66" charset="0"/>
+              </a:rPr>
+              <a:t> </a:t>
+            </a:r>
+            <a:endParaRPr lang="es-EC" sz="1100" b="1" dirty="0">
+              <a:solidFill>
+                <a:srgbClr val="808BDA"/>
+              </a:solidFill>
+              <a:latin typeface="Comic Sans MS" panose="030F0702030302020204" pitchFamily="66" charset="0"/>
+            </a:endParaRPr>
+          </a:p>
+          <a:p>
+            <a:r>
+              <a:rPr lang="es-EC" sz="1100" dirty="0">
+                <a:solidFill>
+                  <a:srgbClr val="808BDA"/>
+                </a:solidFill>
+                <a:latin typeface="Comic Sans MS" panose="030F0702030302020204" pitchFamily="66" charset="0"/>
+              </a:rPr>
+              <a:t>Pues sucede que en la actualidad el Ecuador esta sufriendo una crisis política Y es que están </a:t>
+            </a:r>
+            <a:r>
+              <a:rPr lang="es-EC" sz="1100" dirty="0" err="1">
+                <a:solidFill>
+                  <a:srgbClr val="808BDA"/>
+                </a:solidFill>
+                <a:latin typeface="Comic Sans MS" panose="030F0702030302020204" pitchFamily="66" charset="0"/>
+              </a:rPr>
+              <a:t>arriconando</a:t>
+            </a:r>
+            <a:r>
+              <a:rPr lang="es-EC" sz="1100" dirty="0">
+                <a:solidFill>
+                  <a:srgbClr val="808BDA"/>
+                </a:solidFill>
+                <a:latin typeface="Comic Sans MS" panose="030F0702030302020204" pitchFamily="66" charset="0"/>
+              </a:rPr>
+              <a:t> a los </a:t>
+            </a:r>
+            <a:r>
+              <a:rPr lang="es-EC" sz="1100" dirty="0" err="1">
+                <a:solidFill>
+                  <a:srgbClr val="808BDA"/>
+                </a:solidFill>
+                <a:latin typeface="Comic Sans MS" panose="030F0702030302020204" pitchFamily="66" charset="0"/>
+              </a:rPr>
+              <a:t>correistas</a:t>
+            </a:r>
+            <a:r>
+              <a:rPr lang="es-EC" sz="1100" dirty="0">
+                <a:solidFill>
+                  <a:srgbClr val="808BDA"/>
+                </a:solidFill>
+                <a:latin typeface="Comic Sans MS" panose="030F0702030302020204" pitchFamily="66" charset="0"/>
+              </a:rPr>
+              <a:t> pues encuentran audios  videos y documentos que los </a:t>
+            </a:r>
+            <a:r>
+              <a:rPr lang="es-EC" sz="1100" dirty="0" smtClean="0">
+                <a:solidFill>
+                  <a:srgbClr val="808BDA"/>
+                </a:solidFill>
+                <a:latin typeface="Comic Sans MS" panose="030F0702030302020204" pitchFamily="66" charset="0"/>
+              </a:rPr>
+              <a:t>comprometen es mas  existen burlas y  memes hacia la Fuerza de inteligencia Ecuatoriana ya que según las noticias son un fracaso hasta para secuestrar.</a:t>
+            </a:r>
+          </a:p>
+          <a:p>
+            <a:r>
+              <a:rPr lang="es-EC" sz="1100" dirty="0" smtClean="0">
+                <a:solidFill>
+                  <a:srgbClr val="808BDA"/>
+                </a:solidFill>
+                <a:latin typeface="Comic Sans MS" panose="030F0702030302020204" pitchFamily="66" charset="0"/>
+              </a:rPr>
+              <a:t>Por otro lado me dio temor ya que esta supuesta inteligencia del ecuador puede infiltrarse y leer correos ajenos, leer </a:t>
+            </a:r>
+            <a:r>
+              <a:rPr lang="es-EC" sz="1100" dirty="0" err="1" smtClean="0">
+                <a:solidFill>
+                  <a:srgbClr val="808BDA"/>
+                </a:solidFill>
+                <a:latin typeface="Comic Sans MS" panose="030F0702030302020204" pitchFamily="66" charset="0"/>
+              </a:rPr>
+              <a:t>twiters</a:t>
+            </a:r>
+            <a:r>
+              <a:rPr lang="es-EC" sz="1100" dirty="0" smtClean="0">
+                <a:solidFill>
+                  <a:srgbClr val="808BDA"/>
+                </a:solidFill>
+                <a:latin typeface="Comic Sans MS" panose="030F0702030302020204" pitchFamily="66" charset="0"/>
+              </a:rPr>
+              <a:t> </a:t>
+            </a:r>
+            <a:r>
+              <a:rPr lang="es-EC" sz="1100" dirty="0" err="1" smtClean="0">
+                <a:solidFill>
+                  <a:srgbClr val="808BDA"/>
+                </a:solidFill>
+                <a:latin typeface="Comic Sans MS" panose="030F0702030302020204" pitchFamily="66" charset="0"/>
+              </a:rPr>
+              <a:t>etc</a:t>
+            </a:r>
+            <a:r>
+              <a:rPr lang="es-EC" sz="1100" dirty="0" smtClean="0">
+                <a:solidFill>
+                  <a:srgbClr val="808BDA"/>
+                </a:solidFill>
+                <a:latin typeface="Comic Sans MS" panose="030F0702030302020204" pitchFamily="66" charset="0"/>
+              </a:rPr>
+              <a:t> y otro miedo es que el mismo Facebook dijo  que se habían filtrado fotos de sus usuarios por </a:t>
+            </a:r>
+            <a:r>
+              <a:rPr lang="es-EC" sz="1100" dirty="0" err="1" smtClean="0">
+                <a:solidFill>
+                  <a:srgbClr val="808BDA"/>
+                </a:solidFill>
+                <a:latin typeface="Comic Sans MS" panose="030F0702030302020204" pitchFamily="66" charset="0"/>
+              </a:rPr>
+              <a:t>apliaciones</a:t>
+            </a:r>
+            <a:r>
+              <a:rPr lang="es-EC" sz="1100" dirty="0" smtClean="0">
+                <a:solidFill>
+                  <a:srgbClr val="808BDA"/>
+                </a:solidFill>
+                <a:latin typeface="Comic Sans MS" panose="030F0702030302020204" pitchFamily="66" charset="0"/>
+              </a:rPr>
+              <a:t> de terceros es decir esas aplicaciones que hacen que </a:t>
+            </a:r>
+            <a:r>
+              <a:rPr lang="es-EC" sz="1100" dirty="0" err="1" smtClean="0">
+                <a:solidFill>
+                  <a:srgbClr val="808BDA"/>
+                </a:solidFill>
+                <a:latin typeface="Comic Sans MS" panose="030F0702030302020204" pitchFamily="66" charset="0"/>
+              </a:rPr>
+              <a:t>facebbook</a:t>
+            </a:r>
+            <a:r>
+              <a:rPr lang="es-EC" sz="1100" dirty="0" smtClean="0">
+                <a:solidFill>
+                  <a:srgbClr val="808BDA"/>
+                </a:solidFill>
+                <a:latin typeface="Comic Sans MS" panose="030F0702030302020204" pitchFamily="66" charset="0"/>
+              </a:rPr>
+              <a:t> tenga mas funcionalidad  o los mismos juegos que se instalan. ENTOCES vivimos un tiempo de inseguridad esto </a:t>
+            </a:r>
+            <a:r>
+              <a:rPr lang="es-EC" sz="1100" dirty="0" err="1" smtClean="0">
+                <a:solidFill>
+                  <a:srgbClr val="808BDA"/>
+                </a:solidFill>
+                <a:latin typeface="Comic Sans MS" panose="030F0702030302020204" pitchFamily="66" charset="0"/>
+              </a:rPr>
+              <a:t>simpre</a:t>
+            </a:r>
+            <a:r>
+              <a:rPr lang="es-EC" sz="1100" dirty="0" smtClean="0">
+                <a:solidFill>
+                  <a:srgbClr val="808BDA"/>
+                </a:solidFill>
+                <a:latin typeface="Comic Sans MS" panose="030F0702030302020204" pitchFamily="66" charset="0"/>
+              </a:rPr>
+              <a:t> ha existido pero no en tal magnitud.</a:t>
+            </a:r>
+            <a:endParaRPr lang="es-EC" sz="1100" dirty="0">
+              <a:solidFill>
+                <a:srgbClr val="808BDA"/>
+              </a:solidFill>
+              <a:latin typeface="Comic Sans MS" panose="030F0702030302020204" pitchFamily="66" charset="0"/>
+            </a:endParaRPr>
+          </a:p>
+          <a:p>
+            <a:r>
+              <a:rPr lang="es-EC" sz="1100" dirty="0" smtClean="0">
+                <a:solidFill>
+                  <a:srgbClr val="808BDA"/>
+                </a:solidFill>
+                <a:latin typeface="Comic Sans MS" panose="030F0702030302020204" pitchFamily="66" charset="0"/>
+              </a:rPr>
+              <a:t>Por tanto surgió </a:t>
+            </a:r>
+            <a:r>
+              <a:rPr lang="es-EC" sz="1100" dirty="0">
+                <a:solidFill>
+                  <a:srgbClr val="808BDA"/>
+                </a:solidFill>
+                <a:latin typeface="Comic Sans MS" panose="030F0702030302020204" pitchFamily="66" charset="0"/>
+              </a:rPr>
+              <a:t>mi curiosidad de saber mas acerca de ello y es que la </a:t>
+            </a:r>
+            <a:r>
+              <a:rPr lang="es-EC" sz="1100" b="1" dirty="0">
+                <a:solidFill>
+                  <a:srgbClr val="808BDA"/>
+                </a:solidFill>
+                <a:latin typeface="Comic Sans MS" panose="030F0702030302020204" pitchFamily="66" charset="0"/>
+              </a:rPr>
+              <a:t>CRIPTOLOGÍA</a:t>
+            </a:r>
+            <a:r>
+              <a:rPr lang="es-EC" sz="1100" dirty="0">
+                <a:solidFill>
+                  <a:srgbClr val="808BDA"/>
+                </a:solidFill>
+                <a:latin typeface="Comic Sans MS" panose="030F0702030302020204" pitchFamily="66" charset="0"/>
+              </a:rPr>
+              <a:t> </a:t>
+            </a:r>
+            <a:r>
+              <a:rPr lang="es-EC" sz="1100" dirty="0" smtClean="0">
+                <a:solidFill>
+                  <a:srgbClr val="808BDA"/>
+                </a:solidFill>
+                <a:latin typeface="Comic Sans MS" panose="030F0702030302020204" pitchFamily="66" charset="0"/>
+              </a:rPr>
+              <a:t>nos lleva a ello esta ciencia que sido aplicada hace mucho tiempo atrás desde y que tuvo su peso en la guerra mundial donde se fue desarrollando y descubriendo formas de enviar mensajes a sus batallones.</a:t>
+            </a:r>
+          </a:p>
+          <a:p>
+            <a:r>
+              <a:rPr lang="es-EC" sz="1100" dirty="0" smtClean="0">
+                <a:solidFill>
+                  <a:srgbClr val="808BDA"/>
+                </a:solidFill>
+                <a:latin typeface="Comic Sans MS" panose="030F0702030302020204" pitchFamily="66" charset="0"/>
+              </a:rPr>
+              <a:t>A ese mundo misterioso donde podemos mantener secretos aunque sean </a:t>
+            </a:r>
+            <a:r>
+              <a:rPr lang="es-EC" sz="1100" dirty="0" err="1" smtClean="0">
+                <a:solidFill>
+                  <a:srgbClr val="808BDA"/>
+                </a:solidFill>
+                <a:latin typeface="Comic Sans MS" panose="030F0702030302020204" pitchFamily="66" charset="0"/>
+              </a:rPr>
+              <a:t>decifrables</a:t>
+            </a:r>
+            <a:r>
+              <a:rPr lang="es-EC" sz="1100" dirty="0" smtClean="0">
+                <a:solidFill>
+                  <a:srgbClr val="808BDA"/>
+                </a:solidFill>
+                <a:latin typeface="Comic Sans MS" panose="030F0702030302020204" pitchFamily="66" charset="0"/>
+              </a:rPr>
+              <a:t> para  pocos  es  </a:t>
+            </a:r>
+            <a:r>
+              <a:rPr lang="es-EC" sz="1100" dirty="0" err="1" smtClean="0">
+                <a:solidFill>
+                  <a:srgbClr val="808BDA"/>
+                </a:solidFill>
+                <a:latin typeface="Comic Sans MS" panose="030F0702030302020204" pitchFamily="66" charset="0"/>
+              </a:rPr>
+              <a:t>indecifrable</a:t>
+            </a:r>
+            <a:r>
+              <a:rPr lang="es-EC" sz="1100" dirty="0" smtClean="0">
+                <a:solidFill>
+                  <a:srgbClr val="808BDA"/>
+                </a:solidFill>
+                <a:latin typeface="Comic Sans MS" panose="030F0702030302020204" pitchFamily="66" charset="0"/>
+              </a:rPr>
+              <a:t> para la mayoría todo depende de el como lo vamos a realizar y su nivel de encriptación.</a:t>
+            </a:r>
+          </a:p>
+          <a:p>
+            <a:endParaRPr lang="es-EC" sz="1100" dirty="0">
+              <a:solidFill>
+                <a:srgbClr val="808BDA"/>
+              </a:solidFill>
+              <a:latin typeface="Comic Sans MS" panose="030F0702030302020204" pitchFamily="66" charset="0"/>
+            </a:endParaRPr>
+          </a:p>
+          <a:p>
+            <a:r>
+              <a:rPr lang="es-EC" sz="1100" dirty="0" smtClean="0">
+                <a:solidFill>
+                  <a:srgbClr val="808BDA"/>
+                </a:solidFill>
+                <a:latin typeface="Comic Sans MS" panose="030F0702030302020204" pitchFamily="66" charset="0"/>
+              </a:rPr>
+              <a:t>La cristología tiene </a:t>
+            </a:r>
+            <a:r>
+              <a:rPr lang="es-EC" sz="1100" dirty="0">
+                <a:solidFill>
+                  <a:srgbClr val="808BDA"/>
+                </a:solidFill>
+                <a:latin typeface="Comic Sans MS" panose="030F0702030302020204" pitchFamily="66" charset="0"/>
+              </a:rPr>
+              <a:t>tres ramas</a:t>
+            </a:r>
+            <a:r>
+              <a:rPr lang="es-EC" sz="1100" dirty="0" smtClean="0">
+                <a:solidFill>
+                  <a:srgbClr val="808BDA"/>
+                </a:solidFill>
+                <a:latin typeface="Comic Sans MS" panose="030F0702030302020204" pitchFamily="66" charset="0"/>
+              </a:rPr>
+              <a:t>: </a:t>
+            </a:r>
+            <a:r>
+              <a:rPr lang="es-EC" sz="1100" b="1" dirty="0" smtClean="0">
+                <a:solidFill>
+                  <a:srgbClr val="808BDA"/>
+                </a:solidFill>
+                <a:latin typeface="Comic Sans MS" panose="030F0702030302020204" pitchFamily="66" charset="0"/>
+              </a:rPr>
+              <a:t>Criptoanálisis</a:t>
+            </a:r>
+            <a:r>
+              <a:rPr lang="es-EC" sz="1100" dirty="0" smtClean="0">
+                <a:solidFill>
+                  <a:srgbClr val="808BDA"/>
+                </a:solidFill>
+                <a:latin typeface="Comic Sans MS" panose="030F0702030302020204" pitchFamily="66" charset="0"/>
+              </a:rPr>
+              <a:t> ,</a:t>
+            </a:r>
+            <a:r>
+              <a:rPr lang="es-EC" sz="1100" b="1" dirty="0" smtClean="0">
+                <a:solidFill>
+                  <a:srgbClr val="808BDA"/>
+                </a:solidFill>
+                <a:latin typeface="Comic Sans MS" panose="030F0702030302020204" pitchFamily="66" charset="0"/>
+              </a:rPr>
+              <a:t> </a:t>
+            </a:r>
+            <a:r>
+              <a:rPr lang="es-EC" sz="1100" b="1" dirty="0" err="1" smtClean="0">
+                <a:solidFill>
+                  <a:srgbClr val="808BDA"/>
+                </a:solidFill>
+                <a:latin typeface="Comic Sans MS" panose="030F0702030302020204" pitchFamily="66" charset="0"/>
+              </a:rPr>
+              <a:t>Esteganografía</a:t>
+            </a:r>
+            <a:r>
+              <a:rPr lang="es-EC" sz="1100" b="1" dirty="0" smtClean="0">
+                <a:solidFill>
+                  <a:srgbClr val="808BDA"/>
+                </a:solidFill>
+                <a:latin typeface="Comic Sans MS" panose="030F0702030302020204" pitchFamily="66" charset="0"/>
+              </a:rPr>
+              <a:t> , Criptografía</a:t>
+            </a:r>
+            <a:endParaRPr lang="es-EC" sz="1100" b="1" dirty="0">
+              <a:solidFill>
+                <a:srgbClr val="808BDA"/>
+              </a:solidFill>
+              <a:latin typeface="Comic Sans MS" panose="030F0702030302020204" pitchFamily="66" charset="0"/>
+            </a:endParaRPr>
+          </a:p>
+        </p:txBody>
+      </p:sp>
+      <p:pic>
+        <p:nvPicPr>
+          <p:cNvPr id="8" name="Imagen 7"/>
+          <p:cNvPicPr>
+            <a:picLocks noChangeAspect="1"/>
+          </p:cNvPicPr>
+          <p:nvPr/>
+        </p:nvPicPr>
+        <p:blipFill>
+          <a:blip r:embed="rId5" cstate="print">
+            <a:extLst>
+              <a:ext uri="{BEBA8EAE-BF5A-486C-A8C5-ECC9F3942E4B}">
+                <a14:imgProps xmlns:a14="http://schemas.microsoft.com/office/drawing/2010/main">
+                  <a14:imgLayer r:embed="rId6">
+                    <a14:imgEffect>
+                      <a14:brightnessContrast bright="-20000" contrast="-40000"/>
+                    </a14:imgEffect>
+                  </a14:imgLayer>
+                </a14:imgProps>
+              </a:ext>
+              <a:ext uri="{28A0092B-C50C-407E-A947-70E740481C1C}">
+                <a14:useLocalDpi xmlns:a14="http://schemas.microsoft.com/office/drawing/2010/main" val="0"/>
+              </a:ext>
+            </a:extLst>
+          </a:blip>
+          <a:stretch>
+            <a:fillRect/>
+          </a:stretch>
+        </p:blipFill>
+        <p:spPr>
+          <a:xfrm rot="21152361" flipH="1">
+            <a:off x="133134" y="4047673"/>
+            <a:ext cx="1771564" cy="2485334"/>
+          </a:xfrm>
+          <a:prstGeom prst="rect">
+            <a:avLst/>
+          </a:prstGeom>
+          <a:noFill/>
+          <a:ln>
+            <a:noFill/>
+          </a:ln>
+          <a:effectLst>
+            <a:outerShdw blurRad="127000" dist="533400" sx="73000" sy="73000" kx="-1200000" algn="bl" rotWithShape="0">
+              <a:prstClr val="black">
+                <a:alpha val="24000"/>
+              </a:prstClr>
+            </a:outerShdw>
+          </a:effectLst>
+        </p:spPr>
+      </p:pic>
+      <p:sp>
+        <p:nvSpPr>
+          <p:cNvPr id="9" name="Llamada de nube 8"/>
+          <p:cNvSpPr/>
+          <p:nvPr/>
+        </p:nvSpPr>
+        <p:spPr>
+          <a:xfrm rot="20699653">
+            <a:off x="1041689" y="3659090"/>
+            <a:ext cx="1838809" cy="905647"/>
+          </a:xfrm>
+          <a:prstGeom prst="cloudCallout">
+            <a:avLst>
+              <a:gd name="adj1" fmla="val -54490"/>
+              <a:gd name="adj2" fmla="val 54881"/>
+            </a:avLst>
+          </a:prstGeom>
+          <a:solidFill>
+            <a:srgbClr val="EE5454">
+              <a:alpha val="78000"/>
+            </a:srgbClr>
+          </a:solidFill>
+          <a:ln>
+            <a:solidFill>
+              <a:schemeClr val="tx1">
+                <a:lumMod val="85000"/>
+                <a:lumOff val="15000"/>
+              </a:schemeClr>
+            </a:solidFill>
+          </a:ln>
+          <a:effectLst>
+            <a:outerShdw blurRad="76200" dir="18900000" sy="23000" kx="-1200000" algn="bl" rotWithShape="0">
+              <a:prstClr val="black">
+                <a:alpha val="20000"/>
+              </a:prstClr>
+            </a:outerShdw>
+          </a:effectLst>
+        </p:spPr>
+        <p:style>
+          <a:lnRef idx="2">
+            <a:schemeClr val="accent1">
+              <a:shade val="50000"/>
+            </a:schemeClr>
+          </a:lnRef>
+          <a:fillRef idx="1">
+            <a:schemeClr val="accent1"/>
+          </a:fillRef>
+          <a:effectRef idx="0">
+            <a:schemeClr val="accent1"/>
+          </a:effectRef>
+          <a:fontRef idx="minor">
+            <a:schemeClr val="lt1"/>
+          </a:fontRef>
+        </p:style>
+        <p:txBody>
+          <a:bodyPr rtlCol="0" anchor="ctr"/>
+          <a:lstStyle/>
+          <a:p>
+            <a:endParaRPr lang="es-EC" sz="1400" b="1" dirty="0" smtClean="0"/>
+          </a:p>
+          <a:p>
+            <a:pPr algn="ctr"/>
+            <a:r>
+              <a:rPr lang="es-EC" sz="1200" dirty="0" smtClean="0">
+                <a:solidFill>
+                  <a:schemeClr val="bg1">
+                    <a:lumMod val="95000"/>
+                  </a:schemeClr>
+                </a:solidFill>
+                <a:latin typeface="Comic Sans MS" panose="030F0702030302020204" pitchFamily="66" charset="0"/>
+                <a:cs typeface="Adobe Naskh Medium" panose="01010101010101010101" pitchFamily="50" charset="-78"/>
+              </a:rPr>
+              <a:t>¿Cómo oculto un mensaje en una Imagen?</a:t>
+            </a:r>
+          </a:p>
+          <a:p>
+            <a:pPr algn="ctr"/>
+            <a:endParaRPr lang="es-EC" dirty="0"/>
+          </a:p>
+        </p:txBody>
+      </p:sp>
+      <p:sp>
+        <p:nvSpPr>
+          <p:cNvPr id="7" name="Combinar 6"/>
+          <p:cNvSpPr/>
+          <p:nvPr/>
+        </p:nvSpPr>
+        <p:spPr>
+          <a:xfrm rot="3474324">
+            <a:off x="865125" y="767459"/>
+            <a:ext cx="1138936" cy="1329051"/>
+          </a:xfrm>
+          <a:prstGeom prst="flowChartMerge">
+            <a:avLst/>
+          </a:prstGeom>
+          <a:solidFill>
+            <a:schemeClr val="bg1">
+              <a:lumMod val="85000"/>
+            </a:schemeClr>
+          </a:solidFill>
+          <a:ln>
+            <a:solidFill>
+              <a:schemeClr val="tx1">
+                <a:lumMod val="75000"/>
+                <a:lumOff val="25000"/>
+              </a:schemeClr>
+            </a:solidFill>
+          </a:ln>
+        </p:spPr>
+        <p:style>
+          <a:lnRef idx="2">
+            <a:schemeClr val="accent1">
+              <a:shade val="50000"/>
+            </a:schemeClr>
+          </a:lnRef>
+          <a:fillRef idx="1">
+            <a:schemeClr val="accent1"/>
+          </a:fillRef>
+          <a:effectRef idx="0">
+            <a:schemeClr val="accent1"/>
+          </a:effectRef>
+          <a:fontRef idx="minor">
+            <a:schemeClr val="lt1"/>
+          </a:fontRef>
+        </p:style>
+        <p:txBody>
+          <a:bodyPr rtlCol="0" anchor="ctr"/>
+          <a:lstStyle/>
+          <a:p>
+            <a:pPr algn="ctr"/>
+            <a:endParaRPr lang="es-EC"/>
+          </a:p>
+        </p:txBody>
+      </p:sp>
+      <p:pic>
+        <p:nvPicPr>
+          <p:cNvPr id="3" name="Imagen 2"/>
+          <p:cNvPicPr>
+            <a:picLocks noChangeAspect="1"/>
+          </p:cNvPicPr>
+          <p:nvPr/>
+        </p:nvPicPr>
+        <p:blipFill>
+          <a:blip r:embed="rId7" cstate="print">
+            <a:extLst>
+              <a:ext uri="{28A0092B-C50C-407E-A947-70E740481C1C}">
+                <a14:useLocalDpi xmlns:a14="http://schemas.microsoft.com/office/drawing/2010/main" val="0"/>
+              </a:ext>
+            </a:extLst>
+          </a:blip>
+          <a:stretch>
+            <a:fillRect/>
+          </a:stretch>
+        </p:blipFill>
+        <p:spPr>
+          <a:xfrm rot="20272480">
+            <a:off x="322790" y="1552403"/>
+            <a:ext cx="955797" cy="955797"/>
+          </a:xfrm>
+          <a:prstGeom prst="rect">
+            <a:avLst/>
+          </a:prstGeom>
+          <a:noFill/>
+          <a:ln>
+            <a:noFill/>
+          </a:ln>
+          <a:effectLst>
+            <a:outerShdw blurRad="76200" dir="13500000" sy="23000" kx="1200000" algn="br" rotWithShape="0">
+              <a:prstClr val="black">
+                <a:alpha val="20000"/>
+              </a:prstClr>
+            </a:outerShdw>
+          </a:effectLst>
+        </p:spPr>
+      </p:pic>
+      <p:sp>
+        <p:nvSpPr>
+          <p:cNvPr id="11" name="Elipse 10"/>
+          <p:cNvSpPr/>
+          <p:nvPr/>
+        </p:nvSpPr>
+        <p:spPr>
+          <a:xfrm>
+            <a:off x="1430069" y="355769"/>
+            <a:ext cx="1899292" cy="1251799"/>
+          </a:xfrm>
+          <a:prstGeom prst="ellipse">
+            <a:avLst/>
+          </a:prstGeom>
+          <a:blipFill dpi="0" rotWithShape="1">
+            <a:blip r:embed="rId8">
+              <a:extLst>
+                <a:ext uri="{BEBA8EAE-BF5A-486C-A8C5-ECC9F3942E4B}">
+                  <a14:imgProps xmlns:a14="http://schemas.microsoft.com/office/drawing/2010/main">
+                    <a14:imgLayer r:embed="rId9">
+                      <a14:imgEffect>
+                        <a14:colorTemperature colorTemp="4700"/>
+                      </a14:imgEffect>
+                      <a14:imgEffect>
+                        <a14:brightnessContrast bright="-10000"/>
+                      </a14:imgEffect>
+                    </a14:imgLayer>
+                  </a14:imgProps>
+                </a:ext>
+                <a:ext uri="{28A0092B-C50C-407E-A947-70E740481C1C}">
+                  <a14:useLocalDpi xmlns:a14="http://schemas.microsoft.com/office/drawing/2010/main" val="0"/>
+                </a:ext>
+              </a:extLst>
+            </a:blip>
+            <a:srcRect/>
+            <a:tile tx="-330200" ty="-762000" sx="100000" sy="100000" flip="none" algn="tl"/>
+          </a:blipFill>
+          <a:ln>
+            <a:solidFill>
+              <a:schemeClr val="tx1">
+                <a:lumMod val="65000"/>
+                <a:lumOff val="35000"/>
+              </a:schemeClr>
+            </a:solidFill>
+          </a:ln>
+        </p:spPr>
+        <p:style>
+          <a:lnRef idx="2">
+            <a:schemeClr val="accent1">
+              <a:shade val="50000"/>
+            </a:schemeClr>
+          </a:lnRef>
+          <a:fillRef idx="1">
+            <a:schemeClr val="accent1"/>
+          </a:fillRef>
+          <a:effectRef idx="0">
+            <a:schemeClr val="accent1"/>
+          </a:effectRef>
+          <a:fontRef idx="minor">
+            <a:schemeClr val="lt1"/>
+          </a:fontRef>
+        </p:style>
+        <p:txBody>
+          <a:bodyPr rtlCol="0" anchor="ctr"/>
+          <a:lstStyle/>
+          <a:p>
+            <a:pPr algn="ctr"/>
+            <a:endParaRPr lang="es-EC"/>
+          </a:p>
+        </p:txBody>
+      </p:sp>
+      <p:pic>
+        <p:nvPicPr>
+          <p:cNvPr id="12" name="Imagen 11"/>
+          <p:cNvPicPr>
+            <a:picLocks noChangeAspect="1"/>
+          </p:cNvPicPr>
+          <p:nvPr/>
+        </p:nvPicPr>
+        <p:blipFill>
+          <a:blip r:embed="rId10" cstate="print">
+            <a:extLst>
+              <a:ext uri="{28A0092B-C50C-407E-A947-70E740481C1C}">
+                <a14:useLocalDpi xmlns:a14="http://schemas.microsoft.com/office/drawing/2010/main" val="0"/>
+              </a:ext>
+            </a:extLst>
+          </a:blip>
+          <a:stretch>
+            <a:fillRect/>
+          </a:stretch>
+        </p:blipFill>
+        <p:spPr>
+          <a:xfrm>
+            <a:off x="1381400" y="2439620"/>
+            <a:ext cx="938947" cy="974012"/>
+          </a:xfrm>
+          <a:prstGeom prst="rect">
+            <a:avLst/>
+          </a:prstGeom>
+          <a:effectLst>
+            <a:outerShdw blurRad="76200" dir="18900000" sy="23000" kx="-1200000" algn="bl" rotWithShape="0">
+              <a:prstClr val="black">
+                <a:alpha val="20000"/>
+              </a:prstClr>
+            </a:outerShdw>
+          </a:effectLst>
+        </p:spPr>
+      </p:pic>
+      <p:sp>
+        <p:nvSpPr>
+          <p:cNvPr id="16" name="Rectángulo 15"/>
+          <p:cNvSpPr/>
+          <p:nvPr/>
+        </p:nvSpPr>
+        <p:spPr>
+          <a:xfrm rot="669869">
+            <a:off x="1072757" y="2328333"/>
+            <a:ext cx="531413" cy="486706"/>
+          </a:xfrm>
+          <a:prstGeom prst="rect">
+            <a:avLst/>
+          </a:prstGeom>
+          <a:noFill/>
+          <a:ln>
+            <a:noFill/>
+          </a:ln>
+        </p:spPr>
+        <p:style>
+          <a:lnRef idx="2">
+            <a:schemeClr val="accent1">
+              <a:shade val="50000"/>
+            </a:schemeClr>
+          </a:lnRef>
+          <a:fillRef idx="1">
+            <a:schemeClr val="accent1"/>
+          </a:fillRef>
+          <a:effectRef idx="0">
+            <a:schemeClr val="accent1"/>
+          </a:effectRef>
+          <a:fontRef idx="minor">
+            <a:schemeClr val="lt1"/>
+          </a:fontRef>
+        </p:style>
+        <p:txBody>
+          <a:bodyPr rtlCol="0" anchor="ctr"/>
+          <a:lstStyle/>
+          <a:p>
+            <a:pPr algn="ctr"/>
+            <a:r>
+              <a:rPr lang="es-EC" sz="4000" dirty="0" smtClean="0">
+                <a:solidFill>
+                  <a:schemeClr val="tx2">
+                    <a:lumMod val="20000"/>
+                    <a:lumOff val="80000"/>
+                  </a:schemeClr>
+                </a:solidFill>
+                <a:latin typeface="Comic Sans MS" panose="030F0702030302020204" pitchFamily="66" charset="0"/>
+              </a:rPr>
+              <a:t>+</a:t>
+            </a:r>
+            <a:endParaRPr lang="es-EC" sz="4000" dirty="0">
+              <a:solidFill>
+                <a:schemeClr val="tx2">
+                  <a:lumMod val="20000"/>
+                  <a:lumOff val="80000"/>
+                </a:schemeClr>
+              </a:solidFill>
+              <a:latin typeface="Comic Sans MS" panose="030F0702030302020204" pitchFamily="66" charset="0"/>
+            </a:endParaRPr>
+          </a:p>
+        </p:txBody>
+      </p:sp>
+      <p:sp>
+        <p:nvSpPr>
+          <p:cNvPr id="2" name="Rectángulo 1"/>
+          <p:cNvSpPr/>
+          <p:nvPr/>
+        </p:nvSpPr>
+        <p:spPr>
+          <a:xfrm rot="20339488">
+            <a:off x="1285638" y="1527087"/>
+            <a:ext cx="2383368" cy="786607"/>
+          </a:xfrm>
+          <a:prstGeom prst="rect">
+            <a:avLst/>
+          </a:prstGeom>
+          <a:noFill/>
+          <a:ln>
+            <a:noFill/>
+          </a:ln>
+        </p:spPr>
+        <p:style>
+          <a:lnRef idx="2">
+            <a:schemeClr val="accent1">
+              <a:shade val="50000"/>
+            </a:schemeClr>
+          </a:lnRef>
+          <a:fillRef idx="1">
+            <a:schemeClr val="accent1"/>
+          </a:fillRef>
+          <a:effectRef idx="0">
+            <a:schemeClr val="accent1"/>
+          </a:effectRef>
+          <a:fontRef idx="minor">
+            <a:schemeClr val="lt1"/>
+          </a:fontRef>
+        </p:style>
+        <p:txBody>
+          <a:bodyPr rtlCol="0" anchor="ctr"/>
+          <a:lstStyle/>
+          <a:p>
+            <a:pPr algn="ctr"/>
+            <a:r>
+              <a:rPr lang="es-EC" sz="4400" dirty="0" smtClean="0">
+                <a:ln>
+                  <a:solidFill>
+                    <a:schemeClr val="tx1">
+                      <a:lumMod val="75000"/>
+                      <a:lumOff val="25000"/>
+                    </a:schemeClr>
+                  </a:solidFill>
+                </a:ln>
+                <a:solidFill>
+                  <a:schemeClr val="bg1">
+                    <a:lumMod val="85000"/>
+                  </a:schemeClr>
+                </a:solidFill>
+                <a:latin typeface="Bangers" panose="00000500000000000000" pitchFamily="2" charset="0"/>
+              </a:rPr>
+              <a:t>C</a:t>
+            </a:r>
+            <a:r>
+              <a:rPr lang="es-EC" sz="3200" dirty="0" smtClean="0">
+                <a:ln>
+                  <a:solidFill>
+                    <a:schemeClr val="tx1">
+                      <a:lumMod val="75000"/>
+                      <a:lumOff val="25000"/>
+                    </a:schemeClr>
+                  </a:solidFill>
+                </a:ln>
+                <a:solidFill>
+                  <a:schemeClr val="bg1">
+                    <a:lumMod val="85000"/>
+                  </a:schemeClr>
+                </a:solidFill>
+                <a:latin typeface="Bangers" panose="00000500000000000000" pitchFamily="2" charset="0"/>
+              </a:rPr>
+              <a:t>riptología</a:t>
+            </a:r>
+            <a:endParaRPr lang="es-EC" sz="3200" dirty="0">
+              <a:ln>
+                <a:solidFill>
+                  <a:schemeClr val="tx1">
+                    <a:lumMod val="75000"/>
+                    <a:lumOff val="25000"/>
+                  </a:schemeClr>
+                </a:solidFill>
+              </a:ln>
+              <a:solidFill>
+                <a:schemeClr val="bg1">
+                  <a:lumMod val="85000"/>
+                </a:schemeClr>
+              </a:solidFill>
+              <a:latin typeface="Bangers" panose="00000500000000000000" pitchFamily="2" charset="0"/>
+            </a:endParaRPr>
+          </a:p>
+        </p:txBody>
+      </p:sp>
+      <p:pic>
+        <p:nvPicPr>
+          <p:cNvPr id="5" name="Imagen 4"/>
+          <p:cNvPicPr>
+            <a:picLocks noChangeAspect="1"/>
+          </p:cNvPicPr>
+          <p:nvPr/>
+        </p:nvPicPr>
+        <p:blipFill rotWithShape="1">
+          <a:blip r:embed="rId11">
+            <a:extLst>
+              <a:ext uri="{28A0092B-C50C-407E-A947-70E740481C1C}">
+                <a14:useLocalDpi xmlns:a14="http://schemas.microsoft.com/office/drawing/2010/main" val="0"/>
+              </a:ext>
+            </a:extLst>
+          </a:blip>
+          <a:srcRect t="47655"/>
+          <a:stretch/>
+        </p:blipFill>
+        <p:spPr>
+          <a:xfrm rot="20568747">
+            <a:off x="202345" y="1300942"/>
+            <a:ext cx="4839441" cy="1386534"/>
+          </a:xfrm>
+          <a:prstGeom prst="rect">
+            <a:avLst/>
+          </a:prstGeom>
+        </p:spPr>
+      </p:pic>
+    </p:spTree>
+    <p:extLst>
+      <p:ext uri="{BB962C8B-B14F-4D97-AF65-F5344CB8AC3E}">
+        <p14:creationId xmlns:p14="http://schemas.microsoft.com/office/powerpoint/2010/main" val="3985036191"/>
+      </p:ext>
+    </p:extLst>
+  </p:cSld>
+  <p:clrMapOvr>
+    <a:masterClrMapping/>
+  </p:clrMapOvr>
+  <p:timing>
+    <p:tnLst>
+      <p:par>
+        <p:cTn id="1" dur="indefinite" restart="never" nodeType="tmRoot"/>
+      </p:par>
+    </p:tnLst>
+  </p:timing>
+</p:sld>
+</file>
+
+<file path=ppt/slides/slide3.xml><?xml version="1.0" encoding="utf-8"?>
 <p:sld xmlns:a="http://schemas.openxmlformats.org/drawingml/2006/main" xmlns:r="http://schemas.openxmlformats.org/officeDocument/2006/relationships" xmlns:p="http://schemas.openxmlformats.org/presentationml/2006/main">
   <p:cSld>
     <p:spTree>
@@ -3786,7 +6029,7 @@
 </p:sld>
 </file>
 
-<file path=ppt/slides/slide3.xml><?xml version="1.0" encoding="utf-8"?>
+<file path=ppt/slides/slide4.xml><?xml version="1.0" encoding="utf-8"?>
 <p:sld xmlns:a="http://schemas.openxmlformats.org/drawingml/2006/main" xmlns:r="http://schemas.openxmlformats.org/officeDocument/2006/relationships" xmlns:p="http://schemas.openxmlformats.org/presentationml/2006/main">
   <p:cSld>
     <p:spTree>
@@ -3841,7 +6084,6 @@
               <a:rPr lang="es-EC"/>
               <a:t>https://www.youtube.com/watch?v=Jw_PDCk28fs</a:t>
             </a:r>
-            <a:endParaRPr lang="es-EC"/>
           </a:p>
         </p:txBody>
       </p:sp>
@@ -3849,6 +6091,4251 @@
     <p:extLst>
       <p:ext uri="{BB962C8B-B14F-4D97-AF65-F5344CB8AC3E}">
         <p14:creationId xmlns:p14="http://schemas.microsoft.com/office/powerpoint/2010/main" val="3310572457"/>
+      </p:ext>
+    </p:extLst>
+  </p:cSld>
+  <p:clrMapOvr>
+    <a:masterClrMapping/>
+  </p:clrMapOvr>
+</p:sld>
+</file>
+
+<file path=ppt/slides/slide5.xml><?xml version="1.0" encoding="utf-8"?>
+<p:sld xmlns:a="http://schemas.openxmlformats.org/drawingml/2006/main" xmlns:r="http://schemas.openxmlformats.org/officeDocument/2006/relationships" xmlns:p="http://schemas.openxmlformats.org/presentationml/2006/main">
+  <p:cSld>
+    <p:spTree>
+      <p:nvGrpSpPr>
+        <p:cNvPr id="1" name=""/>
+        <p:cNvGrpSpPr/>
+        <p:nvPr/>
+      </p:nvGrpSpPr>
+      <p:grpSpPr>
+        <a:xfrm>
+          <a:off x="0" y="0"/>
+          <a:ext cx="0" cy="0"/>
+          <a:chOff x="0" y="0"/>
+          <a:chExt cx="0" cy="0"/>
+        </a:xfrm>
+      </p:grpSpPr>
+      <p:graphicFrame>
+        <p:nvGraphicFramePr>
+          <p:cNvPr id="8" name="Tabla 7"/>
+          <p:cNvGraphicFramePr>
+            <a:graphicFrameLocks noGrp="1"/>
+          </p:cNvGraphicFramePr>
+          <p:nvPr>
+            <p:extLst>
+              <p:ext uri="{D42A27DB-BD31-4B8C-83A1-F6EECF244321}">
+                <p14:modId xmlns:p14="http://schemas.microsoft.com/office/powerpoint/2010/main" val="258854180"/>
+              </p:ext>
+            </p:extLst>
+          </p:nvPr>
+        </p:nvGraphicFramePr>
+        <p:xfrm>
+          <a:off x="407557" y="241405"/>
+          <a:ext cx="4619625" cy="2560320"/>
+        </p:xfrm>
+        <a:graphic>
+          <a:graphicData uri="http://schemas.openxmlformats.org/drawingml/2006/table">
+            <a:tbl>
+              <a:tblPr/>
+              <a:tblGrid>
+                <a:gridCol w="1539875"/>
+                <a:gridCol w="1539875"/>
+                <a:gridCol w="1539875"/>
+              </a:tblGrid>
+              <a:tr h="0">
+                <a:tc>
+                  <a:txBody>
+                    <a:bodyPr/>
+                    <a:lstStyle/>
+                    <a:p>
+                      <a:pPr algn="l" fontAlgn="t"/>
+                      <a:r>
+                        <a:rPr lang="es-EC" dirty="0">
+                          <a:effectLst/>
+                        </a:rPr>
+                        <a:t>Color</a:t>
+                      </a:r>
+                    </a:p>
+                  </a:txBody>
+                  <a:tcPr marL="76200" marR="76200" marT="76200" marB="76200">
+                    <a:lnL>
+                      <a:noFill/>
+                    </a:lnL>
+                    <a:lnR>
+                      <a:noFill/>
+                    </a:lnR>
+                    <a:lnT w="9525" cap="flat" cmpd="sng" algn="ctr">
+                      <a:solidFill>
+                        <a:srgbClr val="DDDDDD"/>
+                      </a:solidFill>
+                      <a:prstDash val="solid"/>
+                      <a:round/>
+                      <a:headEnd type="none" w="med" len="med"/>
+                      <a:tailEnd type="none" w="med" len="med"/>
+                    </a:lnT>
+                    <a:lnB w="9525" cap="flat" cmpd="sng" algn="ctr">
+                      <a:solidFill>
+                        <a:srgbClr val="DDDDDD"/>
+                      </a:solidFill>
+                      <a:prstDash val="solid"/>
+                      <a:round/>
+                      <a:headEnd type="none" w="med" len="med"/>
+                      <a:tailEnd type="none" w="med" len="med"/>
+                    </a:lnB>
+                    <a:solidFill>
+                      <a:srgbClr val="FFFFFF"/>
+                    </a:solidFill>
+                  </a:tcPr>
+                </a:tc>
+                <a:tc>
+                  <a:txBody>
+                    <a:bodyPr/>
+                    <a:lstStyle/>
+                    <a:p>
+                      <a:pPr algn="l" fontAlgn="t"/>
+                      <a:r>
+                        <a:rPr lang="es-EC">
+                          <a:effectLst/>
+                        </a:rPr>
+                        <a:t>Hex</a:t>
+                      </a:r>
+                    </a:p>
+                  </a:txBody>
+                  <a:tcPr marL="76200" marR="76200" marT="76200" marB="76200">
+                    <a:lnL>
+                      <a:noFill/>
+                    </a:lnL>
+                    <a:lnR>
+                      <a:noFill/>
+                    </a:lnR>
+                    <a:lnT w="9525" cap="flat" cmpd="sng" algn="ctr">
+                      <a:solidFill>
+                        <a:srgbClr val="DDDDDD"/>
+                      </a:solidFill>
+                      <a:prstDash val="solid"/>
+                      <a:round/>
+                      <a:headEnd type="none" w="med" len="med"/>
+                      <a:tailEnd type="none" w="med" len="med"/>
+                    </a:lnT>
+                    <a:lnB w="9525" cap="flat" cmpd="sng" algn="ctr">
+                      <a:solidFill>
+                        <a:srgbClr val="DDDDDD"/>
+                      </a:solidFill>
+                      <a:prstDash val="solid"/>
+                      <a:round/>
+                      <a:headEnd type="none" w="med" len="med"/>
+                      <a:tailEnd type="none" w="med" len="med"/>
+                    </a:lnB>
+                    <a:solidFill>
+                      <a:srgbClr val="FFFFFF"/>
+                    </a:solidFill>
+                  </a:tcPr>
+                </a:tc>
+                <a:tc>
+                  <a:txBody>
+                    <a:bodyPr/>
+                    <a:lstStyle/>
+                    <a:p>
+                      <a:pPr algn="l" fontAlgn="t"/>
+                      <a:r>
+                        <a:rPr lang="es-EC">
+                          <a:effectLst/>
+                        </a:rPr>
+                        <a:t>RGB</a:t>
+                      </a:r>
+                    </a:p>
+                  </a:txBody>
+                  <a:tcPr marL="76200" marR="76200" marT="76200" marB="76200">
+                    <a:lnL>
+                      <a:noFill/>
+                    </a:lnL>
+                    <a:lnR>
+                      <a:noFill/>
+                    </a:lnR>
+                    <a:lnT w="9525" cap="flat" cmpd="sng" algn="ctr">
+                      <a:solidFill>
+                        <a:srgbClr val="DDDDDD"/>
+                      </a:solidFill>
+                      <a:prstDash val="solid"/>
+                      <a:round/>
+                      <a:headEnd type="none" w="med" len="med"/>
+                      <a:tailEnd type="none" w="med" len="med"/>
+                    </a:lnT>
+                    <a:lnB w="9525" cap="flat" cmpd="sng" algn="ctr">
+                      <a:solidFill>
+                        <a:srgbClr val="DDDDDD"/>
+                      </a:solidFill>
+                      <a:prstDash val="solid"/>
+                      <a:round/>
+                      <a:headEnd type="none" w="med" len="med"/>
+                      <a:tailEnd type="none" w="med" len="med"/>
+                    </a:lnB>
+                    <a:solidFill>
+                      <a:srgbClr val="FFFFFF"/>
+                    </a:solidFill>
+                  </a:tcPr>
+                </a:tc>
+              </a:tr>
+              <a:tr h="0">
+                <a:tc>
+                  <a:txBody>
+                    <a:bodyPr/>
+                    <a:lstStyle/>
+                    <a:p>
+                      <a:pPr fontAlgn="t"/>
+                      <a:endParaRPr lang="es-EC">
+                        <a:effectLst/>
+                      </a:endParaRPr>
+                    </a:p>
+                  </a:txBody>
+                  <a:tcPr marL="76200" marR="76200" marT="76200" marB="76200">
+                    <a:lnL>
+                      <a:noFill/>
+                    </a:lnL>
+                    <a:lnR>
+                      <a:noFill/>
+                    </a:lnR>
+                    <a:lnT w="9525" cap="flat" cmpd="sng" algn="ctr">
+                      <a:solidFill>
+                        <a:srgbClr val="DDDDDD"/>
+                      </a:solidFill>
+                      <a:prstDash val="solid"/>
+                      <a:round/>
+                      <a:headEnd type="none" w="med" len="med"/>
+                      <a:tailEnd type="none" w="med" len="med"/>
+                    </a:lnT>
+                    <a:lnB w="9525" cap="flat" cmpd="sng" algn="ctr">
+                      <a:solidFill>
+                        <a:srgbClr val="DDDDDD"/>
+                      </a:solidFill>
+                      <a:prstDash val="solid"/>
+                      <a:round/>
+                      <a:headEnd type="none" w="med" len="med"/>
+                      <a:tailEnd type="none" w="med" len="med"/>
+                    </a:lnB>
+                    <a:solidFill>
+                      <a:srgbClr val="4C69F6"/>
+                    </a:solidFill>
+                  </a:tcPr>
+                </a:tc>
+                <a:tc>
+                  <a:txBody>
+                    <a:bodyPr/>
+                    <a:lstStyle/>
+                    <a:p>
+                      <a:pPr fontAlgn="t"/>
+                      <a:r>
+                        <a:rPr lang="es-EC" u="none" strike="noStrike" dirty="0">
+                          <a:solidFill>
+                            <a:srgbClr val="428BCA"/>
+                          </a:solidFill>
+                          <a:effectLst/>
+                          <a:hlinkClick r:id="rId2" tooltip="#4c69f6 color"/>
+                        </a:rPr>
+                        <a:t>#4c69f6</a:t>
+                      </a:r>
+                      <a:endParaRPr lang="es-EC" dirty="0">
+                        <a:effectLst/>
+                      </a:endParaRPr>
+                    </a:p>
+                  </a:txBody>
+                  <a:tcPr marL="76200" marR="76200" marT="76200" marB="76200">
+                    <a:lnL>
+                      <a:noFill/>
+                    </a:lnL>
+                    <a:lnR>
+                      <a:noFill/>
+                    </a:lnR>
+                    <a:lnT w="9525" cap="flat" cmpd="sng" algn="ctr">
+                      <a:solidFill>
+                        <a:srgbClr val="DDDDDD"/>
+                      </a:solidFill>
+                      <a:prstDash val="solid"/>
+                      <a:round/>
+                      <a:headEnd type="none" w="med" len="med"/>
+                      <a:tailEnd type="none" w="med" len="med"/>
+                    </a:lnT>
+                    <a:lnB w="9525" cap="flat" cmpd="sng" algn="ctr">
+                      <a:solidFill>
+                        <a:srgbClr val="DDDDDD"/>
+                      </a:solidFill>
+                      <a:prstDash val="solid"/>
+                      <a:round/>
+                      <a:headEnd type="none" w="med" len="med"/>
+                      <a:tailEnd type="none" w="med" len="med"/>
+                    </a:lnB>
+                    <a:solidFill>
+                      <a:srgbClr val="FFFFFF"/>
+                    </a:solidFill>
+                  </a:tcPr>
+                </a:tc>
+                <a:tc>
+                  <a:txBody>
+                    <a:bodyPr/>
+                    <a:lstStyle/>
+                    <a:p>
+                      <a:pPr fontAlgn="t"/>
+                      <a:r>
+                        <a:rPr lang="es-EC">
+                          <a:effectLst/>
+                        </a:rPr>
+                        <a:t>(76,105,246)</a:t>
+                      </a:r>
+                    </a:p>
+                  </a:txBody>
+                  <a:tcPr marL="76200" marR="76200" marT="76200" marB="76200">
+                    <a:lnL>
+                      <a:noFill/>
+                    </a:lnL>
+                    <a:lnR>
+                      <a:noFill/>
+                    </a:lnR>
+                    <a:lnT w="9525" cap="flat" cmpd="sng" algn="ctr">
+                      <a:solidFill>
+                        <a:srgbClr val="DDDDDD"/>
+                      </a:solidFill>
+                      <a:prstDash val="solid"/>
+                      <a:round/>
+                      <a:headEnd type="none" w="med" len="med"/>
+                      <a:tailEnd type="none" w="med" len="med"/>
+                    </a:lnT>
+                    <a:lnB w="9525" cap="flat" cmpd="sng" algn="ctr">
+                      <a:solidFill>
+                        <a:srgbClr val="DDDDDD"/>
+                      </a:solidFill>
+                      <a:prstDash val="solid"/>
+                      <a:round/>
+                      <a:headEnd type="none" w="med" len="med"/>
+                      <a:tailEnd type="none" w="med" len="med"/>
+                    </a:lnB>
+                    <a:solidFill>
+                      <a:srgbClr val="FFFFFF"/>
+                    </a:solidFill>
+                  </a:tcPr>
+                </a:tc>
+              </a:tr>
+              <a:tr h="0">
+                <a:tc>
+                  <a:txBody>
+                    <a:bodyPr/>
+                    <a:lstStyle/>
+                    <a:p>
+                      <a:pPr fontAlgn="t"/>
+                      <a:endParaRPr lang="es-EC">
+                        <a:effectLst/>
+                      </a:endParaRPr>
+                    </a:p>
+                  </a:txBody>
+                  <a:tcPr marL="76200" marR="76200" marT="76200" marB="76200">
+                    <a:lnL>
+                      <a:noFill/>
+                    </a:lnL>
+                    <a:lnR>
+                      <a:noFill/>
+                    </a:lnR>
+                    <a:lnT w="9525" cap="flat" cmpd="sng" algn="ctr">
+                      <a:solidFill>
+                        <a:srgbClr val="DDDDDD"/>
+                      </a:solidFill>
+                      <a:prstDash val="solid"/>
+                      <a:round/>
+                      <a:headEnd type="none" w="med" len="med"/>
+                      <a:tailEnd type="none" w="med" len="med"/>
+                    </a:lnT>
+                    <a:lnB w="9525" cap="flat" cmpd="sng" algn="ctr">
+                      <a:solidFill>
+                        <a:srgbClr val="DDDDDD"/>
+                      </a:solidFill>
+                      <a:prstDash val="solid"/>
+                      <a:round/>
+                      <a:headEnd type="none" w="med" len="med"/>
+                      <a:tailEnd type="none" w="med" len="med"/>
+                    </a:lnB>
+                    <a:solidFill>
+                      <a:srgbClr val="4C94F6"/>
+                    </a:solidFill>
+                  </a:tcPr>
+                </a:tc>
+                <a:tc>
+                  <a:txBody>
+                    <a:bodyPr/>
+                    <a:lstStyle/>
+                    <a:p>
+                      <a:pPr fontAlgn="t"/>
+                      <a:r>
+                        <a:rPr lang="es-EC" u="none" strike="noStrike">
+                          <a:solidFill>
+                            <a:srgbClr val="428BCA"/>
+                          </a:solidFill>
+                          <a:effectLst/>
+                          <a:hlinkClick r:id="rId3" tooltip="#4c94f6 color"/>
+                        </a:rPr>
+                        <a:t>#4c94f6</a:t>
+                      </a:r>
+                      <a:endParaRPr lang="es-EC">
+                        <a:effectLst/>
+                      </a:endParaRPr>
+                    </a:p>
+                  </a:txBody>
+                  <a:tcPr marL="76200" marR="76200" marT="76200" marB="76200">
+                    <a:lnL>
+                      <a:noFill/>
+                    </a:lnL>
+                    <a:lnR>
+                      <a:noFill/>
+                    </a:lnR>
+                    <a:lnT w="9525" cap="flat" cmpd="sng" algn="ctr">
+                      <a:solidFill>
+                        <a:srgbClr val="DDDDDD"/>
+                      </a:solidFill>
+                      <a:prstDash val="solid"/>
+                      <a:round/>
+                      <a:headEnd type="none" w="med" len="med"/>
+                      <a:tailEnd type="none" w="med" len="med"/>
+                    </a:lnT>
+                    <a:lnB w="9525" cap="flat" cmpd="sng" algn="ctr">
+                      <a:solidFill>
+                        <a:srgbClr val="DDDDDD"/>
+                      </a:solidFill>
+                      <a:prstDash val="solid"/>
+                      <a:round/>
+                      <a:headEnd type="none" w="med" len="med"/>
+                      <a:tailEnd type="none" w="med" len="med"/>
+                    </a:lnB>
+                    <a:solidFill>
+                      <a:srgbClr val="FFFFFF"/>
+                    </a:solidFill>
+                  </a:tcPr>
+                </a:tc>
+                <a:tc>
+                  <a:txBody>
+                    <a:bodyPr/>
+                    <a:lstStyle/>
+                    <a:p>
+                      <a:pPr fontAlgn="t"/>
+                      <a:r>
+                        <a:rPr lang="es-EC">
+                          <a:effectLst/>
+                        </a:rPr>
+                        <a:t>(76,148,246)</a:t>
+                      </a:r>
+                    </a:p>
+                  </a:txBody>
+                  <a:tcPr marL="76200" marR="76200" marT="76200" marB="76200">
+                    <a:lnL>
+                      <a:noFill/>
+                    </a:lnL>
+                    <a:lnR>
+                      <a:noFill/>
+                    </a:lnR>
+                    <a:lnT w="9525" cap="flat" cmpd="sng" algn="ctr">
+                      <a:solidFill>
+                        <a:srgbClr val="DDDDDD"/>
+                      </a:solidFill>
+                      <a:prstDash val="solid"/>
+                      <a:round/>
+                      <a:headEnd type="none" w="med" len="med"/>
+                      <a:tailEnd type="none" w="med" len="med"/>
+                    </a:lnT>
+                    <a:lnB w="9525" cap="flat" cmpd="sng" algn="ctr">
+                      <a:solidFill>
+                        <a:srgbClr val="DDDDDD"/>
+                      </a:solidFill>
+                      <a:prstDash val="solid"/>
+                      <a:round/>
+                      <a:headEnd type="none" w="med" len="med"/>
+                      <a:tailEnd type="none" w="med" len="med"/>
+                    </a:lnB>
+                    <a:solidFill>
+                      <a:srgbClr val="FFFFFF"/>
+                    </a:solidFill>
+                  </a:tcPr>
+                </a:tc>
+              </a:tr>
+              <a:tr h="0">
+                <a:tc>
+                  <a:txBody>
+                    <a:bodyPr/>
+                    <a:lstStyle/>
+                    <a:p>
+                      <a:pPr fontAlgn="t"/>
+                      <a:endParaRPr lang="es-EC">
+                        <a:effectLst/>
+                      </a:endParaRPr>
+                    </a:p>
+                  </a:txBody>
+                  <a:tcPr marL="76200" marR="76200" marT="76200" marB="76200">
+                    <a:lnL>
+                      <a:noFill/>
+                    </a:lnL>
+                    <a:lnR>
+                      <a:noFill/>
+                    </a:lnR>
+                    <a:lnT w="9525" cap="flat" cmpd="sng" algn="ctr">
+                      <a:solidFill>
+                        <a:srgbClr val="DDDDDD"/>
+                      </a:solidFill>
+                      <a:prstDash val="solid"/>
+                      <a:round/>
+                      <a:headEnd type="none" w="med" len="med"/>
+                      <a:tailEnd type="none" w="med" len="med"/>
+                    </a:lnT>
+                    <a:lnB w="9525" cap="flat" cmpd="sng" algn="ctr">
+                      <a:solidFill>
+                        <a:srgbClr val="DDDDDD"/>
+                      </a:solidFill>
+                      <a:prstDash val="solid"/>
+                      <a:round/>
+                      <a:headEnd type="none" w="med" len="med"/>
+                      <a:tailEnd type="none" w="med" len="med"/>
+                    </a:lnB>
+                    <a:solidFill>
+                      <a:srgbClr val="F6DB35"/>
+                    </a:solidFill>
+                  </a:tcPr>
+                </a:tc>
+                <a:tc>
+                  <a:txBody>
+                    <a:bodyPr/>
+                    <a:lstStyle/>
+                    <a:p>
+                      <a:pPr fontAlgn="t"/>
+                      <a:r>
+                        <a:rPr lang="es-EC" u="none" strike="noStrike">
+                          <a:solidFill>
+                            <a:srgbClr val="428BCA"/>
+                          </a:solidFill>
+                          <a:effectLst/>
+                          <a:hlinkClick r:id="rId4" tooltip="#f6db35 color"/>
+                        </a:rPr>
+                        <a:t>#f6db35</a:t>
+                      </a:r>
+                      <a:endParaRPr lang="es-EC">
+                        <a:effectLst/>
+                      </a:endParaRPr>
+                    </a:p>
+                  </a:txBody>
+                  <a:tcPr marL="76200" marR="76200" marT="76200" marB="76200">
+                    <a:lnL>
+                      <a:noFill/>
+                    </a:lnL>
+                    <a:lnR>
+                      <a:noFill/>
+                    </a:lnR>
+                    <a:lnT w="9525" cap="flat" cmpd="sng" algn="ctr">
+                      <a:solidFill>
+                        <a:srgbClr val="DDDDDD"/>
+                      </a:solidFill>
+                      <a:prstDash val="solid"/>
+                      <a:round/>
+                      <a:headEnd type="none" w="med" len="med"/>
+                      <a:tailEnd type="none" w="med" len="med"/>
+                    </a:lnT>
+                    <a:lnB w="9525" cap="flat" cmpd="sng" algn="ctr">
+                      <a:solidFill>
+                        <a:srgbClr val="DDDDDD"/>
+                      </a:solidFill>
+                      <a:prstDash val="solid"/>
+                      <a:round/>
+                      <a:headEnd type="none" w="med" len="med"/>
+                      <a:tailEnd type="none" w="med" len="med"/>
+                    </a:lnB>
+                    <a:solidFill>
+                      <a:srgbClr val="FFFFFF"/>
+                    </a:solidFill>
+                  </a:tcPr>
+                </a:tc>
+                <a:tc>
+                  <a:txBody>
+                    <a:bodyPr/>
+                    <a:lstStyle/>
+                    <a:p>
+                      <a:pPr fontAlgn="t"/>
+                      <a:r>
+                        <a:rPr lang="es-EC" dirty="0">
+                          <a:effectLst/>
+                        </a:rPr>
+                        <a:t>(246,219,53)</a:t>
+                      </a:r>
+                    </a:p>
+                  </a:txBody>
+                  <a:tcPr marL="76200" marR="76200" marT="76200" marB="76200">
+                    <a:lnL>
+                      <a:noFill/>
+                    </a:lnL>
+                    <a:lnR>
+                      <a:noFill/>
+                    </a:lnR>
+                    <a:lnT w="9525" cap="flat" cmpd="sng" algn="ctr">
+                      <a:solidFill>
+                        <a:srgbClr val="DDDDDD"/>
+                      </a:solidFill>
+                      <a:prstDash val="solid"/>
+                      <a:round/>
+                      <a:headEnd type="none" w="med" len="med"/>
+                      <a:tailEnd type="none" w="med" len="med"/>
+                    </a:lnT>
+                    <a:lnB w="9525" cap="flat" cmpd="sng" algn="ctr">
+                      <a:solidFill>
+                        <a:srgbClr val="DDDDDD"/>
+                      </a:solidFill>
+                      <a:prstDash val="solid"/>
+                      <a:round/>
+                      <a:headEnd type="none" w="med" len="med"/>
+                      <a:tailEnd type="none" w="med" len="med"/>
+                    </a:lnB>
+                    <a:solidFill>
+                      <a:srgbClr val="FFFFFF"/>
+                    </a:solidFill>
+                  </a:tcPr>
+                </a:tc>
+              </a:tr>
+              <a:tr h="0">
+                <a:tc>
+                  <a:txBody>
+                    <a:bodyPr/>
+                    <a:lstStyle/>
+                    <a:p>
+                      <a:pPr fontAlgn="t"/>
+                      <a:endParaRPr lang="es-EC">
+                        <a:effectLst/>
+                      </a:endParaRPr>
+                    </a:p>
+                  </a:txBody>
+                  <a:tcPr marL="76200" marR="76200" marT="76200" marB="76200">
+                    <a:lnL>
+                      <a:noFill/>
+                    </a:lnL>
+                    <a:lnR>
+                      <a:noFill/>
+                    </a:lnR>
+                    <a:lnT w="9525" cap="flat" cmpd="sng" algn="ctr">
+                      <a:solidFill>
+                        <a:srgbClr val="DDDDDD"/>
+                      </a:solidFill>
+                      <a:prstDash val="solid"/>
+                      <a:round/>
+                      <a:headEnd type="none" w="med" len="med"/>
+                      <a:tailEnd type="none" w="med" len="med"/>
+                    </a:lnT>
+                    <a:lnB w="9525" cap="flat" cmpd="sng" algn="ctr">
+                      <a:solidFill>
+                        <a:srgbClr val="DDDDDD"/>
+                      </a:solidFill>
+                      <a:prstDash val="solid"/>
+                      <a:round/>
+                      <a:headEnd type="none" w="med" len="med"/>
+                      <a:tailEnd type="none" w="med" len="med"/>
+                    </a:lnB>
+                    <a:solidFill>
+                      <a:srgbClr val="FFC510"/>
+                    </a:solidFill>
+                  </a:tcPr>
+                </a:tc>
+                <a:tc>
+                  <a:txBody>
+                    <a:bodyPr/>
+                    <a:lstStyle/>
+                    <a:p>
+                      <a:pPr fontAlgn="t"/>
+                      <a:r>
+                        <a:rPr lang="es-EC" u="none" strike="noStrike">
+                          <a:solidFill>
+                            <a:srgbClr val="428BCA"/>
+                          </a:solidFill>
+                          <a:effectLst/>
+                          <a:hlinkClick r:id="rId5" tooltip="#ffc510 color"/>
+                        </a:rPr>
+                        <a:t>#ffc510</a:t>
+                      </a:r>
+                      <a:endParaRPr lang="es-EC">
+                        <a:effectLst/>
+                      </a:endParaRPr>
+                    </a:p>
+                  </a:txBody>
+                  <a:tcPr marL="76200" marR="76200" marT="76200" marB="76200">
+                    <a:lnL>
+                      <a:noFill/>
+                    </a:lnL>
+                    <a:lnR>
+                      <a:noFill/>
+                    </a:lnR>
+                    <a:lnT w="9525" cap="flat" cmpd="sng" algn="ctr">
+                      <a:solidFill>
+                        <a:srgbClr val="DDDDDD"/>
+                      </a:solidFill>
+                      <a:prstDash val="solid"/>
+                      <a:round/>
+                      <a:headEnd type="none" w="med" len="med"/>
+                      <a:tailEnd type="none" w="med" len="med"/>
+                    </a:lnT>
+                    <a:lnB w="9525" cap="flat" cmpd="sng" algn="ctr">
+                      <a:solidFill>
+                        <a:srgbClr val="DDDDDD"/>
+                      </a:solidFill>
+                      <a:prstDash val="solid"/>
+                      <a:round/>
+                      <a:headEnd type="none" w="med" len="med"/>
+                      <a:tailEnd type="none" w="med" len="med"/>
+                    </a:lnB>
+                    <a:solidFill>
+                      <a:srgbClr val="FFFFFF"/>
+                    </a:solidFill>
+                  </a:tcPr>
+                </a:tc>
+                <a:tc>
+                  <a:txBody>
+                    <a:bodyPr/>
+                    <a:lstStyle/>
+                    <a:p>
+                      <a:pPr fontAlgn="t"/>
+                      <a:r>
+                        <a:rPr lang="es-EC">
+                          <a:effectLst/>
+                        </a:rPr>
+                        <a:t>(255,197,16)</a:t>
+                      </a:r>
+                    </a:p>
+                  </a:txBody>
+                  <a:tcPr marL="76200" marR="76200" marT="76200" marB="76200">
+                    <a:lnL>
+                      <a:noFill/>
+                    </a:lnL>
+                    <a:lnR>
+                      <a:noFill/>
+                    </a:lnR>
+                    <a:lnT w="9525" cap="flat" cmpd="sng" algn="ctr">
+                      <a:solidFill>
+                        <a:srgbClr val="DDDDDD"/>
+                      </a:solidFill>
+                      <a:prstDash val="solid"/>
+                      <a:round/>
+                      <a:headEnd type="none" w="med" len="med"/>
+                      <a:tailEnd type="none" w="med" len="med"/>
+                    </a:lnT>
+                    <a:lnB w="9525" cap="flat" cmpd="sng" algn="ctr">
+                      <a:solidFill>
+                        <a:srgbClr val="DDDDDD"/>
+                      </a:solidFill>
+                      <a:prstDash val="solid"/>
+                      <a:round/>
+                      <a:headEnd type="none" w="med" len="med"/>
+                      <a:tailEnd type="none" w="med" len="med"/>
+                    </a:lnB>
+                    <a:solidFill>
+                      <a:srgbClr val="FFFFFF"/>
+                    </a:solidFill>
+                  </a:tcPr>
+                </a:tc>
+              </a:tr>
+              <a:tr h="0">
+                <a:tc>
+                  <a:txBody>
+                    <a:bodyPr/>
+                    <a:lstStyle/>
+                    <a:p>
+                      <a:pPr fontAlgn="t"/>
+                      <a:endParaRPr lang="es-EC">
+                        <a:effectLst/>
+                      </a:endParaRPr>
+                    </a:p>
+                  </a:txBody>
+                  <a:tcPr marL="76200" marR="76200" marT="76200" marB="76200">
+                    <a:lnL>
+                      <a:noFill/>
+                    </a:lnL>
+                    <a:lnR>
+                      <a:noFill/>
+                    </a:lnR>
+                    <a:lnT w="9525" cap="flat" cmpd="sng" algn="ctr">
+                      <a:solidFill>
+                        <a:srgbClr val="DDDDDD"/>
+                      </a:solidFill>
+                      <a:prstDash val="solid"/>
+                      <a:round/>
+                      <a:headEnd type="none" w="med" len="med"/>
+                      <a:tailEnd type="none" w="med" len="med"/>
+                    </a:lnT>
+                    <a:lnB>
+                      <a:noFill/>
+                    </a:lnB>
+                    <a:solidFill>
+                      <a:srgbClr val="EE5454"/>
+                    </a:solidFill>
+                  </a:tcPr>
+                </a:tc>
+                <a:tc>
+                  <a:txBody>
+                    <a:bodyPr/>
+                    <a:lstStyle/>
+                    <a:p>
+                      <a:pPr fontAlgn="t"/>
+                      <a:r>
+                        <a:rPr lang="es-EC" u="none" strike="noStrike" dirty="0">
+                          <a:solidFill>
+                            <a:srgbClr val="428BCA"/>
+                          </a:solidFill>
+                          <a:effectLst/>
+                          <a:hlinkClick r:id="rId6" tooltip="#ee5454 color"/>
+                        </a:rPr>
+                        <a:t>#ee5454</a:t>
+                      </a:r>
+                      <a:endParaRPr lang="es-EC" dirty="0">
+                        <a:effectLst/>
+                      </a:endParaRPr>
+                    </a:p>
+                  </a:txBody>
+                  <a:tcPr marL="76200" marR="76200" marT="76200" marB="76200">
+                    <a:lnL>
+                      <a:noFill/>
+                    </a:lnL>
+                    <a:lnR>
+                      <a:noFill/>
+                    </a:lnR>
+                    <a:lnT w="9525" cap="flat" cmpd="sng" algn="ctr">
+                      <a:solidFill>
+                        <a:srgbClr val="DDDDDD"/>
+                      </a:solidFill>
+                      <a:prstDash val="solid"/>
+                      <a:round/>
+                      <a:headEnd type="none" w="med" len="med"/>
+                      <a:tailEnd type="none" w="med" len="med"/>
+                    </a:lnT>
+                    <a:lnB>
+                      <a:noFill/>
+                    </a:lnB>
+                    <a:solidFill>
+                      <a:srgbClr val="FFFFFF"/>
+                    </a:solidFill>
+                  </a:tcPr>
+                </a:tc>
+                <a:tc>
+                  <a:txBody>
+                    <a:bodyPr/>
+                    <a:lstStyle/>
+                    <a:p>
+                      <a:pPr fontAlgn="t"/>
+                      <a:r>
+                        <a:rPr lang="es-EC" dirty="0">
+                          <a:effectLst/>
+                        </a:rPr>
+                        <a:t>(238,84,84)</a:t>
+                      </a:r>
+                    </a:p>
+                  </a:txBody>
+                  <a:tcPr marL="76200" marR="76200" marT="76200" marB="76200">
+                    <a:lnL>
+                      <a:noFill/>
+                    </a:lnL>
+                    <a:lnR>
+                      <a:noFill/>
+                    </a:lnR>
+                    <a:lnT w="9525" cap="flat" cmpd="sng" algn="ctr">
+                      <a:solidFill>
+                        <a:srgbClr val="DDDDDD"/>
+                      </a:solidFill>
+                      <a:prstDash val="solid"/>
+                      <a:round/>
+                      <a:headEnd type="none" w="med" len="med"/>
+                      <a:tailEnd type="none" w="med" len="med"/>
+                    </a:lnT>
+                    <a:lnB>
+                      <a:noFill/>
+                    </a:lnB>
+                    <a:solidFill>
+                      <a:srgbClr val="FFFFFF"/>
+                    </a:solidFill>
+                  </a:tcPr>
+                </a:tc>
+              </a:tr>
+            </a:tbl>
+          </a:graphicData>
+        </a:graphic>
+      </p:graphicFrame>
+      <p:graphicFrame>
+        <p:nvGraphicFramePr>
+          <p:cNvPr id="9" name="Tabla 8"/>
+          <p:cNvGraphicFramePr>
+            <a:graphicFrameLocks noGrp="1"/>
+          </p:cNvGraphicFramePr>
+          <p:nvPr>
+            <p:extLst>
+              <p:ext uri="{D42A27DB-BD31-4B8C-83A1-F6EECF244321}">
+                <p14:modId xmlns:p14="http://schemas.microsoft.com/office/powerpoint/2010/main" val="3885721312"/>
+              </p:ext>
+            </p:extLst>
+          </p:nvPr>
+        </p:nvGraphicFramePr>
+        <p:xfrm>
+          <a:off x="5723476" y="241406"/>
+          <a:ext cx="4619625" cy="2560320"/>
+        </p:xfrm>
+        <a:graphic>
+          <a:graphicData uri="http://schemas.openxmlformats.org/drawingml/2006/table">
+            <a:tbl>
+              <a:tblPr/>
+              <a:tblGrid>
+                <a:gridCol w="1539875"/>
+                <a:gridCol w="1539875"/>
+                <a:gridCol w="1539875"/>
+              </a:tblGrid>
+              <a:tr h="0">
+                <a:tc>
+                  <a:txBody>
+                    <a:bodyPr/>
+                    <a:lstStyle/>
+                    <a:p>
+                      <a:pPr algn="l" fontAlgn="t"/>
+                      <a:r>
+                        <a:rPr lang="es-EC" dirty="0">
+                          <a:effectLst/>
+                        </a:rPr>
+                        <a:t>Color</a:t>
+                      </a:r>
+                    </a:p>
+                  </a:txBody>
+                  <a:tcPr marL="76200" marR="76200" marT="76200" marB="76200">
+                    <a:lnL>
+                      <a:noFill/>
+                    </a:lnL>
+                    <a:lnR>
+                      <a:noFill/>
+                    </a:lnR>
+                    <a:lnT w="9525" cap="flat" cmpd="sng" algn="ctr">
+                      <a:solidFill>
+                        <a:srgbClr val="DDDDDD"/>
+                      </a:solidFill>
+                      <a:prstDash val="solid"/>
+                      <a:round/>
+                      <a:headEnd type="none" w="med" len="med"/>
+                      <a:tailEnd type="none" w="med" len="med"/>
+                    </a:lnT>
+                    <a:lnB w="9525" cap="flat" cmpd="sng" algn="ctr">
+                      <a:solidFill>
+                        <a:srgbClr val="DDDDDD"/>
+                      </a:solidFill>
+                      <a:prstDash val="solid"/>
+                      <a:round/>
+                      <a:headEnd type="none" w="med" len="med"/>
+                      <a:tailEnd type="none" w="med" len="med"/>
+                    </a:lnB>
+                    <a:solidFill>
+                      <a:srgbClr val="FFFFFF"/>
+                    </a:solidFill>
+                  </a:tcPr>
+                </a:tc>
+                <a:tc>
+                  <a:txBody>
+                    <a:bodyPr/>
+                    <a:lstStyle/>
+                    <a:p>
+                      <a:pPr algn="l" fontAlgn="t"/>
+                      <a:r>
+                        <a:rPr lang="es-EC">
+                          <a:effectLst/>
+                        </a:rPr>
+                        <a:t>Hex</a:t>
+                      </a:r>
+                    </a:p>
+                  </a:txBody>
+                  <a:tcPr marL="76200" marR="76200" marT="76200" marB="76200">
+                    <a:lnL>
+                      <a:noFill/>
+                    </a:lnL>
+                    <a:lnR>
+                      <a:noFill/>
+                    </a:lnR>
+                    <a:lnT w="9525" cap="flat" cmpd="sng" algn="ctr">
+                      <a:solidFill>
+                        <a:srgbClr val="DDDDDD"/>
+                      </a:solidFill>
+                      <a:prstDash val="solid"/>
+                      <a:round/>
+                      <a:headEnd type="none" w="med" len="med"/>
+                      <a:tailEnd type="none" w="med" len="med"/>
+                    </a:lnT>
+                    <a:lnB w="9525" cap="flat" cmpd="sng" algn="ctr">
+                      <a:solidFill>
+                        <a:srgbClr val="DDDDDD"/>
+                      </a:solidFill>
+                      <a:prstDash val="solid"/>
+                      <a:round/>
+                      <a:headEnd type="none" w="med" len="med"/>
+                      <a:tailEnd type="none" w="med" len="med"/>
+                    </a:lnB>
+                    <a:solidFill>
+                      <a:srgbClr val="FFFFFF"/>
+                    </a:solidFill>
+                  </a:tcPr>
+                </a:tc>
+                <a:tc>
+                  <a:txBody>
+                    <a:bodyPr/>
+                    <a:lstStyle/>
+                    <a:p>
+                      <a:pPr algn="l" fontAlgn="t"/>
+                      <a:r>
+                        <a:rPr lang="es-EC">
+                          <a:effectLst/>
+                        </a:rPr>
+                        <a:t>RGB</a:t>
+                      </a:r>
+                    </a:p>
+                  </a:txBody>
+                  <a:tcPr marL="76200" marR="76200" marT="76200" marB="76200">
+                    <a:lnL>
+                      <a:noFill/>
+                    </a:lnL>
+                    <a:lnR>
+                      <a:noFill/>
+                    </a:lnR>
+                    <a:lnT w="9525" cap="flat" cmpd="sng" algn="ctr">
+                      <a:solidFill>
+                        <a:srgbClr val="DDDDDD"/>
+                      </a:solidFill>
+                      <a:prstDash val="solid"/>
+                      <a:round/>
+                      <a:headEnd type="none" w="med" len="med"/>
+                      <a:tailEnd type="none" w="med" len="med"/>
+                    </a:lnT>
+                    <a:lnB w="9525" cap="flat" cmpd="sng" algn="ctr">
+                      <a:solidFill>
+                        <a:srgbClr val="DDDDDD"/>
+                      </a:solidFill>
+                      <a:prstDash val="solid"/>
+                      <a:round/>
+                      <a:headEnd type="none" w="med" len="med"/>
+                      <a:tailEnd type="none" w="med" len="med"/>
+                    </a:lnB>
+                    <a:solidFill>
+                      <a:srgbClr val="FFFFFF"/>
+                    </a:solidFill>
+                  </a:tcPr>
+                </a:tc>
+              </a:tr>
+              <a:tr h="0">
+                <a:tc>
+                  <a:txBody>
+                    <a:bodyPr/>
+                    <a:lstStyle/>
+                    <a:p>
+                      <a:pPr fontAlgn="t"/>
+                      <a:endParaRPr lang="es-EC">
+                        <a:effectLst/>
+                      </a:endParaRPr>
+                    </a:p>
+                  </a:txBody>
+                  <a:tcPr marL="76200" marR="76200" marT="76200" marB="76200">
+                    <a:lnL>
+                      <a:noFill/>
+                    </a:lnL>
+                    <a:lnR>
+                      <a:noFill/>
+                    </a:lnR>
+                    <a:lnT w="9525" cap="flat" cmpd="sng" algn="ctr">
+                      <a:solidFill>
+                        <a:srgbClr val="DDDDDD"/>
+                      </a:solidFill>
+                      <a:prstDash val="solid"/>
+                      <a:round/>
+                      <a:headEnd type="none" w="med" len="med"/>
+                      <a:tailEnd type="none" w="med" len="med"/>
+                    </a:lnT>
+                    <a:lnB w="9525" cap="flat" cmpd="sng" algn="ctr">
+                      <a:solidFill>
+                        <a:srgbClr val="DDDDDD"/>
+                      </a:solidFill>
+                      <a:prstDash val="solid"/>
+                      <a:round/>
+                      <a:headEnd type="none" w="med" len="med"/>
+                      <a:tailEnd type="none" w="med" len="med"/>
+                    </a:lnB>
+                    <a:solidFill>
+                      <a:srgbClr val="919BD4"/>
+                    </a:solidFill>
+                  </a:tcPr>
+                </a:tc>
+                <a:tc>
+                  <a:txBody>
+                    <a:bodyPr/>
+                    <a:lstStyle/>
+                    <a:p>
+                      <a:pPr fontAlgn="t"/>
+                      <a:r>
+                        <a:rPr lang="es-EC" u="none" strike="noStrike">
+                          <a:solidFill>
+                            <a:srgbClr val="428BCA"/>
+                          </a:solidFill>
+                          <a:effectLst/>
+                          <a:hlinkClick r:id="rId7" tooltip="#919bd4 color"/>
+                        </a:rPr>
+                        <a:t>#919bd4</a:t>
+                      </a:r>
+                      <a:endParaRPr lang="es-EC">
+                        <a:effectLst/>
+                      </a:endParaRPr>
+                    </a:p>
+                  </a:txBody>
+                  <a:tcPr marL="76200" marR="76200" marT="76200" marB="76200">
+                    <a:lnL>
+                      <a:noFill/>
+                    </a:lnL>
+                    <a:lnR>
+                      <a:noFill/>
+                    </a:lnR>
+                    <a:lnT w="9525" cap="flat" cmpd="sng" algn="ctr">
+                      <a:solidFill>
+                        <a:srgbClr val="DDDDDD"/>
+                      </a:solidFill>
+                      <a:prstDash val="solid"/>
+                      <a:round/>
+                      <a:headEnd type="none" w="med" len="med"/>
+                      <a:tailEnd type="none" w="med" len="med"/>
+                    </a:lnT>
+                    <a:lnB w="9525" cap="flat" cmpd="sng" algn="ctr">
+                      <a:solidFill>
+                        <a:srgbClr val="DDDDDD"/>
+                      </a:solidFill>
+                      <a:prstDash val="solid"/>
+                      <a:round/>
+                      <a:headEnd type="none" w="med" len="med"/>
+                      <a:tailEnd type="none" w="med" len="med"/>
+                    </a:lnB>
+                    <a:solidFill>
+                      <a:srgbClr val="FFFFFF"/>
+                    </a:solidFill>
+                  </a:tcPr>
+                </a:tc>
+                <a:tc>
+                  <a:txBody>
+                    <a:bodyPr/>
+                    <a:lstStyle/>
+                    <a:p>
+                      <a:pPr fontAlgn="t"/>
+                      <a:r>
+                        <a:rPr lang="es-EC">
+                          <a:effectLst/>
+                        </a:rPr>
+                        <a:t>(145,155,212)</a:t>
+                      </a:r>
+                    </a:p>
+                  </a:txBody>
+                  <a:tcPr marL="76200" marR="76200" marT="76200" marB="76200">
+                    <a:lnL>
+                      <a:noFill/>
+                    </a:lnL>
+                    <a:lnR>
+                      <a:noFill/>
+                    </a:lnR>
+                    <a:lnT w="9525" cap="flat" cmpd="sng" algn="ctr">
+                      <a:solidFill>
+                        <a:srgbClr val="DDDDDD"/>
+                      </a:solidFill>
+                      <a:prstDash val="solid"/>
+                      <a:round/>
+                      <a:headEnd type="none" w="med" len="med"/>
+                      <a:tailEnd type="none" w="med" len="med"/>
+                    </a:lnT>
+                    <a:lnB w="9525" cap="flat" cmpd="sng" algn="ctr">
+                      <a:solidFill>
+                        <a:srgbClr val="DDDDDD"/>
+                      </a:solidFill>
+                      <a:prstDash val="solid"/>
+                      <a:round/>
+                      <a:headEnd type="none" w="med" len="med"/>
+                      <a:tailEnd type="none" w="med" len="med"/>
+                    </a:lnB>
+                    <a:solidFill>
+                      <a:srgbClr val="FFFFFF"/>
+                    </a:solidFill>
+                  </a:tcPr>
+                </a:tc>
+              </a:tr>
+              <a:tr h="0">
+                <a:tc>
+                  <a:txBody>
+                    <a:bodyPr/>
+                    <a:lstStyle/>
+                    <a:p>
+                      <a:pPr fontAlgn="t"/>
+                      <a:endParaRPr lang="es-EC">
+                        <a:effectLst/>
+                      </a:endParaRPr>
+                    </a:p>
+                  </a:txBody>
+                  <a:tcPr marL="76200" marR="76200" marT="76200" marB="76200">
+                    <a:lnL>
+                      <a:noFill/>
+                    </a:lnL>
+                    <a:lnR>
+                      <a:noFill/>
+                    </a:lnR>
+                    <a:lnT w="9525" cap="flat" cmpd="sng" algn="ctr">
+                      <a:solidFill>
+                        <a:srgbClr val="DDDDDD"/>
+                      </a:solidFill>
+                      <a:prstDash val="solid"/>
+                      <a:round/>
+                      <a:headEnd type="none" w="med" len="med"/>
+                      <a:tailEnd type="none" w="med" len="med"/>
+                    </a:lnT>
+                    <a:lnB w="9525" cap="flat" cmpd="sng" algn="ctr">
+                      <a:solidFill>
+                        <a:srgbClr val="DDDDDD"/>
+                      </a:solidFill>
+                      <a:prstDash val="solid"/>
+                      <a:round/>
+                      <a:headEnd type="none" w="med" len="med"/>
+                      <a:tailEnd type="none" w="med" len="med"/>
+                    </a:lnB>
+                    <a:solidFill>
+                      <a:srgbClr val="795CFF"/>
+                    </a:solidFill>
+                  </a:tcPr>
+                </a:tc>
+                <a:tc>
+                  <a:txBody>
+                    <a:bodyPr/>
+                    <a:lstStyle/>
+                    <a:p>
+                      <a:pPr fontAlgn="t"/>
+                      <a:r>
+                        <a:rPr lang="es-EC" u="none" strike="noStrike">
+                          <a:solidFill>
+                            <a:srgbClr val="428BCA"/>
+                          </a:solidFill>
+                          <a:effectLst/>
+                          <a:hlinkClick r:id="rId8" tooltip="#795cff color"/>
+                        </a:rPr>
+                        <a:t>#795cff</a:t>
+                      </a:r>
+                      <a:endParaRPr lang="es-EC">
+                        <a:effectLst/>
+                      </a:endParaRPr>
+                    </a:p>
+                  </a:txBody>
+                  <a:tcPr marL="76200" marR="76200" marT="76200" marB="76200">
+                    <a:lnL>
+                      <a:noFill/>
+                    </a:lnL>
+                    <a:lnR>
+                      <a:noFill/>
+                    </a:lnR>
+                    <a:lnT w="9525" cap="flat" cmpd="sng" algn="ctr">
+                      <a:solidFill>
+                        <a:srgbClr val="DDDDDD"/>
+                      </a:solidFill>
+                      <a:prstDash val="solid"/>
+                      <a:round/>
+                      <a:headEnd type="none" w="med" len="med"/>
+                      <a:tailEnd type="none" w="med" len="med"/>
+                    </a:lnT>
+                    <a:lnB w="9525" cap="flat" cmpd="sng" algn="ctr">
+                      <a:solidFill>
+                        <a:srgbClr val="DDDDDD"/>
+                      </a:solidFill>
+                      <a:prstDash val="solid"/>
+                      <a:round/>
+                      <a:headEnd type="none" w="med" len="med"/>
+                      <a:tailEnd type="none" w="med" len="med"/>
+                    </a:lnB>
+                    <a:solidFill>
+                      <a:srgbClr val="FFFFFF"/>
+                    </a:solidFill>
+                  </a:tcPr>
+                </a:tc>
+                <a:tc>
+                  <a:txBody>
+                    <a:bodyPr/>
+                    <a:lstStyle/>
+                    <a:p>
+                      <a:pPr fontAlgn="t"/>
+                      <a:r>
+                        <a:rPr lang="es-EC">
+                          <a:effectLst/>
+                        </a:rPr>
+                        <a:t>(121,92,255)</a:t>
+                      </a:r>
+                    </a:p>
+                  </a:txBody>
+                  <a:tcPr marL="76200" marR="76200" marT="76200" marB="76200">
+                    <a:lnL>
+                      <a:noFill/>
+                    </a:lnL>
+                    <a:lnR>
+                      <a:noFill/>
+                    </a:lnR>
+                    <a:lnT w="9525" cap="flat" cmpd="sng" algn="ctr">
+                      <a:solidFill>
+                        <a:srgbClr val="DDDDDD"/>
+                      </a:solidFill>
+                      <a:prstDash val="solid"/>
+                      <a:round/>
+                      <a:headEnd type="none" w="med" len="med"/>
+                      <a:tailEnd type="none" w="med" len="med"/>
+                    </a:lnT>
+                    <a:lnB w="9525" cap="flat" cmpd="sng" algn="ctr">
+                      <a:solidFill>
+                        <a:srgbClr val="DDDDDD"/>
+                      </a:solidFill>
+                      <a:prstDash val="solid"/>
+                      <a:round/>
+                      <a:headEnd type="none" w="med" len="med"/>
+                      <a:tailEnd type="none" w="med" len="med"/>
+                    </a:lnB>
+                    <a:solidFill>
+                      <a:srgbClr val="FFFFFF"/>
+                    </a:solidFill>
+                  </a:tcPr>
+                </a:tc>
+              </a:tr>
+              <a:tr h="0">
+                <a:tc>
+                  <a:txBody>
+                    <a:bodyPr/>
+                    <a:lstStyle/>
+                    <a:p>
+                      <a:pPr fontAlgn="t"/>
+                      <a:endParaRPr lang="es-EC">
+                        <a:effectLst/>
+                      </a:endParaRPr>
+                    </a:p>
+                  </a:txBody>
+                  <a:tcPr marL="76200" marR="76200" marT="76200" marB="76200">
+                    <a:lnL>
+                      <a:noFill/>
+                    </a:lnL>
+                    <a:lnR>
+                      <a:noFill/>
+                    </a:lnR>
+                    <a:lnT w="9525" cap="flat" cmpd="sng" algn="ctr">
+                      <a:solidFill>
+                        <a:srgbClr val="DDDDDD"/>
+                      </a:solidFill>
+                      <a:prstDash val="solid"/>
+                      <a:round/>
+                      <a:headEnd type="none" w="med" len="med"/>
+                      <a:tailEnd type="none" w="med" len="med"/>
+                    </a:lnT>
+                    <a:lnB w="9525" cap="flat" cmpd="sng" algn="ctr">
+                      <a:solidFill>
+                        <a:srgbClr val="DDDDDD"/>
+                      </a:solidFill>
+                      <a:prstDash val="solid"/>
+                      <a:round/>
+                      <a:headEnd type="none" w="med" len="med"/>
+                      <a:tailEnd type="none" w="med" len="med"/>
+                    </a:lnB>
+                    <a:solidFill>
+                      <a:srgbClr val="8386E5"/>
+                    </a:solidFill>
+                  </a:tcPr>
+                </a:tc>
+                <a:tc>
+                  <a:txBody>
+                    <a:bodyPr/>
+                    <a:lstStyle/>
+                    <a:p>
+                      <a:pPr fontAlgn="t"/>
+                      <a:r>
+                        <a:rPr lang="es-EC" u="none" strike="noStrike">
+                          <a:solidFill>
+                            <a:srgbClr val="428BCA"/>
+                          </a:solidFill>
+                          <a:effectLst/>
+                          <a:hlinkClick r:id="rId9" tooltip="#8386e5 color"/>
+                        </a:rPr>
+                        <a:t>#8386e5</a:t>
+                      </a:r>
+                      <a:endParaRPr lang="es-EC">
+                        <a:effectLst/>
+                      </a:endParaRPr>
+                    </a:p>
+                  </a:txBody>
+                  <a:tcPr marL="76200" marR="76200" marT="76200" marB="76200">
+                    <a:lnL>
+                      <a:noFill/>
+                    </a:lnL>
+                    <a:lnR>
+                      <a:noFill/>
+                    </a:lnR>
+                    <a:lnT w="9525" cap="flat" cmpd="sng" algn="ctr">
+                      <a:solidFill>
+                        <a:srgbClr val="DDDDDD"/>
+                      </a:solidFill>
+                      <a:prstDash val="solid"/>
+                      <a:round/>
+                      <a:headEnd type="none" w="med" len="med"/>
+                      <a:tailEnd type="none" w="med" len="med"/>
+                    </a:lnT>
+                    <a:lnB w="9525" cap="flat" cmpd="sng" algn="ctr">
+                      <a:solidFill>
+                        <a:srgbClr val="DDDDDD"/>
+                      </a:solidFill>
+                      <a:prstDash val="solid"/>
+                      <a:round/>
+                      <a:headEnd type="none" w="med" len="med"/>
+                      <a:tailEnd type="none" w="med" len="med"/>
+                    </a:lnB>
+                    <a:solidFill>
+                      <a:srgbClr val="FFFFFF"/>
+                    </a:solidFill>
+                  </a:tcPr>
+                </a:tc>
+                <a:tc>
+                  <a:txBody>
+                    <a:bodyPr/>
+                    <a:lstStyle/>
+                    <a:p>
+                      <a:pPr fontAlgn="t"/>
+                      <a:r>
+                        <a:rPr lang="es-EC">
+                          <a:effectLst/>
+                        </a:rPr>
+                        <a:t>(131,134,229)</a:t>
+                      </a:r>
+                    </a:p>
+                  </a:txBody>
+                  <a:tcPr marL="76200" marR="76200" marT="76200" marB="76200">
+                    <a:lnL>
+                      <a:noFill/>
+                    </a:lnL>
+                    <a:lnR>
+                      <a:noFill/>
+                    </a:lnR>
+                    <a:lnT w="9525" cap="flat" cmpd="sng" algn="ctr">
+                      <a:solidFill>
+                        <a:srgbClr val="DDDDDD"/>
+                      </a:solidFill>
+                      <a:prstDash val="solid"/>
+                      <a:round/>
+                      <a:headEnd type="none" w="med" len="med"/>
+                      <a:tailEnd type="none" w="med" len="med"/>
+                    </a:lnT>
+                    <a:lnB w="9525" cap="flat" cmpd="sng" algn="ctr">
+                      <a:solidFill>
+                        <a:srgbClr val="DDDDDD"/>
+                      </a:solidFill>
+                      <a:prstDash val="solid"/>
+                      <a:round/>
+                      <a:headEnd type="none" w="med" len="med"/>
+                      <a:tailEnd type="none" w="med" len="med"/>
+                    </a:lnB>
+                    <a:solidFill>
+                      <a:srgbClr val="FFFFFF"/>
+                    </a:solidFill>
+                  </a:tcPr>
+                </a:tc>
+              </a:tr>
+              <a:tr h="0">
+                <a:tc>
+                  <a:txBody>
+                    <a:bodyPr/>
+                    <a:lstStyle/>
+                    <a:p>
+                      <a:pPr fontAlgn="t"/>
+                      <a:endParaRPr lang="es-EC">
+                        <a:effectLst/>
+                      </a:endParaRPr>
+                    </a:p>
+                  </a:txBody>
+                  <a:tcPr marL="76200" marR="76200" marT="76200" marB="76200">
+                    <a:lnL>
+                      <a:noFill/>
+                    </a:lnL>
+                    <a:lnR>
+                      <a:noFill/>
+                    </a:lnR>
+                    <a:lnT w="9525" cap="flat" cmpd="sng" algn="ctr">
+                      <a:solidFill>
+                        <a:srgbClr val="DDDDDD"/>
+                      </a:solidFill>
+                      <a:prstDash val="solid"/>
+                      <a:round/>
+                      <a:headEnd type="none" w="med" len="med"/>
+                      <a:tailEnd type="none" w="med" len="med"/>
+                    </a:lnT>
+                    <a:lnB w="9525" cap="flat" cmpd="sng" algn="ctr">
+                      <a:solidFill>
+                        <a:srgbClr val="DDDDDD"/>
+                      </a:solidFill>
+                      <a:prstDash val="solid"/>
+                      <a:round/>
+                      <a:headEnd type="none" w="med" len="med"/>
+                      <a:tailEnd type="none" w="med" len="med"/>
+                    </a:lnB>
+                    <a:solidFill>
+                      <a:srgbClr val="A5ADFF"/>
+                    </a:solidFill>
+                  </a:tcPr>
+                </a:tc>
+                <a:tc>
+                  <a:txBody>
+                    <a:bodyPr/>
+                    <a:lstStyle/>
+                    <a:p>
+                      <a:pPr fontAlgn="t"/>
+                      <a:r>
+                        <a:rPr lang="es-EC" u="none" strike="noStrike" dirty="0">
+                          <a:solidFill>
+                            <a:srgbClr val="428BCA"/>
+                          </a:solidFill>
+                          <a:effectLst/>
+                          <a:hlinkClick r:id="rId10" tooltip="#a5adff color"/>
+                        </a:rPr>
+                        <a:t>#a5adff</a:t>
+                      </a:r>
+                      <a:endParaRPr lang="es-EC" dirty="0">
+                        <a:effectLst/>
+                      </a:endParaRPr>
+                    </a:p>
+                  </a:txBody>
+                  <a:tcPr marL="76200" marR="76200" marT="76200" marB="76200">
+                    <a:lnL>
+                      <a:noFill/>
+                    </a:lnL>
+                    <a:lnR>
+                      <a:noFill/>
+                    </a:lnR>
+                    <a:lnT w="9525" cap="flat" cmpd="sng" algn="ctr">
+                      <a:solidFill>
+                        <a:srgbClr val="DDDDDD"/>
+                      </a:solidFill>
+                      <a:prstDash val="solid"/>
+                      <a:round/>
+                      <a:headEnd type="none" w="med" len="med"/>
+                      <a:tailEnd type="none" w="med" len="med"/>
+                    </a:lnT>
+                    <a:lnB w="9525" cap="flat" cmpd="sng" algn="ctr">
+                      <a:solidFill>
+                        <a:srgbClr val="DDDDDD"/>
+                      </a:solidFill>
+                      <a:prstDash val="solid"/>
+                      <a:round/>
+                      <a:headEnd type="none" w="med" len="med"/>
+                      <a:tailEnd type="none" w="med" len="med"/>
+                    </a:lnB>
+                    <a:solidFill>
+                      <a:srgbClr val="FFFFFF"/>
+                    </a:solidFill>
+                  </a:tcPr>
+                </a:tc>
+                <a:tc>
+                  <a:txBody>
+                    <a:bodyPr/>
+                    <a:lstStyle/>
+                    <a:p>
+                      <a:pPr fontAlgn="t"/>
+                      <a:r>
+                        <a:rPr lang="es-EC">
+                          <a:effectLst/>
+                        </a:rPr>
+                        <a:t>(165,173,255)</a:t>
+                      </a:r>
+                    </a:p>
+                  </a:txBody>
+                  <a:tcPr marL="76200" marR="76200" marT="76200" marB="76200">
+                    <a:lnL>
+                      <a:noFill/>
+                    </a:lnL>
+                    <a:lnR>
+                      <a:noFill/>
+                    </a:lnR>
+                    <a:lnT w="9525" cap="flat" cmpd="sng" algn="ctr">
+                      <a:solidFill>
+                        <a:srgbClr val="DDDDDD"/>
+                      </a:solidFill>
+                      <a:prstDash val="solid"/>
+                      <a:round/>
+                      <a:headEnd type="none" w="med" len="med"/>
+                      <a:tailEnd type="none" w="med" len="med"/>
+                    </a:lnT>
+                    <a:lnB w="9525" cap="flat" cmpd="sng" algn="ctr">
+                      <a:solidFill>
+                        <a:srgbClr val="DDDDDD"/>
+                      </a:solidFill>
+                      <a:prstDash val="solid"/>
+                      <a:round/>
+                      <a:headEnd type="none" w="med" len="med"/>
+                      <a:tailEnd type="none" w="med" len="med"/>
+                    </a:lnB>
+                    <a:solidFill>
+                      <a:srgbClr val="FFFFFF"/>
+                    </a:solidFill>
+                  </a:tcPr>
+                </a:tc>
+              </a:tr>
+              <a:tr h="0">
+                <a:tc>
+                  <a:txBody>
+                    <a:bodyPr/>
+                    <a:lstStyle/>
+                    <a:p>
+                      <a:pPr fontAlgn="t"/>
+                      <a:endParaRPr lang="es-EC">
+                        <a:effectLst/>
+                      </a:endParaRPr>
+                    </a:p>
+                  </a:txBody>
+                  <a:tcPr marL="76200" marR="76200" marT="76200" marB="76200">
+                    <a:lnL>
+                      <a:noFill/>
+                    </a:lnL>
+                    <a:lnR>
+                      <a:noFill/>
+                    </a:lnR>
+                    <a:lnT w="9525" cap="flat" cmpd="sng" algn="ctr">
+                      <a:solidFill>
+                        <a:srgbClr val="DDDDDD"/>
+                      </a:solidFill>
+                      <a:prstDash val="solid"/>
+                      <a:round/>
+                      <a:headEnd type="none" w="med" len="med"/>
+                      <a:tailEnd type="none" w="med" len="med"/>
+                    </a:lnT>
+                    <a:lnB>
+                      <a:noFill/>
+                    </a:lnB>
+                    <a:solidFill>
+                      <a:srgbClr val="586ACB"/>
+                    </a:solidFill>
+                  </a:tcPr>
+                </a:tc>
+                <a:tc>
+                  <a:txBody>
+                    <a:bodyPr/>
+                    <a:lstStyle/>
+                    <a:p>
+                      <a:pPr fontAlgn="t"/>
+                      <a:r>
+                        <a:rPr lang="es-EC" u="none" strike="noStrike">
+                          <a:solidFill>
+                            <a:srgbClr val="428BCA"/>
+                          </a:solidFill>
+                          <a:effectLst/>
+                          <a:hlinkClick r:id="rId11" tooltip="#586acb color"/>
+                        </a:rPr>
+                        <a:t>#586acb</a:t>
+                      </a:r>
+                      <a:endParaRPr lang="es-EC">
+                        <a:effectLst/>
+                      </a:endParaRPr>
+                    </a:p>
+                  </a:txBody>
+                  <a:tcPr marL="76200" marR="76200" marT="76200" marB="76200">
+                    <a:lnL>
+                      <a:noFill/>
+                    </a:lnL>
+                    <a:lnR>
+                      <a:noFill/>
+                    </a:lnR>
+                    <a:lnT w="9525" cap="flat" cmpd="sng" algn="ctr">
+                      <a:solidFill>
+                        <a:srgbClr val="DDDDDD"/>
+                      </a:solidFill>
+                      <a:prstDash val="solid"/>
+                      <a:round/>
+                      <a:headEnd type="none" w="med" len="med"/>
+                      <a:tailEnd type="none" w="med" len="med"/>
+                    </a:lnT>
+                    <a:lnB>
+                      <a:noFill/>
+                    </a:lnB>
+                    <a:solidFill>
+                      <a:srgbClr val="FFFFFF"/>
+                    </a:solidFill>
+                  </a:tcPr>
+                </a:tc>
+                <a:tc>
+                  <a:txBody>
+                    <a:bodyPr/>
+                    <a:lstStyle/>
+                    <a:p>
+                      <a:pPr fontAlgn="t"/>
+                      <a:r>
+                        <a:rPr lang="es-EC" dirty="0">
+                          <a:effectLst/>
+                        </a:rPr>
+                        <a:t>(88,106,203)</a:t>
+                      </a:r>
+                    </a:p>
+                  </a:txBody>
+                  <a:tcPr marL="76200" marR="76200" marT="76200" marB="76200">
+                    <a:lnL>
+                      <a:noFill/>
+                    </a:lnL>
+                    <a:lnR>
+                      <a:noFill/>
+                    </a:lnR>
+                    <a:lnT w="9525" cap="flat" cmpd="sng" algn="ctr">
+                      <a:solidFill>
+                        <a:srgbClr val="DDDDDD"/>
+                      </a:solidFill>
+                      <a:prstDash val="solid"/>
+                      <a:round/>
+                      <a:headEnd type="none" w="med" len="med"/>
+                      <a:tailEnd type="none" w="med" len="med"/>
+                    </a:lnT>
+                    <a:lnB>
+                      <a:noFill/>
+                    </a:lnB>
+                    <a:solidFill>
+                      <a:srgbClr val="FFFFFF"/>
+                    </a:solidFill>
+                  </a:tcPr>
+                </a:tc>
+              </a:tr>
+            </a:tbl>
+          </a:graphicData>
+        </a:graphic>
+      </p:graphicFrame>
+      <p:graphicFrame>
+        <p:nvGraphicFramePr>
+          <p:cNvPr id="10" name="Tabla 9"/>
+          <p:cNvGraphicFramePr>
+            <a:graphicFrameLocks noGrp="1"/>
+          </p:cNvGraphicFramePr>
+          <p:nvPr>
+            <p:extLst>
+              <p:ext uri="{D42A27DB-BD31-4B8C-83A1-F6EECF244321}">
+                <p14:modId xmlns:p14="http://schemas.microsoft.com/office/powerpoint/2010/main" val="3760845867"/>
+              </p:ext>
+            </p:extLst>
+          </p:nvPr>
+        </p:nvGraphicFramePr>
+        <p:xfrm>
+          <a:off x="376560" y="3201581"/>
+          <a:ext cx="4619625" cy="2560320"/>
+        </p:xfrm>
+        <a:graphic>
+          <a:graphicData uri="http://schemas.openxmlformats.org/drawingml/2006/table">
+            <a:tbl>
+              <a:tblPr/>
+              <a:tblGrid>
+                <a:gridCol w="1539875"/>
+                <a:gridCol w="1539875"/>
+                <a:gridCol w="1539875"/>
+              </a:tblGrid>
+              <a:tr h="0">
+                <a:tc>
+                  <a:txBody>
+                    <a:bodyPr/>
+                    <a:lstStyle/>
+                    <a:p>
+                      <a:pPr algn="l" fontAlgn="t"/>
+                      <a:r>
+                        <a:rPr lang="es-EC">
+                          <a:effectLst/>
+                        </a:rPr>
+                        <a:t>Color</a:t>
+                      </a:r>
+                    </a:p>
+                  </a:txBody>
+                  <a:tcPr marL="76200" marR="76200" marT="76200" marB="76200">
+                    <a:lnL>
+                      <a:noFill/>
+                    </a:lnL>
+                    <a:lnR>
+                      <a:noFill/>
+                    </a:lnR>
+                    <a:lnT w="9525" cap="flat" cmpd="sng" algn="ctr">
+                      <a:solidFill>
+                        <a:srgbClr val="DDDDDD"/>
+                      </a:solidFill>
+                      <a:prstDash val="solid"/>
+                      <a:round/>
+                      <a:headEnd type="none" w="med" len="med"/>
+                      <a:tailEnd type="none" w="med" len="med"/>
+                    </a:lnT>
+                    <a:lnB w="9525" cap="flat" cmpd="sng" algn="ctr">
+                      <a:solidFill>
+                        <a:srgbClr val="DDDDDD"/>
+                      </a:solidFill>
+                      <a:prstDash val="solid"/>
+                      <a:round/>
+                      <a:headEnd type="none" w="med" len="med"/>
+                      <a:tailEnd type="none" w="med" len="med"/>
+                    </a:lnB>
+                    <a:solidFill>
+                      <a:srgbClr val="FFFFFF"/>
+                    </a:solidFill>
+                  </a:tcPr>
+                </a:tc>
+                <a:tc>
+                  <a:txBody>
+                    <a:bodyPr/>
+                    <a:lstStyle/>
+                    <a:p>
+                      <a:pPr algn="l" fontAlgn="t"/>
+                      <a:r>
+                        <a:rPr lang="es-EC">
+                          <a:effectLst/>
+                        </a:rPr>
+                        <a:t>Hex</a:t>
+                      </a:r>
+                    </a:p>
+                  </a:txBody>
+                  <a:tcPr marL="76200" marR="76200" marT="76200" marB="76200">
+                    <a:lnL>
+                      <a:noFill/>
+                    </a:lnL>
+                    <a:lnR>
+                      <a:noFill/>
+                    </a:lnR>
+                    <a:lnT w="9525" cap="flat" cmpd="sng" algn="ctr">
+                      <a:solidFill>
+                        <a:srgbClr val="DDDDDD"/>
+                      </a:solidFill>
+                      <a:prstDash val="solid"/>
+                      <a:round/>
+                      <a:headEnd type="none" w="med" len="med"/>
+                      <a:tailEnd type="none" w="med" len="med"/>
+                    </a:lnT>
+                    <a:lnB w="9525" cap="flat" cmpd="sng" algn="ctr">
+                      <a:solidFill>
+                        <a:srgbClr val="DDDDDD"/>
+                      </a:solidFill>
+                      <a:prstDash val="solid"/>
+                      <a:round/>
+                      <a:headEnd type="none" w="med" len="med"/>
+                      <a:tailEnd type="none" w="med" len="med"/>
+                    </a:lnB>
+                    <a:solidFill>
+                      <a:srgbClr val="FFFFFF"/>
+                    </a:solidFill>
+                  </a:tcPr>
+                </a:tc>
+                <a:tc>
+                  <a:txBody>
+                    <a:bodyPr/>
+                    <a:lstStyle/>
+                    <a:p>
+                      <a:pPr algn="l" fontAlgn="t"/>
+                      <a:r>
+                        <a:rPr lang="es-EC">
+                          <a:effectLst/>
+                        </a:rPr>
+                        <a:t>RGB</a:t>
+                      </a:r>
+                    </a:p>
+                  </a:txBody>
+                  <a:tcPr marL="76200" marR="76200" marT="76200" marB="76200">
+                    <a:lnL>
+                      <a:noFill/>
+                    </a:lnL>
+                    <a:lnR>
+                      <a:noFill/>
+                    </a:lnR>
+                    <a:lnT w="9525" cap="flat" cmpd="sng" algn="ctr">
+                      <a:solidFill>
+                        <a:srgbClr val="DDDDDD"/>
+                      </a:solidFill>
+                      <a:prstDash val="solid"/>
+                      <a:round/>
+                      <a:headEnd type="none" w="med" len="med"/>
+                      <a:tailEnd type="none" w="med" len="med"/>
+                    </a:lnT>
+                    <a:lnB w="9525" cap="flat" cmpd="sng" algn="ctr">
+                      <a:solidFill>
+                        <a:srgbClr val="DDDDDD"/>
+                      </a:solidFill>
+                      <a:prstDash val="solid"/>
+                      <a:round/>
+                      <a:headEnd type="none" w="med" len="med"/>
+                      <a:tailEnd type="none" w="med" len="med"/>
+                    </a:lnB>
+                    <a:solidFill>
+                      <a:srgbClr val="FFFFFF"/>
+                    </a:solidFill>
+                  </a:tcPr>
+                </a:tc>
+              </a:tr>
+              <a:tr h="0">
+                <a:tc>
+                  <a:txBody>
+                    <a:bodyPr/>
+                    <a:lstStyle/>
+                    <a:p>
+                      <a:pPr fontAlgn="t"/>
+                      <a:endParaRPr lang="es-EC">
+                        <a:effectLst/>
+                      </a:endParaRPr>
+                    </a:p>
+                  </a:txBody>
+                  <a:tcPr marL="76200" marR="76200" marT="76200" marB="76200">
+                    <a:lnL>
+                      <a:noFill/>
+                    </a:lnL>
+                    <a:lnR>
+                      <a:noFill/>
+                    </a:lnR>
+                    <a:lnT w="9525" cap="flat" cmpd="sng" algn="ctr">
+                      <a:solidFill>
+                        <a:srgbClr val="DDDDDD"/>
+                      </a:solidFill>
+                      <a:prstDash val="solid"/>
+                      <a:round/>
+                      <a:headEnd type="none" w="med" len="med"/>
+                      <a:tailEnd type="none" w="med" len="med"/>
+                    </a:lnT>
+                    <a:lnB w="9525" cap="flat" cmpd="sng" algn="ctr">
+                      <a:solidFill>
+                        <a:srgbClr val="DDDDDD"/>
+                      </a:solidFill>
+                      <a:prstDash val="solid"/>
+                      <a:round/>
+                      <a:headEnd type="none" w="med" len="med"/>
+                      <a:tailEnd type="none" w="med" len="med"/>
+                    </a:lnB>
+                    <a:solidFill>
+                      <a:srgbClr val="FF6B6B"/>
+                    </a:solidFill>
+                  </a:tcPr>
+                </a:tc>
+                <a:tc>
+                  <a:txBody>
+                    <a:bodyPr/>
+                    <a:lstStyle/>
+                    <a:p>
+                      <a:pPr fontAlgn="t"/>
+                      <a:r>
+                        <a:rPr lang="es-EC" u="none" strike="noStrike">
+                          <a:solidFill>
+                            <a:srgbClr val="428BCA"/>
+                          </a:solidFill>
+                          <a:effectLst/>
+                          <a:hlinkClick r:id="rId12" tooltip="#ff6b6b color"/>
+                        </a:rPr>
+                        <a:t>#ff6b6b</a:t>
+                      </a:r>
+                      <a:endParaRPr lang="es-EC">
+                        <a:effectLst/>
+                      </a:endParaRPr>
+                    </a:p>
+                  </a:txBody>
+                  <a:tcPr marL="76200" marR="76200" marT="76200" marB="76200">
+                    <a:lnL>
+                      <a:noFill/>
+                    </a:lnL>
+                    <a:lnR>
+                      <a:noFill/>
+                    </a:lnR>
+                    <a:lnT w="9525" cap="flat" cmpd="sng" algn="ctr">
+                      <a:solidFill>
+                        <a:srgbClr val="DDDDDD"/>
+                      </a:solidFill>
+                      <a:prstDash val="solid"/>
+                      <a:round/>
+                      <a:headEnd type="none" w="med" len="med"/>
+                      <a:tailEnd type="none" w="med" len="med"/>
+                    </a:lnT>
+                    <a:lnB w="9525" cap="flat" cmpd="sng" algn="ctr">
+                      <a:solidFill>
+                        <a:srgbClr val="DDDDDD"/>
+                      </a:solidFill>
+                      <a:prstDash val="solid"/>
+                      <a:round/>
+                      <a:headEnd type="none" w="med" len="med"/>
+                      <a:tailEnd type="none" w="med" len="med"/>
+                    </a:lnB>
+                    <a:solidFill>
+                      <a:srgbClr val="FFFFFF"/>
+                    </a:solidFill>
+                  </a:tcPr>
+                </a:tc>
+                <a:tc>
+                  <a:txBody>
+                    <a:bodyPr/>
+                    <a:lstStyle/>
+                    <a:p>
+                      <a:pPr fontAlgn="t"/>
+                      <a:r>
+                        <a:rPr lang="es-EC">
+                          <a:effectLst/>
+                        </a:rPr>
+                        <a:t>(255,107,107)</a:t>
+                      </a:r>
+                    </a:p>
+                  </a:txBody>
+                  <a:tcPr marL="76200" marR="76200" marT="76200" marB="76200">
+                    <a:lnL>
+                      <a:noFill/>
+                    </a:lnL>
+                    <a:lnR>
+                      <a:noFill/>
+                    </a:lnR>
+                    <a:lnT w="9525" cap="flat" cmpd="sng" algn="ctr">
+                      <a:solidFill>
+                        <a:srgbClr val="DDDDDD"/>
+                      </a:solidFill>
+                      <a:prstDash val="solid"/>
+                      <a:round/>
+                      <a:headEnd type="none" w="med" len="med"/>
+                      <a:tailEnd type="none" w="med" len="med"/>
+                    </a:lnT>
+                    <a:lnB w="9525" cap="flat" cmpd="sng" algn="ctr">
+                      <a:solidFill>
+                        <a:srgbClr val="DDDDDD"/>
+                      </a:solidFill>
+                      <a:prstDash val="solid"/>
+                      <a:round/>
+                      <a:headEnd type="none" w="med" len="med"/>
+                      <a:tailEnd type="none" w="med" len="med"/>
+                    </a:lnB>
+                    <a:solidFill>
+                      <a:srgbClr val="FFFFFF"/>
+                    </a:solidFill>
+                  </a:tcPr>
+                </a:tc>
+              </a:tr>
+              <a:tr h="0">
+                <a:tc>
+                  <a:txBody>
+                    <a:bodyPr/>
+                    <a:lstStyle/>
+                    <a:p>
+                      <a:pPr fontAlgn="t"/>
+                      <a:endParaRPr lang="es-EC">
+                        <a:effectLst/>
+                      </a:endParaRPr>
+                    </a:p>
+                  </a:txBody>
+                  <a:tcPr marL="76200" marR="76200" marT="76200" marB="76200">
+                    <a:lnL>
+                      <a:noFill/>
+                    </a:lnL>
+                    <a:lnR>
+                      <a:noFill/>
+                    </a:lnR>
+                    <a:lnT w="9525" cap="flat" cmpd="sng" algn="ctr">
+                      <a:solidFill>
+                        <a:srgbClr val="DDDDDD"/>
+                      </a:solidFill>
+                      <a:prstDash val="solid"/>
+                      <a:round/>
+                      <a:headEnd type="none" w="med" len="med"/>
+                      <a:tailEnd type="none" w="med" len="med"/>
+                    </a:lnT>
+                    <a:lnB w="9525" cap="flat" cmpd="sng" algn="ctr">
+                      <a:solidFill>
+                        <a:srgbClr val="DDDDDD"/>
+                      </a:solidFill>
+                      <a:prstDash val="solid"/>
+                      <a:round/>
+                      <a:headEnd type="none" w="med" len="med"/>
+                      <a:tailEnd type="none" w="med" len="med"/>
+                    </a:lnB>
+                    <a:solidFill>
+                      <a:srgbClr val="E8F962"/>
+                    </a:solidFill>
+                  </a:tcPr>
+                </a:tc>
+                <a:tc>
+                  <a:txBody>
+                    <a:bodyPr/>
+                    <a:lstStyle/>
+                    <a:p>
+                      <a:pPr fontAlgn="t"/>
+                      <a:r>
+                        <a:rPr lang="es-EC" u="none" strike="noStrike">
+                          <a:solidFill>
+                            <a:srgbClr val="428BCA"/>
+                          </a:solidFill>
+                          <a:effectLst/>
+                          <a:hlinkClick r:id="rId13" tooltip="#e8f962 color"/>
+                        </a:rPr>
+                        <a:t>#e8f962</a:t>
+                      </a:r>
+                      <a:endParaRPr lang="es-EC">
+                        <a:effectLst/>
+                      </a:endParaRPr>
+                    </a:p>
+                  </a:txBody>
+                  <a:tcPr marL="76200" marR="76200" marT="76200" marB="76200">
+                    <a:lnL>
+                      <a:noFill/>
+                    </a:lnL>
+                    <a:lnR>
+                      <a:noFill/>
+                    </a:lnR>
+                    <a:lnT w="9525" cap="flat" cmpd="sng" algn="ctr">
+                      <a:solidFill>
+                        <a:srgbClr val="DDDDDD"/>
+                      </a:solidFill>
+                      <a:prstDash val="solid"/>
+                      <a:round/>
+                      <a:headEnd type="none" w="med" len="med"/>
+                      <a:tailEnd type="none" w="med" len="med"/>
+                    </a:lnT>
+                    <a:lnB w="9525" cap="flat" cmpd="sng" algn="ctr">
+                      <a:solidFill>
+                        <a:srgbClr val="DDDDDD"/>
+                      </a:solidFill>
+                      <a:prstDash val="solid"/>
+                      <a:round/>
+                      <a:headEnd type="none" w="med" len="med"/>
+                      <a:tailEnd type="none" w="med" len="med"/>
+                    </a:lnB>
+                    <a:solidFill>
+                      <a:srgbClr val="FFFFFF"/>
+                    </a:solidFill>
+                  </a:tcPr>
+                </a:tc>
+                <a:tc>
+                  <a:txBody>
+                    <a:bodyPr/>
+                    <a:lstStyle/>
+                    <a:p>
+                      <a:pPr fontAlgn="t"/>
+                      <a:r>
+                        <a:rPr lang="es-EC">
+                          <a:effectLst/>
+                        </a:rPr>
+                        <a:t>(232,249,98)</a:t>
+                      </a:r>
+                    </a:p>
+                  </a:txBody>
+                  <a:tcPr marL="76200" marR="76200" marT="76200" marB="76200">
+                    <a:lnL>
+                      <a:noFill/>
+                    </a:lnL>
+                    <a:lnR>
+                      <a:noFill/>
+                    </a:lnR>
+                    <a:lnT w="9525" cap="flat" cmpd="sng" algn="ctr">
+                      <a:solidFill>
+                        <a:srgbClr val="DDDDDD"/>
+                      </a:solidFill>
+                      <a:prstDash val="solid"/>
+                      <a:round/>
+                      <a:headEnd type="none" w="med" len="med"/>
+                      <a:tailEnd type="none" w="med" len="med"/>
+                    </a:lnT>
+                    <a:lnB w="9525" cap="flat" cmpd="sng" algn="ctr">
+                      <a:solidFill>
+                        <a:srgbClr val="DDDDDD"/>
+                      </a:solidFill>
+                      <a:prstDash val="solid"/>
+                      <a:round/>
+                      <a:headEnd type="none" w="med" len="med"/>
+                      <a:tailEnd type="none" w="med" len="med"/>
+                    </a:lnB>
+                    <a:solidFill>
+                      <a:srgbClr val="FFFFFF"/>
+                    </a:solidFill>
+                  </a:tcPr>
+                </a:tc>
+              </a:tr>
+              <a:tr h="0">
+                <a:tc>
+                  <a:txBody>
+                    <a:bodyPr/>
+                    <a:lstStyle/>
+                    <a:p>
+                      <a:pPr fontAlgn="t"/>
+                      <a:endParaRPr lang="es-EC">
+                        <a:effectLst/>
+                      </a:endParaRPr>
+                    </a:p>
+                  </a:txBody>
+                  <a:tcPr marL="76200" marR="76200" marT="76200" marB="76200">
+                    <a:lnL>
+                      <a:noFill/>
+                    </a:lnL>
+                    <a:lnR>
+                      <a:noFill/>
+                    </a:lnR>
+                    <a:lnT w="9525" cap="flat" cmpd="sng" algn="ctr">
+                      <a:solidFill>
+                        <a:srgbClr val="DDDDDD"/>
+                      </a:solidFill>
+                      <a:prstDash val="solid"/>
+                      <a:round/>
+                      <a:headEnd type="none" w="med" len="med"/>
+                      <a:tailEnd type="none" w="med" len="med"/>
+                    </a:lnT>
+                    <a:lnB w="9525" cap="flat" cmpd="sng" algn="ctr">
+                      <a:solidFill>
+                        <a:srgbClr val="DDDDDD"/>
+                      </a:solidFill>
+                      <a:prstDash val="solid"/>
+                      <a:round/>
+                      <a:headEnd type="none" w="med" len="med"/>
+                      <a:tailEnd type="none" w="med" len="med"/>
+                    </a:lnB>
+                    <a:solidFill>
+                      <a:srgbClr val="82DDD1"/>
+                    </a:solidFill>
+                  </a:tcPr>
+                </a:tc>
+                <a:tc>
+                  <a:txBody>
+                    <a:bodyPr/>
+                    <a:lstStyle/>
+                    <a:p>
+                      <a:pPr fontAlgn="t"/>
+                      <a:r>
+                        <a:rPr lang="es-EC" u="none" strike="noStrike">
+                          <a:solidFill>
+                            <a:srgbClr val="428BCA"/>
+                          </a:solidFill>
+                          <a:effectLst/>
+                          <a:hlinkClick r:id="rId14" tooltip="#82ddd1 color"/>
+                        </a:rPr>
+                        <a:t>#82ddd1</a:t>
+                      </a:r>
+                      <a:endParaRPr lang="es-EC">
+                        <a:effectLst/>
+                      </a:endParaRPr>
+                    </a:p>
+                  </a:txBody>
+                  <a:tcPr marL="76200" marR="76200" marT="76200" marB="76200">
+                    <a:lnL>
+                      <a:noFill/>
+                    </a:lnL>
+                    <a:lnR>
+                      <a:noFill/>
+                    </a:lnR>
+                    <a:lnT w="9525" cap="flat" cmpd="sng" algn="ctr">
+                      <a:solidFill>
+                        <a:srgbClr val="DDDDDD"/>
+                      </a:solidFill>
+                      <a:prstDash val="solid"/>
+                      <a:round/>
+                      <a:headEnd type="none" w="med" len="med"/>
+                      <a:tailEnd type="none" w="med" len="med"/>
+                    </a:lnT>
+                    <a:lnB w="9525" cap="flat" cmpd="sng" algn="ctr">
+                      <a:solidFill>
+                        <a:srgbClr val="DDDDDD"/>
+                      </a:solidFill>
+                      <a:prstDash val="solid"/>
+                      <a:round/>
+                      <a:headEnd type="none" w="med" len="med"/>
+                      <a:tailEnd type="none" w="med" len="med"/>
+                    </a:lnB>
+                    <a:solidFill>
+                      <a:srgbClr val="FFFFFF"/>
+                    </a:solidFill>
+                  </a:tcPr>
+                </a:tc>
+                <a:tc>
+                  <a:txBody>
+                    <a:bodyPr/>
+                    <a:lstStyle/>
+                    <a:p>
+                      <a:pPr fontAlgn="t"/>
+                      <a:r>
+                        <a:rPr lang="es-EC">
+                          <a:effectLst/>
+                        </a:rPr>
+                        <a:t>(130,221,209)</a:t>
+                      </a:r>
+                    </a:p>
+                  </a:txBody>
+                  <a:tcPr marL="76200" marR="76200" marT="76200" marB="76200">
+                    <a:lnL>
+                      <a:noFill/>
+                    </a:lnL>
+                    <a:lnR>
+                      <a:noFill/>
+                    </a:lnR>
+                    <a:lnT w="9525" cap="flat" cmpd="sng" algn="ctr">
+                      <a:solidFill>
+                        <a:srgbClr val="DDDDDD"/>
+                      </a:solidFill>
+                      <a:prstDash val="solid"/>
+                      <a:round/>
+                      <a:headEnd type="none" w="med" len="med"/>
+                      <a:tailEnd type="none" w="med" len="med"/>
+                    </a:lnT>
+                    <a:lnB w="9525" cap="flat" cmpd="sng" algn="ctr">
+                      <a:solidFill>
+                        <a:srgbClr val="DDDDDD"/>
+                      </a:solidFill>
+                      <a:prstDash val="solid"/>
+                      <a:round/>
+                      <a:headEnd type="none" w="med" len="med"/>
+                      <a:tailEnd type="none" w="med" len="med"/>
+                    </a:lnB>
+                    <a:solidFill>
+                      <a:srgbClr val="FFFFFF"/>
+                    </a:solidFill>
+                  </a:tcPr>
+                </a:tc>
+              </a:tr>
+              <a:tr h="0">
+                <a:tc>
+                  <a:txBody>
+                    <a:bodyPr/>
+                    <a:lstStyle/>
+                    <a:p>
+                      <a:pPr fontAlgn="t"/>
+                      <a:endParaRPr lang="es-EC">
+                        <a:effectLst/>
+                      </a:endParaRPr>
+                    </a:p>
+                  </a:txBody>
+                  <a:tcPr marL="76200" marR="76200" marT="76200" marB="76200">
+                    <a:lnL>
+                      <a:noFill/>
+                    </a:lnL>
+                    <a:lnR>
+                      <a:noFill/>
+                    </a:lnR>
+                    <a:lnT w="9525" cap="flat" cmpd="sng" algn="ctr">
+                      <a:solidFill>
+                        <a:srgbClr val="DDDDDD"/>
+                      </a:solidFill>
+                      <a:prstDash val="solid"/>
+                      <a:round/>
+                      <a:headEnd type="none" w="med" len="med"/>
+                      <a:tailEnd type="none" w="med" len="med"/>
+                    </a:lnT>
+                    <a:lnB w="9525" cap="flat" cmpd="sng" algn="ctr">
+                      <a:solidFill>
+                        <a:srgbClr val="DDDDDD"/>
+                      </a:solidFill>
+                      <a:prstDash val="solid"/>
+                      <a:round/>
+                      <a:headEnd type="none" w="med" len="med"/>
+                      <a:tailEnd type="none" w="med" len="med"/>
+                    </a:lnB>
+                    <a:solidFill>
+                      <a:srgbClr val="F9D171"/>
+                    </a:solidFill>
+                  </a:tcPr>
+                </a:tc>
+                <a:tc>
+                  <a:txBody>
+                    <a:bodyPr/>
+                    <a:lstStyle/>
+                    <a:p>
+                      <a:pPr fontAlgn="t"/>
+                      <a:r>
+                        <a:rPr lang="es-EC" u="none" strike="noStrike">
+                          <a:solidFill>
+                            <a:srgbClr val="428BCA"/>
+                          </a:solidFill>
+                          <a:effectLst/>
+                          <a:hlinkClick r:id="rId15" tooltip="#f9d171 color"/>
+                        </a:rPr>
+                        <a:t>#f9d171</a:t>
+                      </a:r>
+                      <a:endParaRPr lang="es-EC">
+                        <a:effectLst/>
+                      </a:endParaRPr>
+                    </a:p>
+                  </a:txBody>
+                  <a:tcPr marL="76200" marR="76200" marT="76200" marB="76200">
+                    <a:lnL>
+                      <a:noFill/>
+                    </a:lnL>
+                    <a:lnR>
+                      <a:noFill/>
+                    </a:lnR>
+                    <a:lnT w="9525" cap="flat" cmpd="sng" algn="ctr">
+                      <a:solidFill>
+                        <a:srgbClr val="DDDDDD"/>
+                      </a:solidFill>
+                      <a:prstDash val="solid"/>
+                      <a:round/>
+                      <a:headEnd type="none" w="med" len="med"/>
+                      <a:tailEnd type="none" w="med" len="med"/>
+                    </a:lnT>
+                    <a:lnB w="9525" cap="flat" cmpd="sng" algn="ctr">
+                      <a:solidFill>
+                        <a:srgbClr val="DDDDDD"/>
+                      </a:solidFill>
+                      <a:prstDash val="solid"/>
+                      <a:round/>
+                      <a:headEnd type="none" w="med" len="med"/>
+                      <a:tailEnd type="none" w="med" len="med"/>
+                    </a:lnB>
+                    <a:solidFill>
+                      <a:srgbClr val="FFFFFF"/>
+                    </a:solidFill>
+                  </a:tcPr>
+                </a:tc>
+                <a:tc>
+                  <a:txBody>
+                    <a:bodyPr/>
+                    <a:lstStyle/>
+                    <a:p>
+                      <a:pPr fontAlgn="t"/>
+                      <a:r>
+                        <a:rPr lang="es-EC">
+                          <a:effectLst/>
+                        </a:rPr>
+                        <a:t>(249,209,113)</a:t>
+                      </a:r>
+                    </a:p>
+                  </a:txBody>
+                  <a:tcPr marL="76200" marR="76200" marT="76200" marB="76200">
+                    <a:lnL>
+                      <a:noFill/>
+                    </a:lnL>
+                    <a:lnR>
+                      <a:noFill/>
+                    </a:lnR>
+                    <a:lnT w="9525" cap="flat" cmpd="sng" algn="ctr">
+                      <a:solidFill>
+                        <a:srgbClr val="DDDDDD"/>
+                      </a:solidFill>
+                      <a:prstDash val="solid"/>
+                      <a:round/>
+                      <a:headEnd type="none" w="med" len="med"/>
+                      <a:tailEnd type="none" w="med" len="med"/>
+                    </a:lnT>
+                    <a:lnB w="9525" cap="flat" cmpd="sng" algn="ctr">
+                      <a:solidFill>
+                        <a:srgbClr val="DDDDDD"/>
+                      </a:solidFill>
+                      <a:prstDash val="solid"/>
+                      <a:round/>
+                      <a:headEnd type="none" w="med" len="med"/>
+                      <a:tailEnd type="none" w="med" len="med"/>
+                    </a:lnB>
+                    <a:solidFill>
+                      <a:srgbClr val="FFFFFF"/>
+                    </a:solidFill>
+                  </a:tcPr>
+                </a:tc>
+              </a:tr>
+              <a:tr h="0">
+                <a:tc>
+                  <a:txBody>
+                    <a:bodyPr/>
+                    <a:lstStyle/>
+                    <a:p>
+                      <a:pPr fontAlgn="t"/>
+                      <a:endParaRPr lang="es-EC">
+                        <a:effectLst/>
+                      </a:endParaRPr>
+                    </a:p>
+                  </a:txBody>
+                  <a:tcPr marL="76200" marR="76200" marT="76200" marB="76200">
+                    <a:lnL>
+                      <a:noFill/>
+                    </a:lnL>
+                    <a:lnR>
+                      <a:noFill/>
+                    </a:lnR>
+                    <a:lnT w="9525" cap="flat" cmpd="sng" algn="ctr">
+                      <a:solidFill>
+                        <a:srgbClr val="DDDDDD"/>
+                      </a:solidFill>
+                      <a:prstDash val="solid"/>
+                      <a:round/>
+                      <a:headEnd type="none" w="med" len="med"/>
+                      <a:tailEnd type="none" w="med" len="med"/>
+                    </a:lnT>
+                    <a:lnB>
+                      <a:noFill/>
+                    </a:lnB>
+                    <a:solidFill>
+                      <a:srgbClr val="6CF289"/>
+                    </a:solidFill>
+                  </a:tcPr>
+                </a:tc>
+                <a:tc>
+                  <a:txBody>
+                    <a:bodyPr/>
+                    <a:lstStyle/>
+                    <a:p>
+                      <a:pPr fontAlgn="t"/>
+                      <a:r>
+                        <a:rPr lang="es-EC" u="none" strike="noStrike">
+                          <a:solidFill>
+                            <a:srgbClr val="428BCA"/>
+                          </a:solidFill>
+                          <a:effectLst/>
+                          <a:hlinkClick r:id="rId16" tooltip="#6cf289 color"/>
+                        </a:rPr>
+                        <a:t>#6cf289</a:t>
+                      </a:r>
+                      <a:endParaRPr lang="es-EC">
+                        <a:effectLst/>
+                      </a:endParaRPr>
+                    </a:p>
+                  </a:txBody>
+                  <a:tcPr marL="76200" marR="76200" marT="76200" marB="76200">
+                    <a:lnL>
+                      <a:noFill/>
+                    </a:lnL>
+                    <a:lnR>
+                      <a:noFill/>
+                    </a:lnR>
+                    <a:lnT w="9525" cap="flat" cmpd="sng" algn="ctr">
+                      <a:solidFill>
+                        <a:srgbClr val="DDDDDD"/>
+                      </a:solidFill>
+                      <a:prstDash val="solid"/>
+                      <a:round/>
+                      <a:headEnd type="none" w="med" len="med"/>
+                      <a:tailEnd type="none" w="med" len="med"/>
+                    </a:lnT>
+                    <a:lnB>
+                      <a:noFill/>
+                    </a:lnB>
+                    <a:solidFill>
+                      <a:srgbClr val="FFFFFF"/>
+                    </a:solidFill>
+                  </a:tcPr>
+                </a:tc>
+                <a:tc>
+                  <a:txBody>
+                    <a:bodyPr/>
+                    <a:lstStyle/>
+                    <a:p>
+                      <a:pPr fontAlgn="t"/>
+                      <a:r>
+                        <a:rPr lang="es-EC" dirty="0">
+                          <a:effectLst/>
+                        </a:rPr>
+                        <a:t>(108,242,137)</a:t>
+                      </a:r>
+                    </a:p>
+                  </a:txBody>
+                  <a:tcPr marL="76200" marR="76200" marT="76200" marB="76200">
+                    <a:lnL>
+                      <a:noFill/>
+                    </a:lnL>
+                    <a:lnR>
+                      <a:noFill/>
+                    </a:lnR>
+                    <a:lnT w="9525" cap="flat" cmpd="sng" algn="ctr">
+                      <a:solidFill>
+                        <a:srgbClr val="DDDDDD"/>
+                      </a:solidFill>
+                      <a:prstDash val="solid"/>
+                      <a:round/>
+                      <a:headEnd type="none" w="med" len="med"/>
+                      <a:tailEnd type="none" w="med" len="med"/>
+                    </a:lnT>
+                    <a:lnB>
+                      <a:noFill/>
+                    </a:lnB>
+                    <a:solidFill>
+                      <a:srgbClr val="FFFFFF"/>
+                    </a:solidFill>
+                  </a:tcPr>
+                </a:tc>
+              </a:tr>
+            </a:tbl>
+          </a:graphicData>
+        </a:graphic>
+      </p:graphicFrame>
+      <p:graphicFrame>
+        <p:nvGraphicFramePr>
+          <p:cNvPr id="11" name="Tabla 10"/>
+          <p:cNvGraphicFramePr>
+            <a:graphicFrameLocks noGrp="1"/>
+          </p:cNvGraphicFramePr>
+          <p:nvPr>
+            <p:extLst>
+              <p:ext uri="{D42A27DB-BD31-4B8C-83A1-F6EECF244321}">
+                <p14:modId xmlns:p14="http://schemas.microsoft.com/office/powerpoint/2010/main" val="1637029070"/>
+              </p:ext>
+            </p:extLst>
+          </p:nvPr>
+        </p:nvGraphicFramePr>
+        <p:xfrm>
+          <a:off x="5676980" y="3186083"/>
+          <a:ext cx="4619625" cy="2560320"/>
+        </p:xfrm>
+        <a:graphic>
+          <a:graphicData uri="http://schemas.openxmlformats.org/drawingml/2006/table">
+            <a:tbl>
+              <a:tblPr/>
+              <a:tblGrid>
+                <a:gridCol w="1539875"/>
+                <a:gridCol w="1539875"/>
+                <a:gridCol w="1539875"/>
+              </a:tblGrid>
+              <a:tr h="0">
+                <a:tc>
+                  <a:txBody>
+                    <a:bodyPr/>
+                    <a:lstStyle/>
+                    <a:p>
+                      <a:pPr algn="l" fontAlgn="t"/>
+                      <a:r>
+                        <a:rPr lang="es-EC">
+                          <a:effectLst/>
+                        </a:rPr>
+                        <a:t>Color</a:t>
+                      </a:r>
+                    </a:p>
+                  </a:txBody>
+                  <a:tcPr marL="76200" marR="76200" marT="76200" marB="76200">
+                    <a:lnL>
+                      <a:noFill/>
+                    </a:lnL>
+                    <a:lnR>
+                      <a:noFill/>
+                    </a:lnR>
+                    <a:lnT w="9525" cap="flat" cmpd="sng" algn="ctr">
+                      <a:solidFill>
+                        <a:srgbClr val="DDDDDD"/>
+                      </a:solidFill>
+                      <a:prstDash val="solid"/>
+                      <a:round/>
+                      <a:headEnd type="none" w="med" len="med"/>
+                      <a:tailEnd type="none" w="med" len="med"/>
+                    </a:lnT>
+                    <a:lnB w="9525" cap="flat" cmpd="sng" algn="ctr">
+                      <a:solidFill>
+                        <a:srgbClr val="DDDDDD"/>
+                      </a:solidFill>
+                      <a:prstDash val="solid"/>
+                      <a:round/>
+                      <a:headEnd type="none" w="med" len="med"/>
+                      <a:tailEnd type="none" w="med" len="med"/>
+                    </a:lnB>
+                    <a:solidFill>
+                      <a:srgbClr val="FFFFFF"/>
+                    </a:solidFill>
+                  </a:tcPr>
+                </a:tc>
+                <a:tc>
+                  <a:txBody>
+                    <a:bodyPr/>
+                    <a:lstStyle/>
+                    <a:p>
+                      <a:pPr algn="l" fontAlgn="t"/>
+                      <a:r>
+                        <a:rPr lang="es-EC">
+                          <a:effectLst/>
+                        </a:rPr>
+                        <a:t>Hex</a:t>
+                      </a:r>
+                    </a:p>
+                  </a:txBody>
+                  <a:tcPr marL="76200" marR="76200" marT="76200" marB="76200">
+                    <a:lnL>
+                      <a:noFill/>
+                    </a:lnL>
+                    <a:lnR>
+                      <a:noFill/>
+                    </a:lnR>
+                    <a:lnT w="9525" cap="flat" cmpd="sng" algn="ctr">
+                      <a:solidFill>
+                        <a:srgbClr val="DDDDDD"/>
+                      </a:solidFill>
+                      <a:prstDash val="solid"/>
+                      <a:round/>
+                      <a:headEnd type="none" w="med" len="med"/>
+                      <a:tailEnd type="none" w="med" len="med"/>
+                    </a:lnT>
+                    <a:lnB w="9525" cap="flat" cmpd="sng" algn="ctr">
+                      <a:solidFill>
+                        <a:srgbClr val="DDDDDD"/>
+                      </a:solidFill>
+                      <a:prstDash val="solid"/>
+                      <a:round/>
+                      <a:headEnd type="none" w="med" len="med"/>
+                      <a:tailEnd type="none" w="med" len="med"/>
+                    </a:lnB>
+                    <a:solidFill>
+                      <a:srgbClr val="FFFFFF"/>
+                    </a:solidFill>
+                  </a:tcPr>
+                </a:tc>
+                <a:tc>
+                  <a:txBody>
+                    <a:bodyPr/>
+                    <a:lstStyle/>
+                    <a:p>
+                      <a:pPr algn="l" fontAlgn="t"/>
+                      <a:r>
+                        <a:rPr lang="es-EC">
+                          <a:effectLst/>
+                        </a:rPr>
+                        <a:t>RGB</a:t>
+                      </a:r>
+                    </a:p>
+                  </a:txBody>
+                  <a:tcPr marL="76200" marR="76200" marT="76200" marB="76200">
+                    <a:lnL>
+                      <a:noFill/>
+                    </a:lnL>
+                    <a:lnR>
+                      <a:noFill/>
+                    </a:lnR>
+                    <a:lnT w="9525" cap="flat" cmpd="sng" algn="ctr">
+                      <a:solidFill>
+                        <a:srgbClr val="DDDDDD"/>
+                      </a:solidFill>
+                      <a:prstDash val="solid"/>
+                      <a:round/>
+                      <a:headEnd type="none" w="med" len="med"/>
+                      <a:tailEnd type="none" w="med" len="med"/>
+                    </a:lnT>
+                    <a:lnB w="9525" cap="flat" cmpd="sng" algn="ctr">
+                      <a:solidFill>
+                        <a:srgbClr val="DDDDDD"/>
+                      </a:solidFill>
+                      <a:prstDash val="solid"/>
+                      <a:round/>
+                      <a:headEnd type="none" w="med" len="med"/>
+                      <a:tailEnd type="none" w="med" len="med"/>
+                    </a:lnB>
+                    <a:solidFill>
+                      <a:srgbClr val="FFFFFF"/>
+                    </a:solidFill>
+                  </a:tcPr>
+                </a:tc>
+              </a:tr>
+              <a:tr h="0">
+                <a:tc>
+                  <a:txBody>
+                    <a:bodyPr/>
+                    <a:lstStyle/>
+                    <a:p>
+                      <a:pPr fontAlgn="t"/>
+                      <a:endParaRPr lang="es-EC">
+                        <a:effectLst/>
+                      </a:endParaRPr>
+                    </a:p>
+                  </a:txBody>
+                  <a:tcPr marL="76200" marR="76200" marT="76200" marB="76200">
+                    <a:lnL>
+                      <a:noFill/>
+                    </a:lnL>
+                    <a:lnR>
+                      <a:noFill/>
+                    </a:lnR>
+                    <a:lnT w="9525" cap="flat" cmpd="sng" algn="ctr">
+                      <a:solidFill>
+                        <a:srgbClr val="DDDDDD"/>
+                      </a:solidFill>
+                      <a:prstDash val="solid"/>
+                      <a:round/>
+                      <a:headEnd type="none" w="med" len="med"/>
+                      <a:tailEnd type="none" w="med" len="med"/>
+                    </a:lnT>
+                    <a:lnB w="9525" cap="flat" cmpd="sng" algn="ctr">
+                      <a:solidFill>
+                        <a:srgbClr val="DDDDDD"/>
+                      </a:solidFill>
+                      <a:prstDash val="solid"/>
+                      <a:round/>
+                      <a:headEnd type="none" w="med" len="med"/>
+                      <a:tailEnd type="none" w="med" len="med"/>
+                    </a:lnB>
+                    <a:solidFill>
+                      <a:srgbClr val="817B7B"/>
+                    </a:solidFill>
+                  </a:tcPr>
+                </a:tc>
+                <a:tc>
+                  <a:txBody>
+                    <a:bodyPr/>
+                    <a:lstStyle/>
+                    <a:p>
+                      <a:pPr fontAlgn="t"/>
+                      <a:r>
+                        <a:rPr lang="es-EC" u="none" strike="noStrike">
+                          <a:solidFill>
+                            <a:srgbClr val="428BCA"/>
+                          </a:solidFill>
+                          <a:effectLst/>
+                          <a:hlinkClick r:id="rId17" tooltip="#817b7b color"/>
+                        </a:rPr>
+                        <a:t>#817b7b</a:t>
+                      </a:r>
+                      <a:endParaRPr lang="es-EC">
+                        <a:effectLst/>
+                      </a:endParaRPr>
+                    </a:p>
+                  </a:txBody>
+                  <a:tcPr marL="76200" marR="76200" marT="76200" marB="76200">
+                    <a:lnL>
+                      <a:noFill/>
+                    </a:lnL>
+                    <a:lnR>
+                      <a:noFill/>
+                    </a:lnR>
+                    <a:lnT w="9525" cap="flat" cmpd="sng" algn="ctr">
+                      <a:solidFill>
+                        <a:srgbClr val="DDDDDD"/>
+                      </a:solidFill>
+                      <a:prstDash val="solid"/>
+                      <a:round/>
+                      <a:headEnd type="none" w="med" len="med"/>
+                      <a:tailEnd type="none" w="med" len="med"/>
+                    </a:lnT>
+                    <a:lnB w="9525" cap="flat" cmpd="sng" algn="ctr">
+                      <a:solidFill>
+                        <a:srgbClr val="DDDDDD"/>
+                      </a:solidFill>
+                      <a:prstDash val="solid"/>
+                      <a:round/>
+                      <a:headEnd type="none" w="med" len="med"/>
+                      <a:tailEnd type="none" w="med" len="med"/>
+                    </a:lnB>
+                    <a:solidFill>
+                      <a:srgbClr val="FFFFFF"/>
+                    </a:solidFill>
+                  </a:tcPr>
+                </a:tc>
+                <a:tc>
+                  <a:txBody>
+                    <a:bodyPr/>
+                    <a:lstStyle/>
+                    <a:p>
+                      <a:pPr fontAlgn="t"/>
+                      <a:r>
+                        <a:rPr lang="es-EC">
+                          <a:effectLst/>
+                        </a:rPr>
+                        <a:t>(129,123,123)</a:t>
+                      </a:r>
+                    </a:p>
+                  </a:txBody>
+                  <a:tcPr marL="76200" marR="76200" marT="76200" marB="76200">
+                    <a:lnL>
+                      <a:noFill/>
+                    </a:lnL>
+                    <a:lnR>
+                      <a:noFill/>
+                    </a:lnR>
+                    <a:lnT w="9525" cap="flat" cmpd="sng" algn="ctr">
+                      <a:solidFill>
+                        <a:srgbClr val="DDDDDD"/>
+                      </a:solidFill>
+                      <a:prstDash val="solid"/>
+                      <a:round/>
+                      <a:headEnd type="none" w="med" len="med"/>
+                      <a:tailEnd type="none" w="med" len="med"/>
+                    </a:lnT>
+                    <a:lnB w="9525" cap="flat" cmpd="sng" algn="ctr">
+                      <a:solidFill>
+                        <a:srgbClr val="DDDDDD"/>
+                      </a:solidFill>
+                      <a:prstDash val="solid"/>
+                      <a:round/>
+                      <a:headEnd type="none" w="med" len="med"/>
+                      <a:tailEnd type="none" w="med" len="med"/>
+                    </a:lnB>
+                    <a:solidFill>
+                      <a:srgbClr val="FFFFFF"/>
+                    </a:solidFill>
+                  </a:tcPr>
+                </a:tc>
+              </a:tr>
+              <a:tr h="0">
+                <a:tc>
+                  <a:txBody>
+                    <a:bodyPr/>
+                    <a:lstStyle/>
+                    <a:p>
+                      <a:pPr fontAlgn="t"/>
+                      <a:endParaRPr lang="es-EC">
+                        <a:effectLst/>
+                      </a:endParaRPr>
+                    </a:p>
+                  </a:txBody>
+                  <a:tcPr marL="76200" marR="76200" marT="76200" marB="76200">
+                    <a:lnL>
+                      <a:noFill/>
+                    </a:lnL>
+                    <a:lnR>
+                      <a:noFill/>
+                    </a:lnR>
+                    <a:lnT w="9525" cap="flat" cmpd="sng" algn="ctr">
+                      <a:solidFill>
+                        <a:srgbClr val="DDDDDD"/>
+                      </a:solidFill>
+                      <a:prstDash val="solid"/>
+                      <a:round/>
+                      <a:headEnd type="none" w="med" len="med"/>
+                      <a:tailEnd type="none" w="med" len="med"/>
+                    </a:lnT>
+                    <a:lnB w="9525" cap="flat" cmpd="sng" algn="ctr">
+                      <a:solidFill>
+                        <a:srgbClr val="DDDDDD"/>
+                      </a:solidFill>
+                      <a:prstDash val="solid"/>
+                      <a:round/>
+                      <a:headEnd type="none" w="med" len="med"/>
+                      <a:tailEnd type="none" w="med" len="med"/>
+                    </a:lnB>
+                    <a:solidFill>
+                      <a:srgbClr val="0E9AA7"/>
+                    </a:solidFill>
+                  </a:tcPr>
+                </a:tc>
+                <a:tc>
+                  <a:txBody>
+                    <a:bodyPr/>
+                    <a:lstStyle/>
+                    <a:p>
+                      <a:pPr fontAlgn="t"/>
+                      <a:r>
+                        <a:rPr lang="es-EC" u="none" strike="noStrike">
+                          <a:solidFill>
+                            <a:srgbClr val="428BCA"/>
+                          </a:solidFill>
+                          <a:effectLst/>
+                          <a:hlinkClick r:id="rId18" tooltip="#0e9aa7 color"/>
+                        </a:rPr>
+                        <a:t>#0e9aa7</a:t>
+                      </a:r>
+                      <a:endParaRPr lang="es-EC">
+                        <a:effectLst/>
+                      </a:endParaRPr>
+                    </a:p>
+                  </a:txBody>
+                  <a:tcPr marL="76200" marR="76200" marT="76200" marB="76200">
+                    <a:lnL>
+                      <a:noFill/>
+                    </a:lnL>
+                    <a:lnR>
+                      <a:noFill/>
+                    </a:lnR>
+                    <a:lnT w="9525" cap="flat" cmpd="sng" algn="ctr">
+                      <a:solidFill>
+                        <a:srgbClr val="DDDDDD"/>
+                      </a:solidFill>
+                      <a:prstDash val="solid"/>
+                      <a:round/>
+                      <a:headEnd type="none" w="med" len="med"/>
+                      <a:tailEnd type="none" w="med" len="med"/>
+                    </a:lnT>
+                    <a:lnB w="9525" cap="flat" cmpd="sng" algn="ctr">
+                      <a:solidFill>
+                        <a:srgbClr val="DDDDDD"/>
+                      </a:solidFill>
+                      <a:prstDash val="solid"/>
+                      <a:round/>
+                      <a:headEnd type="none" w="med" len="med"/>
+                      <a:tailEnd type="none" w="med" len="med"/>
+                    </a:lnB>
+                    <a:solidFill>
+                      <a:srgbClr val="FFFFFF"/>
+                    </a:solidFill>
+                  </a:tcPr>
+                </a:tc>
+                <a:tc>
+                  <a:txBody>
+                    <a:bodyPr/>
+                    <a:lstStyle/>
+                    <a:p>
+                      <a:pPr fontAlgn="t"/>
+                      <a:r>
+                        <a:rPr lang="es-EC">
+                          <a:effectLst/>
+                        </a:rPr>
+                        <a:t>(14,154,167)</a:t>
+                      </a:r>
+                    </a:p>
+                  </a:txBody>
+                  <a:tcPr marL="76200" marR="76200" marT="76200" marB="76200">
+                    <a:lnL>
+                      <a:noFill/>
+                    </a:lnL>
+                    <a:lnR>
+                      <a:noFill/>
+                    </a:lnR>
+                    <a:lnT w="9525" cap="flat" cmpd="sng" algn="ctr">
+                      <a:solidFill>
+                        <a:srgbClr val="DDDDDD"/>
+                      </a:solidFill>
+                      <a:prstDash val="solid"/>
+                      <a:round/>
+                      <a:headEnd type="none" w="med" len="med"/>
+                      <a:tailEnd type="none" w="med" len="med"/>
+                    </a:lnT>
+                    <a:lnB w="9525" cap="flat" cmpd="sng" algn="ctr">
+                      <a:solidFill>
+                        <a:srgbClr val="DDDDDD"/>
+                      </a:solidFill>
+                      <a:prstDash val="solid"/>
+                      <a:round/>
+                      <a:headEnd type="none" w="med" len="med"/>
+                      <a:tailEnd type="none" w="med" len="med"/>
+                    </a:lnB>
+                    <a:solidFill>
+                      <a:srgbClr val="FFFFFF"/>
+                    </a:solidFill>
+                  </a:tcPr>
+                </a:tc>
+              </a:tr>
+              <a:tr h="0">
+                <a:tc>
+                  <a:txBody>
+                    <a:bodyPr/>
+                    <a:lstStyle/>
+                    <a:p>
+                      <a:pPr fontAlgn="t"/>
+                      <a:endParaRPr lang="es-EC">
+                        <a:effectLst/>
+                      </a:endParaRPr>
+                    </a:p>
+                  </a:txBody>
+                  <a:tcPr marL="76200" marR="76200" marT="76200" marB="76200">
+                    <a:lnL>
+                      <a:noFill/>
+                    </a:lnL>
+                    <a:lnR>
+                      <a:noFill/>
+                    </a:lnR>
+                    <a:lnT w="9525" cap="flat" cmpd="sng" algn="ctr">
+                      <a:solidFill>
+                        <a:srgbClr val="DDDDDD"/>
+                      </a:solidFill>
+                      <a:prstDash val="solid"/>
+                      <a:round/>
+                      <a:headEnd type="none" w="med" len="med"/>
+                      <a:tailEnd type="none" w="med" len="med"/>
+                    </a:lnT>
+                    <a:lnB w="9525" cap="flat" cmpd="sng" algn="ctr">
+                      <a:solidFill>
+                        <a:srgbClr val="DDDDDD"/>
+                      </a:solidFill>
+                      <a:prstDash val="solid"/>
+                      <a:round/>
+                      <a:headEnd type="none" w="med" len="med"/>
+                      <a:tailEnd type="none" w="med" len="med"/>
+                    </a:lnB>
+                    <a:solidFill>
+                      <a:srgbClr val="3DA4AB"/>
+                    </a:solidFill>
+                  </a:tcPr>
+                </a:tc>
+                <a:tc>
+                  <a:txBody>
+                    <a:bodyPr/>
+                    <a:lstStyle/>
+                    <a:p>
+                      <a:pPr fontAlgn="t"/>
+                      <a:r>
+                        <a:rPr lang="es-EC" u="none" strike="noStrike">
+                          <a:solidFill>
+                            <a:srgbClr val="428BCA"/>
+                          </a:solidFill>
+                          <a:effectLst/>
+                          <a:hlinkClick r:id="rId19" tooltip="#3da4ab color"/>
+                        </a:rPr>
+                        <a:t>#3da4ab</a:t>
+                      </a:r>
+                      <a:endParaRPr lang="es-EC">
+                        <a:effectLst/>
+                      </a:endParaRPr>
+                    </a:p>
+                  </a:txBody>
+                  <a:tcPr marL="76200" marR="76200" marT="76200" marB="76200">
+                    <a:lnL>
+                      <a:noFill/>
+                    </a:lnL>
+                    <a:lnR>
+                      <a:noFill/>
+                    </a:lnR>
+                    <a:lnT w="9525" cap="flat" cmpd="sng" algn="ctr">
+                      <a:solidFill>
+                        <a:srgbClr val="DDDDDD"/>
+                      </a:solidFill>
+                      <a:prstDash val="solid"/>
+                      <a:round/>
+                      <a:headEnd type="none" w="med" len="med"/>
+                      <a:tailEnd type="none" w="med" len="med"/>
+                    </a:lnT>
+                    <a:lnB w="9525" cap="flat" cmpd="sng" algn="ctr">
+                      <a:solidFill>
+                        <a:srgbClr val="DDDDDD"/>
+                      </a:solidFill>
+                      <a:prstDash val="solid"/>
+                      <a:round/>
+                      <a:headEnd type="none" w="med" len="med"/>
+                      <a:tailEnd type="none" w="med" len="med"/>
+                    </a:lnB>
+                    <a:solidFill>
+                      <a:srgbClr val="FFFFFF"/>
+                    </a:solidFill>
+                  </a:tcPr>
+                </a:tc>
+                <a:tc>
+                  <a:txBody>
+                    <a:bodyPr/>
+                    <a:lstStyle/>
+                    <a:p>
+                      <a:pPr fontAlgn="t"/>
+                      <a:r>
+                        <a:rPr lang="es-EC">
+                          <a:effectLst/>
+                        </a:rPr>
+                        <a:t>(61,164,171)</a:t>
+                      </a:r>
+                    </a:p>
+                  </a:txBody>
+                  <a:tcPr marL="76200" marR="76200" marT="76200" marB="76200">
+                    <a:lnL>
+                      <a:noFill/>
+                    </a:lnL>
+                    <a:lnR>
+                      <a:noFill/>
+                    </a:lnR>
+                    <a:lnT w="9525" cap="flat" cmpd="sng" algn="ctr">
+                      <a:solidFill>
+                        <a:srgbClr val="DDDDDD"/>
+                      </a:solidFill>
+                      <a:prstDash val="solid"/>
+                      <a:round/>
+                      <a:headEnd type="none" w="med" len="med"/>
+                      <a:tailEnd type="none" w="med" len="med"/>
+                    </a:lnT>
+                    <a:lnB w="9525" cap="flat" cmpd="sng" algn="ctr">
+                      <a:solidFill>
+                        <a:srgbClr val="DDDDDD"/>
+                      </a:solidFill>
+                      <a:prstDash val="solid"/>
+                      <a:round/>
+                      <a:headEnd type="none" w="med" len="med"/>
+                      <a:tailEnd type="none" w="med" len="med"/>
+                    </a:lnB>
+                    <a:solidFill>
+                      <a:srgbClr val="FFFFFF"/>
+                    </a:solidFill>
+                  </a:tcPr>
+                </a:tc>
+              </a:tr>
+              <a:tr h="0">
+                <a:tc>
+                  <a:txBody>
+                    <a:bodyPr/>
+                    <a:lstStyle/>
+                    <a:p>
+                      <a:pPr fontAlgn="t"/>
+                      <a:endParaRPr lang="es-EC">
+                        <a:effectLst/>
+                      </a:endParaRPr>
+                    </a:p>
+                  </a:txBody>
+                  <a:tcPr marL="76200" marR="76200" marT="76200" marB="76200">
+                    <a:lnL>
+                      <a:noFill/>
+                    </a:lnL>
+                    <a:lnR>
+                      <a:noFill/>
+                    </a:lnR>
+                    <a:lnT w="9525" cap="flat" cmpd="sng" algn="ctr">
+                      <a:solidFill>
+                        <a:srgbClr val="DDDDDD"/>
+                      </a:solidFill>
+                      <a:prstDash val="solid"/>
+                      <a:round/>
+                      <a:headEnd type="none" w="med" len="med"/>
+                      <a:tailEnd type="none" w="med" len="med"/>
+                    </a:lnT>
+                    <a:lnB w="9525" cap="flat" cmpd="sng" algn="ctr">
+                      <a:solidFill>
+                        <a:srgbClr val="DDDDDD"/>
+                      </a:solidFill>
+                      <a:prstDash val="solid"/>
+                      <a:round/>
+                      <a:headEnd type="none" w="med" len="med"/>
+                      <a:tailEnd type="none" w="med" len="med"/>
+                    </a:lnB>
+                    <a:solidFill>
+                      <a:srgbClr val="F6CD61"/>
+                    </a:solidFill>
+                  </a:tcPr>
+                </a:tc>
+                <a:tc>
+                  <a:txBody>
+                    <a:bodyPr/>
+                    <a:lstStyle/>
+                    <a:p>
+                      <a:pPr fontAlgn="t"/>
+                      <a:r>
+                        <a:rPr lang="es-EC" u="none" strike="noStrike">
+                          <a:solidFill>
+                            <a:srgbClr val="428BCA"/>
+                          </a:solidFill>
+                          <a:effectLst/>
+                          <a:hlinkClick r:id="rId20" tooltip="#f6cd61 color"/>
+                        </a:rPr>
+                        <a:t>#f6cd61</a:t>
+                      </a:r>
+                      <a:endParaRPr lang="es-EC">
+                        <a:effectLst/>
+                      </a:endParaRPr>
+                    </a:p>
+                  </a:txBody>
+                  <a:tcPr marL="76200" marR="76200" marT="76200" marB="76200">
+                    <a:lnL>
+                      <a:noFill/>
+                    </a:lnL>
+                    <a:lnR>
+                      <a:noFill/>
+                    </a:lnR>
+                    <a:lnT w="9525" cap="flat" cmpd="sng" algn="ctr">
+                      <a:solidFill>
+                        <a:srgbClr val="DDDDDD"/>
+                      </a:solidFill>
+                      <a:prstDash val="solid"/>
+                      <a:round/>
+                      <a:headEnd type="none" w="med" len="med"/>
+                      <a:tailEnd type="none" w="med" len="med"/>
+                    </a:lnT>
+                    <a:lnB w="9525" cap="flat" cmpd="sng" algn="ctr">
+                      <a:solidFill>
+                        <a:srgbClr val="DDDDDD"/>
+                      </a:solidFill>
+                      <a:prstDash val="solid"/>
+                      <a:round/>
+                      <a:headEnd type="none" w="med" len="med"/>
+                      <a:tailEnd type="none" w="med" len="med"/>
+                    </a:lnB>
+                    <a:solidFill>
+                      <a:srgbClr val="FFFFFF"/>
+                    </a:solidFill>
+                  </a:tcPr>
+                </a:tc>
+                <a:tc>
+                  <a:txBody>
+                    <a:bodyPr/>
+                    <a:lstStyle/>
+                    <a:p>
+                      <a:pPr fontAlgn="t"/>
+                      <a:r>
+                        <a:rPr lang="es-EC">
+                          <a:effectLst/>
+                        </a:rPr>
+                        <a:t>(246,205,97)</a:t>
+                      </a:r>
+                    </a:p>
+                  </a:txBody>
+                  <a:tcPr marL="76200" marR="76200" marT="76200" marB="76200">
+                    <a:lnL>
+                      <a:noFill/>
+                    </a:lnL>
+                    <a:lnR>
+                      <a:noFill/>
+                    </a:lnR>
+                    <a:lnT w="9525" cap="flat" cmpd="sng" algn="ctr">
+                      <a:solidFill>
+                        <a:srgbClr val="DDDDDD"/>
+                      </a:solidFill>
+                      <a:prstDash val="solid"/>
+                      <a:round/>
+                      <a:headEnd type="none" w="med" len="med"/>
+                      <a:tailEnd type="none" w="med" len="med"/>
+                    </a:lnT>
+                    <a:lnB w="9525" cap="flat" cmpd="sng" algn="ctr">
+                      <a:solidFill>
+                        <a:srgbClr val="DDDDDD"/>
+                      </a:solidFill>
+                      <a:prstDash val="solid"/>
+                      <a:round/>
+                      <a:headEnd type="none" w="med" len="med"/>
+                      <a:tailEnd type="none" w="med" len="med"/>
+                    </a:lnB>
+                    <a:solidFill>
+                      <a:srgbClr val="FFFFFF"/>
+                    </a:solidFill>
+                  </a:tcPr>
+                </a:tc>
+              </a:tr>
+              <a:tr h="0">
+                <a:tc>
+                  <a:txBody>
+                    <a:bodyPr/>
+                    <a:lstStyle/>
+                    <a:p>
+                      <a:pPr fontAlgn="t"/>
+                      <a:endParaRPr lang="es-EC">
+                        <a:effectLst/>
+                      </a:endParaRPr>
+                    </a:p>
+                  </a:txBody>
+                  <a:tcPr marL="76200" marR="76200" marT="76200" marB="76200">
+                    <a:lnL>
+                      <a:noFill/>
+                    </a:lnL>
+                    <a:lnR>
+                      <a:noFill/>
+                    </a:lnR>
+                    <a:lnT w="9525" cap="flat" cmpd="sng" algn="ctr">
+                      <a:solidFill>
+                        <a:srgbClr val="DDDDDD"/>
+                      </a:solidFill>
+                      <a:prstDash val="solid"/>
+                      <a:round/>
+                      <a:headEnd type="none" w="med" len="med"/>
+                      <a:tailEnd type="none" w="med" len="med"/>
+                    </a:lnT>
+                    <a:lnB>
+                      <a:noFill/>
+                    </a:lnB>
+                    <a:solidFill>
+                      <a:srgbClr val="FE8A71"/>
+                    </a:solidFill>
+                  </a:tcPr>
+                </a:tc>
+                <a:tc>
+                  <a:txBody>
+                    <a:bodyPr/>
+                    <a:lstStyle/>
+                    <a:p>
+                      <a:pPr fontAlgn="t"/>
+                      <a:r>
+                        <a:rPr lang="es-EC" u="none" strike="noStrike">
+                          <a:solidFill>
+                            <a:srgbClr val="428BCA"/>
+                          </a:solidFill>
+                          <a:effectLst/>
+                          <a:hlinkClick r:id="rId21" tooltip="#fe8a71 color"/>
+                        </a:rPr>
+                        <a:t>#fe8a71</a:t>
+                      </a:r>
+                      <a:endParaRPr lang="es-EC">
+                        <a:effectLst/>
+                      </a:endParaRPr>
+                    </a:p>
+                  </a:txBody>
+                  <a:tcPr marL="76200" marR="76200" marT="76200" marB="76200">
+                    <a:lnL>
+                      <a:noFill/>
+                    </a:lnL>
+                    <a:lnR>
+                      <a:noFill/>
+                    </a:lnR>
+                    <a:lnT w="9525" cap="flat" cmpd="sng" algn="ctr">
+                      <a:solidFill>
+                        <a:srgbClr val="DDDDDD"/>
+                      </a:solidFill>
+                      <a:prstDash val="solid"/>
+                      <a:round/>
+                      <a:headEnd type="none" w="med" len="med"/>
+                      <a:tailEnd type="none" w="med" len="med"/>
+                    </a:lnT>
+                    <a:lnB>
+                      <a:noFill/>
+                    </a:lnB>
+                    <a:solidFill>
+                      <a:srgbClr val="FFFFFF"/>
+                    </a:solidFill>
+                  </a:tcPr>
+                </a:tc>
+                <a:tc>
+                  <a:txBody>
+                    <a:bodyPr/>
+                    <a:lstStyle/>
+                    <a:p>
+                      <a:pPr fontAlgn="t"/>
+                      <a:r>
+                        <a:rPr lang="es-EC" dirty="0">
+                          <a:effectLst/>
+                        </a:rPr>
+                        <a:t>(254,138,113)</a:t>
+                      </a:r>
+                    </a:p>
+                  </a:txBody>
+                  <a:tcPr marL="76200" marR="76200" marT="76200" marB="76200">
+                    <a:lnL>
+                      <a:noFill/>
+                    </a:lnL>
+                    <a:lnR>
+                      <a:noFill/>
+                    </a:lnR>
+                    <a:lnT w="9525" cap="flat" cmpd="sng" algn="ctr">
+                      <a:solidFill>
+                        <a:srgbClr val="DDDDDD"/>
+                      </a:solidFill>
+                      <a:prstDash val="solid"/>
+                      <a:round/>
+                      <a:headEnd type="none" w="med" len="med"/>
+                      <a:tailEnd type="none" w="med" len="med"/>
+                    </a:lnT>
+                    <a:lnB>
+                      <a:noFill/>
+                    </a:lnB>
+                    <a:solidFill>
+                      <a:srgbClr val="FFFFFF"/>
+                    </a:solidFill>
+                  </a:tcPr>
+                </a:tc>
+              </a:tr>
+            </a:tbl>
+          </a:graphicData>
+        </a:graphic>
+      </p:graphicFrame>
+    </p:spTree>
+    <p:extLst>
+      <p:ext uri="{BB962C8B-B14F-4D97-AF65-F5344CB8AC3E}">
+        <p14:creationId xmlns:p14="http://schemas.microsoft.com/office/powerpoint/2010/main" val="1908118186"/>
+      </p:ext>
+    </p:extLst>
+  </p:cSld>
+  <p:clrMapOvr>
+    <a:masterClrMapping/>
+  </p:clrMapOvr>
+</p:sld>
+</file>
+
+<file path=ppt/slides/slide6.xml><?xml version="1.0" encoding="utf-8"?>
+<p:sld xmlns:a="http://schemas.openxmlformats.org/drawingml/2006/main" xmlns:r="http://schemas.openxmlformats.org/officeDocument/2006/relationships" xmlns:p="http://schemas.openxmlformats.org/presentationml/2006/main">
+  <p:cSld>
+    <p:spTree>
+      <p:nvGrpSpPr>
+        <p:cNvPr id="1" name=""/>
+        <p:cNvGrpSpPr/>
+        <p:nvPr/>
+      </p:nvGrpSpPr>
+      <p:grpSpPr>
+        <a:xfrm>
+          <a:off x="0" y="0"/>
+          <a:ext cx="0" cy="0"/>
+          <a:chOff x="0" y="0"/>
+          <a:chExt cx="0" cy="0"/>
+        </a:xfrm>
+      </p:grpSpPr>
+      <p:graphicFrame>
+        <p:nvGraphicFramePr>
+          <p:cNvPr id="4" name="Tabla 3"/>
+          <p:cNvGraphicFramePr>
+            <a:graphicFrameLocks noGrp="1"/>
+          </p:cNvGraphicFramePr>
+          <p:nvPr>
+            <p:extLst>
+              <p:ext uri="{D42A27DB-BD31-4B8C-83A1-F6EECF244321}">
+                <p14:modId xmlns:p14="http://schemas.microsoft.com/office/powerpoint/2010/main" val="3594977053"/>
+              </p:ext>
+            </p:extLst>
+          </p:nvPr>
+        </p:nvGraphicFramePr>
+        <p:xfrm>
+          <a:off x="810512" y="644361"/>
+          <a:ext cx="4619625" cy="2560320"/>
+        </p:xfrm>
+        <a:graphic>
+          <a:graphicData uri="http://schemas.openxmlformats.org/drawingml/2006/table">
+            <a:tbl>
+              <a:tblPr/>
+              <a:tblGrid>
+                <a:gridCol w="1539875"/>
+                <a:gridCol w="1539875"/>
+                <a:gridCol w="1539875"/>
+              </a:tblGrid>
+              <a:tr h="0">
+                <a:tc>
+                  <a:txBody>
+                    <a:bodyPr/>
+                    <a:lstStyle/>
+                    <a:p>
+                      <a:pPr algn="l" fontAlgn="t"/>
+                      <a:r>
+                        <a:rPr lang="es-EC">
+                          <a:effectLst/>
+                        </a:rPr>
+                        <a:t>Color</a:t>
+                      </a:r>
+                    </a:p>
+                  </a:txBody>
+                  <a:tcPr marL="76200" marR="76200" marT="76200" marB="76200">
+                    <a:lnL>
+                      <a:noFill/>
+                    </a:lnL>
+                    <a:lnR>
+                      <a:noFill/>
+                    </a:lnR>
+                    <a:lnT w="9525" cap="flat" cmpd="sng" algn="ctr">
+                      <a:solidFill>
+                        <a:srgbClr val="DDDDDD"/>
+                      </a:solidFill>
+                      <a:prstDash val="solid"/>
+                      <a:round/>
+                      <a:headEnd type="none" w="med" len="med"/>
+                      <a:tailEnd type="none" w="med" len="med"/>
+                    </a:lnT>
+                    <a:lnB w="9525" cap="flat" cmpd="sng" algn="ctr">
+                      <a:solidFill>
+                        <a:srgbClr val="DDDDDD"/>
+                      </a:solidFill>
+                      <a:prstDash val="solid"/>
+                      <a:round/>
+                      <a:headEnd type="none" w="med" len="med"/>
+                      <a:tailEnd type="none" w="med" len="med"/>
+                    </a:lnB>
+                    <a:solidFill>
+                      <a:srgbClr val="FFFFFF"/>
+                    </a:solidFill>
+                  </a:tcPr>
+                </a:tc>
+                <a:tc>
+                  <a:txBody>
+                    <a:bodyPr/>
+                    <a:lstStyle/>
+                    <a:p>
+                      <a:pPr algn="l" fontAlgn="t"/>
+                      <a:r>
+                        <a:rPr lang="es-EC">
+                          <a:effectLst/>
+                        </a:rPr>
+                        <a:t>Hex</a:t>
+                      </a:r>
+                    </a:p>
+                  </a:txBody>
+                  <a:tcPr marL="76200" marR="76200" marT="76200" marB="76200">
+                    <a:lnL>
+                      <a:noFill/>
+                    </a:lnL>
+                    <a:lnR>
+                      <a:noFill/>
+                    </a:lnR>
+                    <a:lnT w="9525" cap="flat" cmpd="sng" algn="ctr">
+                      <a:solidFill>
+                        <a:srgbClr val="DDDDDD"/>
+                      </a:solidFill>
+                      <a:prstDash val="solid"/>
+                      <a:round/>
+                      <a:headEnd type="none" w="med" len="med"/>
+                      <a:tailEnd type="none" w="med" len="med"/>
+                    </a:lnT>
+                    <a:lnB w="9525" cap="flat" cmpd="sng" algn="ctr">
+                      <a:solidFill>
+                        <a:srgbClr val="DDDDDD"/>
+                      </a:solidFill>
+                      <a:prstDash val="solid"/>
+                      <a:round/>
+                      <a:headEnd type="none" w="med" len="med"/>
+                      <a:tailEnd type="none" w="med" len="med"/>
+                    </a:lnB>
+                    <a:solidFill>
+                      <a:srgbClr val="FFFFFF"/>
+                    </a:solidFill>
+                  </a:tcPr>
+                </a:tc>
+                <a:tc>
+                  <a:txBody>
+                    <a:bodyPr/>
+                    <a:lstStyle/>
+                    <a:p>
+                      <a:pPr algn="l" fontAlgn="t"/>
+                      <a:r>
+                        <a:rPr lang="es-EC">
+                          <a:effectLst/>
+                        </a:rPr>
+                        <a:t>RGB</a:t>
+                      </a:r>
+                    </a:p>
+                  </a:txBody>
+                  <a:tcPr marL="76200" marR="76200" marT="76200" marB="76200">
+                    <a:lnL>
+                      <a:noFill/>
+                    </a:lnL>
+                    <a:lnR>
+                      <a:noFill/>
+                    </a:lnR>
+                    <a:lnT w="9525" cap="flat" cmpd="sng" algn="ctr">
+                      <a:solidFill>
+                        <a:srgbClr val="DDDDDD"/>
+                      </a:solidFill>
+                      <a:prstDash val="solid"/>
+                      <a:round/>
+                      <a:headEnd type="none" w="med" len="med"/>
+                      <a:tailEnd type="none" w="med" len="med"/>
+                    </a:lnT>
+                    <a:lnB w="9525" cap="flat" cmpd="sng" algn="ctr">
+                      <a:solidFill>
+                        <a:srgbClr val="DDDDDD"/>
+                      </a:solidFill>
+                      <a:prstDash val="solid"/>
+                      <a:round/>
+                      <a:headEnd type="none" w="med" len="med"/>
+                      <a:tailEnd type="none" w="med" len="med"/>
+                    </a:lnB>
+                    <a:solidFill>
+                      <a:srgbClr val="FFFFFF"/>
+                    </a:solidFill>
+                  </a:tcPr>
+                </a:tc>
+              </a:tr>
+              <a:tr h="0">
+                <a:tc>
+                  <a:txBody>
+                    <a:bodyPr/>
+                    <a:lstStyle/>
+                    <a:p>
+                      <a:pPr fontAlgn="t"/>
+                      <a:endParaRPr lang="es-EC">
+                        <a:effectLst/>
+                      </a:endParaRPr>
+                    </a:p>
+                  </a:txBody>
+                  <a:tcPr marL="76200" marR="76200" marT="76200" marB="76200">
+                    <a:lnL>
+                      <a:noFill/>
+                    </a:lnL>
+                    <a:lnR>
+                      <a:noFill/>
+                    </a:lnR>
+                    <a:lnT w="9525" cap="flat" cmpd="sng" algn="ctr">
+                      <a:solidFill>
+                        <a:srgbClr val="DDDDDD"/>
+                      </a:solidFill>
+                      <a:prstDash val="solid"/>
+                      <a:round/>
+                      <a:headEnd type="none" w="med" len="med"/>
+                      <a:tailEnd type="none" w="med" len="med"/>
+                    </a:lnT>
+                    <a:lnB w="9525" cap="flat" cmpd="sng" algn="ctr">
+                      <a:solidFill>
+                        <a:srgbClr val="DDDDDD"/>
+                      </a:solidFill>
+                      <a:prstDash val="solid"/>
+                      <a:round/>
+                      <a:headEnd type="none" w="med" len="med"/>
+                      <a:tailEnd type="none" w="med" len="med"/>
+                    </a:lnB>
+                    <a:solidFill>
+                      <a:srgbClr val="F0B33F"/>
+                    </a:solidFill>
+                  </a:tcPr>
+                </a:tc>
+                <a:tc>
+                  <a:txBody>
+                    <a:bodyPr/>
+                    <a:lstStyle/>
+                    <a:p>
+                      <a:pPr fontAlgn="t"/>
+                      <a:r>
+                        <a:rPr lang="es-EC" u="none" strike="noStrike">
+                          <a:solidFill>
+                            <a:srgbClr val="428BCA"/>
+                          </a:solidFill>
+                          <a:effectLst/>
+                          <a:hlinkClick r:id="rId2" tooltip="#f0b33f color"/>
+                        </a:rPr>
+                        <a:t>#f0b33f</a:t>
+                      </a:r>
+                      <a:endParaRPr lang="es-EC">
+                        <a:effectLst/>
+                      </a:endParaRPr>
+                    </a:p>
+                  </a:txBody>
+                  <a:tcPr marL="76200" marR="76200" marT="76200" marB="76200">
+                    <a:lnL>
+                      <a:noFill/>
+                    </a:lnL>
+                    <a:lnR>
+                      <a:noFill/>
+                    </a:lnR>
+                    <a:lnT w="9525" cap="flat" cmpd="sng" algn="ctr">
+                      <a:solidFill>
+                        <a:srgbClr val="DDDDDD"/>
+                      </a:solidFill>
+                      <a:prstDash val="solid"/>
+                      <a:round/>
+                      <a:headEnd type="none" w="med" len="med"/>
+                      <a:tailEnd type="none" w="med" len="med"/>
+                    </a:lnT>
+                    <a:lnB w="9525" cap="flat" cmpd="sng" algn="ctr">
+                      <a:solidFill>
+                        <a:srgbClr val="DDDDDD"/>
+                      </a:solidFill>
+                      <a:prstDash val="solid"/>
+                      <a:round/>
+                      <a:headEnd type="none" w="med" len="med"/>
+                      <a:tailEnd type="none" w="med" len="med"/>
+                    </a:lnB>
+                    <a:solidFill>
+                      <a:srgbClr val="FFFFFF"/>
+                    </a:solidFill>
+                  </a:tcPr>
+                </a:tc>
+                <a:tc>
+                  <a:txBody>
+                    <a:bodyPr/>
+                    <a:lstStyle/>
+                    <a:p>
+                      <a:pPr fontAlgn="t"/>
+                      <a:r>
+                        <a:rPr lang="es-EC">
+                          <a:effectLst/>
+                        </a:rPr>
+                        <a:t>(240,179,63)</a:t>
+                      </a:r>
+                    </a:p>
+                  </a:txBody>
+                  <a:tcPr marL="76200" marR="76200" marT="76200" marB="76200">
+                    <a:lnL>
+                      <a:noFill/>
+                    </a:lnL>
+                    <a:lnR>
+                      <a:noFill/>
+                    </a:lnR>
+                    <a:lnT w="9525" cap="flat" cmpd="sng" algn="ctr">
+                      <a:solidFill>
+                        <a:srgbClr val="DDDDDD"/>
+                      </a:solidFill>
+                      <a:prstDash val="solid"/>
+                      <a:round/>
+                      <a:headEnd type="none" w="med" len="med"/>
+                      <a:tailEnd type="none" w="med" len="med"/>
+                    </a:lnT>
+                    <a:lnB w="9525" cap="flat" cmpd="sng" algn="ctr">
+                      <a:solidFill>
+                        <a:srgbClr val="DDDDDD"/>
+                      </a:solidFill>
+                      <a:prstDash val="solid"/>
+                      <a:round/>
+                      <a:headEnd type="none" w="med" len="med"/>
+                      <a:tailEnd type="none" w="med" len="med"/>
+                    </a:lnB>
+                    <a:solidFill>
+                      <a:srgbClr val="FFFFFF"/>
+                    </a:solidFill>
+                  </a:tcPr>
+                </a:tc>
+              </a:tr>
+              <a:tr h="0">
+                <a:tc>
+                  <a:txBody>
+                    <a:bodyPr/>
+                    <a:lstStyle/>
+                    <a:p>
+                      <a:pPr fontAlgn="t"/>
+                      <a:endParaRPr lang="es-EC">
+                        <a:effectLst/>
+                      </a:endParaRPr>
+                    </a:p>
+                  </a:txBody>
+                  <a:tcPr marL="76200" marR="76200" marT="76200" marB="76200">
+                    <a:lnL>
+                      <a:noFill/>
+                    </a:lnL>
+                    <a:lnR>
+                      <a:noFill/>
+                    </a:lnR>
+                    <a:lnT w="9525" cap="flat" cmpd="sng" algn="ctr">
+                      <a:solidFill>
+                        <a:srgbClr val="DDDDDD"/>
+                      </a:solidFill>
+                      <a:prstDash val="solid"/>
+                      <a:round/>
+                      <a:headEnd type="none" w="med" len="med"/>
+                      <a:tailEnd type="none" w="med" len="med"/>
+                    </a:lnT>
+                    <a:lnB w="9525" cap="flat" cmpd="sng" algn="ctr">
+                      <a:solidFill>
+                        <a:srgbClr val="DDDDDD"/>
+                      </a:solidFill>
+                      <a:prstDash val="solid"/>
+                      <a:round/>
+                      <a:headEnd type="none" w="med" len="med"/>
+                      <a:tailEnd type="none" w="med" len="med"/>
+                    </a:lnB>
+                    <a:solidFill>
+                      <a:srgbClr val="F0702A"/>
+                    </a:solidFill>
+                  </a:tcPr>
+                </a:tc>
+                <a:tc>
+                  <a:txBody>
+                    <a:bodyPr/>
+                    <a:lstStyle/>
+                    <a:p>
+                      <a:pPr fontAlgn="t"/>
+                      <a:r>
+                        <a:rPr lang="es-EC" u="none" strike="noStrike">
+                          <a:solidFill>
+                            <a:srgbClr val="428BCA"/>
+                          </a:solidFill>
+                          <a:effectLst/>
+                          <a:hlinkClick r:id="rId3" tooltip="#f0702a color"/>
+                        </a:rPr>
+                        <a:t>#f0702a</a:t>
+                      </a:r>
+                      <a:endParaRPr lang="es-EC">
+                        <a:effectLst/>
+                      </a:endParaRPr>
+                    </a:p>
+                  </a:txBody>
+                  <a:tcPr marL="76200" marR="76200" marT="76200" marB="76200">
+                    <a:lnL>
+                      <a:noFill/>
+                    </a:lnL>
+                    <a:lnR>
+                      <a:noFill/>
+                    </a:lnR>
+                    <a:lnT w="9525" cap="flat" cmpd="sng" algn="ctr">
+                      <a:solidFill>
+                        <a:srgbClr val="DDDDDD"/>
+                      </a:solidFill>
+                      <a:prstDash val="solid"/>
+                      <a:round/>
+                      <a:headEnd type="none" w="med" len="med"/>
+                      <a:tailEnd type="none" w="med" len="med"/>
+                    </a:lnT>
+                    <a:lnB w="9525" cap="flat" cmpd="sng" algn="ctr">
+                      <a:solidFill>
+                        <a:srgbClr val="DDDDDD"/>
+                      </a:solidFill>
+                      <a:prstDash val="solid"/>
+                      <a:round/>
+                      <a:headEnd type="none" w="med" len="med"/>
+                      <a:tailEnd type="none" w="med" len="med"/>
+                    </a:lnB>
+                    <a:solidFill>
+                      <a:srgbClr val="FFFFFF"/>
+                    </a:solidFill>
+                  </a:tcPr>
+                </a:tc>
+                <a:tc>
+                  <a:txBody>
+                    <a:bodyPr/>
+                    <a:lstStyle/>
+                    <a:p>
+                      <a:pPr fontAlgn="t"/>
+                      <a:r>
+                        <a:rPr lang="es-EC">
+                          <a:effectLst/>
+                        </a:rPr>
+                        <a:t>(240,112,42)</a:t>
+                      </a:r>
+                    </a:p>
+                  </a:txBody>
+                  <a:tcPr marL="76200" marR="76200" marT="76200" marB="76200">
+                    <a:lnL>
+                      <a:noFill/>
+                    </a:lnL>
+                    <a:lnR>
+                      <a:noFill/>
+                    </a:lnR>
+                    <a:lnT w="9525" cap="flat" cmpd="sng" algn="ctr">
+                      <a:solidFill>
+                        <a:srgbClr val="DDDDDD"/>
+                      </a:solidFill>
+                      <a:prstDash val="solid"/>
+                      <a:round/>
+                      <a:headEnd type="none" w="med" len="med"/>
+                      <a:tailEnd type="none" w="med" len="med"/>
+                    </a:lnT>
+                    <a:lnB w="9525" cap="flat" cmpd="sng" algn="ctr">
+                      <a:solidFill>
+                        <a:srgbClr val="DDDDDD"/>
+                      </a:solidFill>
+                      <a:prstDash val="solid"/>
+                      <a:round/>
+                      <a:headEnd type="none" w="med" len="med"/>
+                      <a:tailEnd type="none" w="med" len="med"/>
+                    </a:lnB>
+                    <a:solidFill>
+                      <a:srgbClr val="FFFFFF"/>
+                    </a:solidFill>
+                  </a:tcPr>
+                </a:tc>
+              </a:tr>
+              <a:tr h="0">
+                <a:tc>
+                  <a:txBody>
+                    <a:bodyPr/>
+                    <a:lstStyle/>
+                    <a:p>
+                      <a:pPr fontAlgn="t"/>
+                      <a:endParaRPr lang="es-EC">
+                        <a:effectLst/>
+                      </a:endParaRPr>
+                    </a:p>
+                  </a:txBody>
+                  <a:tcPr marL="76200" marR="76200" marT="76200" marB="76200">
+                    <a:lnL>
+                      <a:noFill/>
+                    </a:lnL>
+                    <a:lnR>
+                      <a:noFill/>
+                    </a:lnR>
+                    <a:lnT w="9525" cap="flat" cmpd="sng" algn="ctr">
+                      <a:solidFill>
+                        <a:srgbClr val="DDDDDD"/>
+                      </a:solidFill>
+                      <a:prstDash val="solid"/>
+                      <a:round/>
+                      <a:headEnd type="none" w="med" len="med"/>
+                      <a:tailEnd type="none" w="med" len="med"/>
+                    </a:lnT>
+                    <a:lnB w="9525" cap="flat" cmpd="sng" algn="ctr">
+                      <a:solidFill>
+                        <a:srgbClr val="DDDDDD"/>
+                      </a:solidFill>
+                      <a:prstDash val="solid"/>
+                      <a:round/>
+                      <a:headEnd type="none" w="med" len="med"/>
+                      <a:tailEnd type="none" w="med" len="med"/>
+                    </a:lnB>
+                    <a:solidFill>
+                      <a:srgbClr val="FD2849"/>
+                    </a:solidFill>
+                  </a:tcPr>
+                </a:tc>
+                <a:tc>
+                  <a:txBody>
+                    <a:bodyPr/>
+                    <a:lstStyle/>
+                    <a:p>
+                      <a:pPr fontAlgn="t"/>
+                      <a:r>
+                        <a:rPr lang="es-EC" u="none" strike="noStrike">
+                          <a:solidFill>
+                            <a:srgbClr val="428BCA"/>
+                          </a:solidFill>
+                          <a:effectLst/>
+                          <a:hlinkClick r:id="rId4" tooltip="#fd2849 color"/>
+                        </a:rPr>
+                        <a:t>#fd2849</a:t>
+                      </a:r>
+                      <a:endParaRPr lang="es-EC">
+                        <a:effectLst/>
+                      </a:endParaRPr>
+                    </a:p>
+                  </a:txBody>
+                  <a:tcPr marL="76200" marR="76200" marT="76200" marB="76200">
+                    <a:lnL>
+                      <a:noFill/>
+                    </a:lnL>
+                    <a:lnR>
+                      <a:noFill/>
+                    </a:lnR>
+                    <a:lnT w="9525" cap="flat" cmpd="sng" algn="ctr">
+                      <a:solidFill>
+                        <a:srgbClr val="DDDDDD"/>
+                      </a:solidFill>
+                      <a:prstDash val="solid"/>
+                      <a:round/>
+                      <a:headEnd type="none" w="med" len="med"/>
+                      <a:tailEnd type="none" w="med" len="med"/>
+                    </a:lnT>
+                    <a:lnB w="9525" cap="flat" cmpd="sng" algn="ctr">
+                      <a:solidFill>
+                        <a:srgbClr val="DDDDDD"/>
+                      </a:solidFill>
+                      <a:prstDash val="solid"/>
+                      <a:round/>
+                      <a:headEnd type="none" w="med" len="med"/>
+                      <a:tailEnd type="none" w="med" len="med"/>
+                    </a:lnB>
+                    <a:solidFill>
+                      <a:srgbClr val="FFFFFF"/>
+                    </a:solidFill>
+                  </a:tcPr>
+                </a:tc>
+                <a:tc>
+                  <a:txBody>
+                    <a:bodyPr/>
+                    <a:lstStyle/>
+                    <a:p>
+                      <a:pPr fontAlgn="t"/>
+                      <a:r>
+                        <a:rPr lang="es-EC">
+                          <a:effectLst/>
+                        </a:rPr>
+                        <a:t>(253,40,73)</a:t>
+                      </a:r>
+                    </a:p>
+                  </a:txBody>
+                  <a:tcPr marL="76200" marR="76200" marT="76200" marB="76200">
+                    <a:lnL>
+                      <a:noFill/>
+                    </a:lnL>
+                    <a:lnR>
+                      <a:noFill/>
+                    </a:lnR>
+                    <a:lnT w="9525" cap="flat" cmpd="sng" algn="ctr">
+                      <a:solidFill>
+                        <a:srgbClr val="DDDDDD"/>
+                      </a:solidFill>
+                      <a:prstDash val="solid"/>
+                      <a:round/>
+                      <a:headEnd type="none" w="med" len="med"/>
+                      <a:tailEnd type="none" w="med" len="med"/>
+                    </a:lnT>
+                    <a:lnB w="9525" cap="flat" cmpd="sng" algn="ctr">
+                      <a:solidFill>
+                        <a:srgbClr val="DDDDDD"/>
+                      </a:solidFill>
+                      <a:prstDash val="solid"/>
+                      <a:round/>
+                      <a:headEnd type="none" w="med" len="med"/>
+                      <a:tailEnd type="none" w="med" len="med"/>
+                    </a:lnB>
+                    <a:solidFill>
+                      <a:srgbClr val="FFFFFF"/>
+                    </a:solidFill>
+                  </a:tcPr>
+                </a:tc>
+              </a:tr>
+              <a:tr h="0">
+                <a:tc>
+                  <a:txBody>
+                    <a:bodyPr/>
+                    <a:lstStyle/>
+                    <a:p>
+                      <a:pPr fontAlgn="t"/>
+                      <a:endParaRPr lang="es-EC">
+                        <a:effectLst/>
+                      </a:endParaRPr>
+                    </a:p>
+                  </a:txBody>
+                  <a:tcPr marL="76200" marR="76200" marT="76200" marB="76200">
+                    <a:lnL>
+                      <a:noFill/>
+                    </a:lnL>
+                    <a:lnR>
+                      <a:noFill/>
+                    </a:lnR>
+                    <a:lnT w="9525" cap="flat" cmpd="sng" algn="ctr">
+                      <a:solidFill>
+                        <a:srgbClr val="DDDDDD"/>
+                      </a:solidFill>
+                      <a:prstDash val="solid"/>
+                      <a:round/>
+                      <a:headEnd type="none" w="med" len="med"/>
+                      <a:tailEnd type="none" w="med" len="med"/>
+                    </a:lnT>
+                    <a:lnB w="9525" cap="flat" cmpd="sng" algn="ctr">
+                      <a:solidFill>
+                        <a:srgbClr val="DDDDDD"/>
+                      </a:solidFill>
+                      <a:prstDash val="solid"/>
+                      <a:round/>
+                      <a:headEnd type="none" w="med" len="med"/>
+                      <a:tailEnd type="none" w="med" len="med"/>
+                    </a:lnB>
+                    <a:solidFill>
+                      <a:srgbClr val="49A6DF"/>
+                    </a:solidFill>
+                  </a:tcPr>
+                </a:tc>
+                <a:tc>
+                  <a:txBody>
+                    <a:bodyPr/>
+                    <a:lstStyle/>
+                    <a:p>
+                      <a:pPr fontAlgn="t"/>
+                      <a:r>
+                        <a:rPr lang="es-EC" u="none" strike="noStrike">
+                          <a:solidFill>
+                            <a:srgbClr val="428BCA"/>
+                          </a:solidFill>
+                          <a:effectLst/>
+                          <a:hlinkClick r:id="rId5" tooltip="#49a6df color"/>
+                        </a:rPr>
+                        <a:t>#49a6df</a:t>
+                      </a:r>
+                      <a:endParaRPr lang="es-EC">
+                        <a:effectLst/>
+                      </a:endParaRPr>
+                    </a:p>
+                  </a:txBody>
+                  <a:tcPr marL="76200" marR="76200" marT="76200" marB="76200">
+                    <a:lnL>
+                      <a:noFill/>
+                    </a:lnL>
+                    <a:lnR>
+                      <a:noFill/>
+                    </a:lnR>
+                    <a:lnT w="9525" cap="flat" cmpd="sng" algn="ctr">
+                      <a:solidFill>
+                        <a:srgbClr val="DDDDDD"/>
+                      </a:solidFill>
+                      <a:prstDash val="solid"/>
+                      <a:round/>
+                      <a:headEnd type="none" w="med" len="med"/>
+                      <a:tailEnd type="none" w="med" len="med"/>
+                    </a:lnT>
+                    <a:lnB w="9525" cap="flat" cmpd="sng" algn="ctr">
+                      <a:solidFill>
+                        <a:srgbClr val="DDDDDD"/>
+                      </a:solidFill>
+                      <a:prstDash val="solid"/>
+                      <a:round/>
+                      <a:headEnd type="none" w="med" len="med"/>
+                      <a:tailEnd type="none" w="med" len="med"/>
+                    </a:lnB>
+                    <a:solidFill>
+                      <a:srgbClr val="FFFFFF"/>
+                    </a:solidFill>
+                  </a:tcPr>
+                </a:tc>
+                <a:tc>
+                  <a:txBody>
+                    <a:bodyPr/>
+                    <a:lstStyle/>
+                    <a:p>
+                      <a:pPr fontAlgn="t"/>
+                      <a:r>
+                        <a:rPr lang="es-EC">
+                          <a:effectLst/>
+                        </a:rPr>
+                        <a:t>(73,166,223)</a:t>
+                      </a:r>
+                    </a:p>
+                  </a:txBody>
+                  <a:tcPr marL="76200" marR="76200" marT="76200" marB="76200">
+                    <a:lnL>
+                      <a:noFill/>
+                    </a:lnL>
+                    <a:lnR>
+                      <a:noFill/>
+                    </a:lnR>
+                    <a:lnT w="9525" cap="flat" cmpd="sng" algn="ctr">
+                      <a:solidFill>
+                        <a:srgbClr val="DDDDDD"/>
+                      </a:solidFill>
+                      <a:prstDash val="solid"/>
+                      <a:round/>
+                      <a:headEnd type="none" w="med" len="med"/>
+                      <a:tailEnd type="none" w="med" len="med"/>
+                    </a:lnT>
+                    <a:lnB w="9525" cap="flat" cmpd="sng" algn="ctr">
+                      <a:solidFill>
+                        <a:srgbClr val="DDDDDD"/>
+                      </a:solidFill>
+                      <a:prstDash val="solid"/>
+                      <a:round/>
+                      <a:headEnd type="none" w="med" len="med"/>
+                      <a:tailEnd type="none" w="med" len="med"/>
+                    </a:lnB>
+                    <a:solidFill>
+                      <a:srgbClr val="FFFFFF"/>
+                    </a:solidFill>
+                  </a:tcPr>
+                </a:tc>
+              </a:tr>
+              <a:tr h="0">
+                <a:tc>
+                  <a:txBody>
+                    <a:bodyPr/>
+                    <a:lstStyle/>
+                    <a:p>
+                      <a:pPr fontAlgn="t"/>
+                      <a:endParaRPr lang="es-EC">
+                        <a:effectLst/>
+                      </a:endParaRPr>
+                    </a:p>
+                  </a:txBody>
+                  <a:tcPr marL="76200" marR="76200" marT="76200" marB="76200">
+                    <a:lnL>
+                      <a:noFill/>
+                    </a:lnL>
+                    <a:lnR>
+                      <a:noFill/>
+                    </a:lnR>
+                    <a:lnT w="9525" cap="flat" cmpd="sng" algn="ctr">
+                      <a:solidFill>
+                        <a:srgbClr val="DDDDDD"/>
+                      </a:solidFill>
+                      <a:prstDash val="solid"/>
+                      <a:round/>
+                      <a:headEnd type="none" w="med" len="med"/>
+                      <a:tailEnd type="none" w="med" len="med"/>
+                    </a:lnT>
+                    <a:lnB>
+                      <a:noFill/>
+                    </a:lnB>
+                    <a:solidFill>
+                      <a:srgbClr val="215BD8"/>
+                    </a:solidFill>
+                  </a:tcPr>
+                </a:tc>
+                <a:tc>
+                  <a:txBody>
+                    <a:bodyPr/>
+                    <a:lstStyle/>
+                    <a:p>
+                      <a:pPr fontAlgn="t"/>
+                      <a:r>
+                        <a:rPr lang="es-EC" u="none" strike="noStrike">
+                          <a:solidFill>
+                            <a:srgbClr val="428BCA"/>
+                          </a:solidFill>
+                          <a:effectLst/>
+                          <a:hlinkClick r:id="rId6" tooltip="#215bd8 color"/>
+                        </a:rPr>
+                        <a:t>#215bd8</a:t>
+                      </a:r>
+                      <a:endParaRPr lang="es-EC">
+                        <a:effectLst/>
+                      </a:endParaRPr>
+                    </a:p>
+                  </a:txBody>
+                  <a:tcPr marL="76200" marR="76200" marT="76200" marB="76200">
+                    <a:lnL>
+                      <a:noFill/>
+                    </a:lnL>
+                    <a:lnR>
+                      <a:noFill/>
+                    </a:lnR>
+                    <a:lnT w="9525" cap="flat" cmpd="sng" algn="ctr">
+                      <a:solidFill>
+                        <a:srgbClr val="DDDDDD"/>
+                      </a:solidFill>
+                      <a:prstDash val="solid"/>
+                      <a:round/>
+                      <a:headEnd type="none" w="med" len="med"/>
+                      <a:tailEnd type="none" w="med" len="med"/>
+                    </a:lnT>
+                    <a:lnB>
+                      <a:noFill/>
+                    </a:lnB>
+                    <a:solidFill>
+                      <a:srgbClr val="FFFFFF"/>
+                    </a:solidFill>
+                  </a:tcPr>
+                </a:tc>
+                <a:tc>
+                  <a:txBody>
+                    <a:bodyPr/>
+                    <a:lstStyle/>
+                    <a:p>
+                      <a:pPr fontAlgn="t"/>
+                      <a:r>
+                        <a:rPr lang="es-EC" dirty="0">
+                          <a:effectLst/>
+                        </a:rPr>
+                        <a:t>(33,91,216)</a:t>
+                      </a:r>
+                    </a:p>
+                  </a:txBody>
+                  <a:tcPr marL="76200" marR="76200" marT="76200" marB="76200">
+                    <a:lnL>
+                      <a:noFill/>
+                    </a:lnL>
+                    <a:lnR>
+                      <a:noFill/>
+                    </a:lnR>
+                    <a:lnT w="9525" cap="flat" cmpd="sng" algn="ctr">
+                      <a:solidFill>
+                        <a:srgbClr val="DDDDDD"/>
+                      </a:solidFill>
+                      <a:prstDash val="solid"/>
+                      <a:round/>
+                      <a:headEnd type="none" w="med" len="med"/>
+                      <a:tailEnd type="none" w="med" len="med"/>
+                    </a:lnT>
+                    <a:lnB>
+                      <a:noFill/>
+                    </a:lnB>
+                    <a:solidFill>
+                      <a:srgbClr val="FFFFFF"/>
+                    </a:solidFill>
+                  </a:tcPr>
+                </a:tc>
+              </a:tr>
+            </a:tbl>
+          </a:graphicData>
+        </a:graphic>
+      </p:graphicFrame>
+    </p:spTree>
+    <p:extLst>
+      <p:ext uri="{BB962C8B-B14F-4D97-AF65-F5344CB8AC3E}">
+        <p14:creationId xmlns:p14="http://schemas.microsoft.com/office/powerpoint/2010/main" val="982310028"/>
       </p:ext>
     </p:extLst>
   </p:cSld>
